--- a/presentation.pptx
+++ b/presentation.pptx
@@ -12,14 +12,14 @@
     <p:sldId id="261" r:id="rId6"/>
     <p:sldId id="263" r:id="rId7"/>
     <p:sldId id="265" r:id="rId8"/>
-    <p:sldId id="266" r:id="rId9"/>
-    <p:sldId id="267" r:id="rId10"/>
-    <p:sldId id="268" r:id="rId11"/>
-    <p:sldId id="269" r:id="rId12"/>
-    <p:sldId id="271" r:id="rId13"/>
-    <p:sldId id="272" r:id="rId14"/>
+    <p:sldId id="277" r:id="rId9"/>
+    <p:sldId id="266" r:id="rId10"/>
+    <p:sldId id="267" r:id="rId11"/>
+    <p:sldId id="268" r:id="rId12"/>
+    <p:sldId id="269" r:id="rId13"/>
+    <p:sldId id="278" r:id="rId14"/>
     <p:sldId id="273" r:id="rId15"/>
-    <p:sldId id="274" r:id="rId16"/>
+    <p:sldId id="279" r:id="rId16"/>
     <p:sldId id="275" r:id="rId17"/>
     <p:sldId id="276" r:id="rId18"/>
   </p:sldIdLst>
@@ -319,7 +319,7 @@
           <a:p>
             <a:fld id="{DC1D07E2-03B8-4D57-B77D-FCE75706A52C}" type="datetimeFigureOut">
               <a:rPr lang="ru-RU" smtClean="0"/>
-              <a:t>25.12.2025</a:t>
+              <a:t>27.12.2025</a:t>
             </a:fld>
             <a:endParaRPr lang="ru-RU"/>
           </a:p>
@@ -755,7 +755,7 @@
           <a:p>
             <a:fld id="{DC1D07E2-03B8-4D57-B77D-FCE75706A52C}" type="datetimeFigureOut">
               <a:rPr lang="ru-RU" smtClean="0"/>
-              <a:t>25.12.2025</a:t>
+              <a:t>27.12.2025</a:t>
             </a:fld>
             <a:endParaRPr lang="ru-RU"/>
           </a:p>
@@ -1005,7 +1005,7 @@
           <a:p>
             <a:fld id="{DC1D07E2-03B8-4D57-B77D-FCE75706A52C}" type="datetimeFigureOut">
               <a:rPr lang="ru-RU" smtClean="0"/>
-              <a:t>25.12.2025</a:t>
+              <a:t>27.12.2025</a:t>
             </a:fld>
             <a:endParaRPr lang="ru-RU"/>
           </a:p>
@@ -1313,7 +1313,7 @@
           <a:p>
             <a:fld id="{DC1D07E2-03B8-4D57-B77D-FCE75706A52C}" type="datetimeFigureOut">
               <a:rPr lang="ru-RU" smtClean="0"/>
-              <a:t>25.12.2025</a:t>
+              <a:t>27.12.2025</a:t>
             </a:fld>
             <a:endParaRPr lang="ru-RU"/>
           </a:p>
@@ -1631,7 +1631,7 @@
           <a:p>
             <a:fld id="{DC1D07E2-03B8-4D57-B77D-FCE75706A52C}" type="datetimeFigureOut">
               <a:rPr lang="ru-RU" smtClean="0"/>
-              <a:t>25.12.2025</a:t>
+              <a:t>27.12.2025</a:t>
             </a:fld>
             <a:endParaRPr lang="ru-RU"/>
           </a:p>
@@ -1933,7 +1933,7 @@
           <a:p>
             <a:fld id="{DC1D07E2-03B8-4D57-B77D-FCE75706A52C}" type="datetimeFigureOut">
               <a:rPr lang="ru-RU" smtClean="0"/>
-              <a:t>25.12.2025</a:t>
+              <a:t>27.12.2025</a:t>
             </a:fld>
             <a:endParaRPr lang="ru-RU"/>
           </a:p>
@@ -2300,7 +2300,7 @@
           <a:p>
             <a:fld id="{DC1D07E2-03B8-4D57-B77D-FCE75706A52C}" type="datetimeFigureOut">
               <a:rPr lang="ru-RU" smtClean="0"/>
-              <a:t>25.12.2025</a:t>
+              <a:t>27.12.2025</a:t>
             </a:fld>
             <a:endParaRPr lang="ru-RU"/>
           </a:p>
@@ -2474,7 +2474,7 @@
           <a:p>
             <a:fld id="{DC1D07E2-03B8-4D57-B77D-FCE75706A52C}" type="datetimeFigureOut">
               <a:rPr lang="ru-RU" smtClean="0"/>
-              <a:t>25.12.2025</a:t>
+              <a:t>27.12.2025</a:t>
             </a:fld>
             <a:endParaRPr lang="ru-RU"/>
           </a:p>
@@ -2654,7 +2654,7 @@
           <a:p>
             <a:fld id="{DC1D07E2-03B8-4D57-B77D-FCE75706A52C}" type="datetimeFigureOut">
               <a:rPr lang="ru-RU" smtClean="0"/>
-              <a:t>25.12.2025</a:t>
+              <a:t>27.12.2025</a:t>
             </a:fld>
             <a:endParaRPr lang="ru-RU"/>
           </a:p>
@@ -2824,7 +2824,7 @@
           <a:p>
             <a:fld id="{DC1D07E2-03B8-4D57-B77D-FCE75706A52C}" type="datetimeFigureOut">
               <a:rPr lang="ru-RU" smtClean="0"/>
-              <a:t>25.12.2025</a:t>
+              <a:t>27.12.2025</a:t>
             </a:fld>
             <a:endParaRPr lang="ru-RU"/>
           </a:p>
@@ -3074,7 +3074,7 @@
           <a:p>
             <a:fld id="{DC1D07E2-03B8-4D57-B77D-FCE75706A52C}" type="datetimeFigureOut">
               <a:rPr lang="ru-RU" smtClean="0"/>
-              <a:t>25.12.2025</a:t>
+              <a:t>27.12.2025</a:t>
             </a:fld>
             <a:endParaRPr lang="ru-RU"/>
           </a:p>
@@ -3310,7 +3310,7 @@
           <a:p>
             <a:fld id="{DC1D07E2-03B8-4D57-B77D-FCE75706A52C}" type="datetimeFigureOut">
               <a:rPr lang="ru-RU" smtClean="0"/>
-              <a:t>25.12.2025</a:t>
+              <a:t>27.12.2025</a:t>
             </a:fld>
             <a:endParaRPr lang="ru-RU"/>
           </a:p>
@@ -3692,7 +3692,7 @@
           <a:p>
             <a:fld id="{DC1D07E2-03B8-4D57-B77D-FCE75706A52C}" type="datetimeFigureOut">
               <a:rPr lang="ru-RU" smtClean="0"/>
-              <a:t>25.12.2025</a:t>
+              <a:t>27.12.2025</a:t>
             </a:fld>
             <a:endParaRPr lang="ru-RU"/>
           </a:p>
@@ -3810,7 +3810,7 @@
           <a:p>
             <a:fld id="{DC1D07E2-03B8-4D57-B77D-FCE75706A52C}" type="datetimeFigureOut">
               <a:rPr lang="ru-RU" smtClean="0"/>
-              <a:t>25.12.2025</a:t>
+              <a:t>27.12.2025</a:t>
             </a:fld>
             <a:endParaRPr lang="ru-RU"/>
           </a:p>
@@ -3905,7 +3905,7 @@
           <a:p>
             <a:fld id="{DC1D07E2-03B8-4D57-B77D-FCE75706A52C}" type="datetimeFigureOut">
               <a:rPr lang="ru-RU" smtClean="0"/>
-              <a:t>25.12.2025</a:t>
+              <a:t>27.12.2025</a:t>
             </a:fld>
             <a:endParaRPr lang="ru-RU"/>
           </a:p>
@@ -4160,7 +4160,7 @@
           <a:p>
             <a:fld id="{DC1D07E2-03B8-4D57-B77D-FCE75706A52C}" type="datetimeFigureOut">
               <a:rPr lang="ru-RU" smtClean="0"/>
-              <a:t>25.12.2025</a:t>
+              <a:t>27.12.2025</a:t>
             </a:fld>
             <a:endParaRPr lang="ru-RU"/>
           </a:p>
@@ -4443,7 +4443,7 @@
           <a:p>
             <a:fld id="{DC1D07E2-03B8-4D57-B77D-FCE75706A52C}" type="datetimeFigureOut">
               <a:rPr lang="ru-RU" smtClean="0"/>
-              <a:t>25.12.2025</a:t>
+              <a:t>27.12.2025</a:t>
             </a:fld>
             <a:endParaRPr lang="ru-RU"/>
           </a:p>
@@ -4849,7 +4849,7 @@
           <a:p>
             <a:fld id="{DC1D07E2-03B8-4D57-B77D-FCE75706A52C}" type="datetimeFigureOut">
               <a:rPr lang="ru-RU" smtClean="0"/>
-              <a:t>25.12.2025</a:t>
+              <a:t>27.12.2025</a:t>
             </a:fld>
             <a:endParaRPr lang="ru-RU"/>
           </a:p>
@@ -5699,7 +5699,7 @@
               </a:spcAft>
             </a:pPr>
             <a:r>
-              <a:rPr lang="ru-RU" sz="1800" b="0" i="0" u="none" strike="noStrike" dirty="0">
+              <a:rPr lang="en-US" sz="1800" b="0" i="0" u="none" strike="noStrike" dirty="0">
                 <a:solidFill>
                   <a:srgbClr val="FFFFFF"/>
                 </a:solidFill>
@@ -5708,12 +5708,16 @@
               </a:rPr>
               <a:t>https://github.com/taysumova/urfu_ml/tree/main</a:t>
             </a:r>
-            <a:endParaRPr lang="ru-RU" sz="1800" b="0" dirty="0">
+            <a:endParaRPr lang="ru-RU" sz="1800" b="0" i="0" u="none" strike="noStrike" dirty="0">
+              <a:solidFill>
+                <a:srgbClr val="FFFFFF"/>
+              </a:solidFill>
               <a:effectLst/>
+              <a:latin typeface="Arial" panose="020B0604020202020204" pitchFamily="34" charset="0"/>
             </a:endParaRPr>
           </a:p>
           <a:p>
-            <a:pPr rtl="0">
+            <a:pPr>
               <a:spcBef>
                 <a:spcPts val="0"/>
               </a:spcBef>
@@ -5839,11 +5843,18 @@
           <a:lstStyle/>
           <a:p>
             <a:r>
+              <a:rPr lang="ru-RU" dirty="0">
+                <a:latin typeface="Arial" panose="020B0604020202020204" pitchFamily="34" charset="0"/>
+                <a:cs typeface="Arial" panose="020B0604020202020204" pitchFamily="34" charset="0"/>
+              </a:rPr>
+              <a:t>Метрика качества – </a:t>
+            </a:r>
+            <a:r>
               <a:rPr lang="en-US" dirty="0">
                 <a:latin typeface="Arial" panose="020B0604020202020204" pitchFamily="34" charset="0"/>
                 <a:cs typeface="Arial" panose="020B0604020202020204" pitchFamily="34" charset="0"/>
               </a:rPr>
-              <a:t>Baseline – Logistic Regression</a:t>
+              <a:t>f1</a:t>
             </a:r>
             <a:endParaRPr lang="ru-RU" dirty="0">
               <a:latin typeface="Arial" panose="020B0604020202020204" pitchFamily="34" charset="0"/>
@@ -5852,70 +5863,751 @@
           </a:p>
         </p:txBody>
       </p:sp>
-      <p:pic>
-        <p:nvPicPr>
-          <p:cNvPr id="7" name="Рисунок 6">
+      <p:sp>
+        <p:nvSpPr>
+          <p:cNvPr id="3" name="Текст 2">
             <a:extLst>
               <a:ext uri="{FF2B5EF4-FFF2-40B4-BE49-F238E27FC236}">
-                <a16:creationId xmlns:a16="http://schemas.microsoft.com/office/drawing/2014/main" id="{BA0A1555-3395-4C73-8900-9DCAE71EE9E4}"/>
+                <a16:creationId xmlns:a16="http://schemas.microsoft.com/office/drawing/2014/main" id="{DCB517DD-7379-4EB5-98F4-2F52546EDA55}"/>
               </a:ext>
             </a:extLst>
           </p:cNvPr>
-          <p:cNvPicPr>
-            <a:picLocks noChangeAspect="1"/>
-          </p:cNvPicPr>
-          <p:nvPr/>
-        </p:nvPicPr>
-        <p:blipFill>
-          <a:blip r:embed="rId2"/>
-          <a:stretch>
-            <a:fillRect/>
-          </a:stretch>
-        </p:blipFill>
+          <p:cNvSpPr>
+            <a:spLocks noGrp="1"/>
+          </p:cNvSpPr>
+          <p:nvPr>
+            <p:ph type="body" idx="1"/>
+          </p:nvPr>
+        </p:nvSpPr>
         <p:spPr>
           <a:xfrm>
-            <a:off x="2087189" y="989187"/>
-            <a:ext cx="7141975" cy="3812271"/>
+            <a:off x="684214" y="989186"/>
+            <a:ext cx="11382280" cy="5539173"/>
           </a:xfrm>
-          <a:prstGeom prst="rect">
-            <a:avLst/>
-          </a:prstGeom>
         </p:spPr>
-      </p:pic>
-      <p:pic>
-        <p:nvPicPr>
-          <p:cNvPr id="11" name="Рисунок 10">
-            <a:extLst>
-              <a:ext uri="{FF2B5EF4-FFF2-40B4-BE49-F238E27FC236}">
-                <a16:creationId xmlns:a16="http://schemas.microsoft.com/office/drawing/2014/main" id="{824E573E-1236-4AF9-A98F-720B3D204778}"/>
-              </a:ext>
-            </a:extLst>
-          </p:cNvPr>
-          <p:cNvPicPr>
-            <a:picLocks noChangeAspect="1"/>
-          </p:cNvPicPr>
-          <p:nvPr/>
-        </p:nvPicPr>
-        <p:blipFill>
-          <a:blip r:embed="rId3"/>
-          <a:stretch>
-            <a:fillRect/>
-          </a:stretch>
-        </p:blipFill>
-        <p:spPr>
-          <a:xfrm>
-            <a:off x="2986040" y="5040022"/>
-            <a:ext cx="5344271" cy="1657581"/>
-          </a:xfrm>
-          <a:prstGeom prst="rect">
-            <a:avLst/>
-          </a:prstGeom>
-        </p:spPr>
-      </p:pic>
+        <p:txBody>
+          <a:bodyPr>
+            <a:noAutofit/>
+          </a:bodyPr>
+          <a:lstStyle/>
+          <a:p>
+            <a:pPr marL="0" marR="0" lvl="0" indent="0" algn="l" defTabSz="914400" rtl="0" eaLnBrk="0" fontAlgn="base" latinLnBrk="0" hangingPunct="0">
+              <a:lnSpc>
+                <a:spcPct val="100000"/>
+              </a:lnSpc>
+              <a:spcBef>
+                <a:spcPct val="0"/>
+              </a:spcBef>
+              <a:spcAft>
+                <a:spcPct val="0"/>
+              </a:spcAft>
+              <a:buClrTx/>
+              <a:buSzTx/>
+              <a:buFontTx/>
+              <a:buNone/>
+              <a:tabLst/>
+            </a:pPr>
+            <a:r>
+              <a:rPr lang="ru-RU" sz="1400" i="0" dirty="0">
+                <a:solidFill>
+                  <a:srgbClr val="F7F8FC"/>
+                </a:solidFill>
+                <a:effectLst/>
+                <a:latin typeface="Arial" panose="020B0604020202020204" pitchFamily="34" charset="0"/>
+                <a:cs typeface="Arial" panose="020B0604020202020204" pitchFamily="34" charset="0"/>
+              </a:rPr>
+              <a:t>В рамках настоящего проекта в качестве основной метрики качества модели бинарной классификации была выбрана F1‑мера. Данный выбор обусловлен следующими ключевыми факторами:</a:t>
+            </a:r>
+          </a:p>
+          <a:p>
+            <a:pPr marL="0" marR="0" lvl="0" indent="0" algn="l" defTabSz="914400" rtl="0" eaLnBrk="0" fontAlgn="base" latinLnBrk="0" hangingPunct="0">
+              <a:lnSpc>
+                <a:spcPct val="100000"/>
+              </a:lnSpc>
+              <a:spcBef>
+                <a:spcPct val="0"/>
+              </a:spcBef>
+              <a:spcAft>
+                <a:spcPct val="0"/>
+              </a:spcAft>
+              <a:buClrTx/>
+              <a:buSzTx/>
+              <a:buFontTx/>
+              <a:buNone/>
+              <a:tabLst/>
+            </a:pPr>
+            <a:endParaRPr kumimoji="0" lang="ru-RU" altLang="ru-RU" sz="1400" u="none" strike="noStrike" cap="none" normalizeH="0" baseline="0" dirty="0">
+              <a:ln>
+                <a:noFill/>
+              </a:ln>
+              <a:solidFill>
+                <a:srgbClr val="F7F8FC"/>
+              </a:solidFill>
+              <a:latin typeface="Arial" panose="020B0604020202020204" pitchFamily="34" charset="0"/>
+              <a:cs typeface="Arial" panose="020B0604020202020204" pitchFamily="34" charset="0"/>
+            </a:endParaRPr>
+          </a:p>
+          <a:p>
+            <a:pPr marL="0" marR="0" lvl="0" indent="0" algn="l" defTabSz="914400" rtl="0" eaLnBrk="0" fontAlgn="base" latinLnBrk="0" hangingPunct="0">
+              <a:lnSpc>
+                <a:spcPct val="100000"/>
+              </a:lnSpc>
+              <a:spcBef>
+                <a:spcPct val="0"/>
+              </a:spcBef>
+              <a:spcAft>
+                <a:spcPct val="0"/>
+              </a:spcAft>
+              <a:buClrTx/>
+              <a:buSzTx/>
+              <a:buFontTx/>
+              <a:buNone/>
+              <a:tabLst/>
+            </a:pPr>
+            <a:r>
+              <a:rPr kumimoji="0" lang="ru-RU" altLang="ru-RU" sz="1400" b="1" i="0" u="none" strike="noStrike" cap="none" normalizeH="0" baseline="0" dirty="0">
+                <a:ln>
+                  <a:noFill/>
+                </a:ln>
+                <a:solidFill>
+                  <a:srgbClr val="F7F8FC"/>
+                </a:solidFill>
+                <a:effectLst/>
+                <a:latin typeface="Arial" panose="020B0604020202020204" pitchFamily="34" charset="0"/>
+                <a:cs typeface="Arial" panose="020B0604020202020204" pitchFamily="34" charset="0"/>
+              </a:rPr>
+              <a:t>1. Наличие выраженного дисбаланса классов</a:t>
+            </a:r>
+          </a:p>
+          <a:p>
+            <a:pPr marL="0" marR="0" lvl="0" indent="0" algn="l" defTabSz="914400" rtl="0" eaLnBrk="0" fontAlgn="base" latinLnBrk="0" hangingPunct="0">
+              <a:lnSpc>
+                <a:spcPct val="100000"/>
+              </a:lnSpc>
+              <a:spcBef>
+                <a:spcPct val="0"/>
+              </a:spcBef>
+              <a:spcAft>
+                <a:spcPct val="0"/>
+              </a:spcAft>
+              <a:buClrTx/>
+              <a:buSzTx/>
+              <a:buFontTx/>
+              <a:buNone/>
+              <a:tabLst/>
+            </a:pPr>
+            <a:r>
+              <a:rPr kumimoji="0" lang="ru-RU" altLang="ru-RU" sz="1400" i="0" u="none" strike="noStrike" cap="none" normalizeH="0" baseline="0" dirty="0">
+                <a:ln>
+                  <a:noFill/>
+                </a:ln>
+                <a:solidFill>
+                  <a:srgbClr val="F7F8FC"/>
+                </a:solidFill>
+                <a:effectLst/>
+                <a:latin typeface="Arial" panose="020B0604020202020204" pitchFamily="34" charset="0"/>
+                <a:cs typeface="Arial" panose="020B0604020202020204" pitchFamily="34" charset="0"/>
+              </a:rPr>
+              <a:t>Анализ показал, что целевой признак распределён неравномерно: доля положительных примеров составляет 15% от общего объёма данных. В таких условиях традиционные метрики, такие как доля верных ответов (</a:t>
+            </a:r>
+            <a:r>
+              <a:rPr kumimoji="0" lang="ru-RU" altLang="ru-RU" sz="1400" i="0" u="none" strike="noStrike" cap="none" normalizeH="0" baseline="0" dirty="0" err="1">
+                <a:ln>
+                  <a:noFill/>
+                </a:ln>
+                <a:solidFill>
+                  <a:srgbClr val="F7F8FC"/>
+                </a:solidFill>
+                <a:effectLst/>
+                <a:latin typeface="Arial" panose="020B0604020202020204" pitchFamily="34" charset="0"/>
+                <a:cs typeface="Arial" panose="020B0604020202020204" pitchFamily="34" charset="0"/>
+              </a:rPr>
+              <a:t>accuracy</a:t>
+            </a:r>
+            <a:r>
+              <a:rPr kumimoji="0" lang="ru-RU" altLang="ru-RU" sz="1400" i="0" u="none" strike="noStrike" cap="none" normalizeH="0" baseline="0" dirty="0">
+                <a:ln>
+                  <a:noFill/>
+                </a:ln>
+                <a:solidFill>
+                  <a:srgbClr val="F7F8FC"/>
+                </a:solidFill>
+                <a:effectLst/>
+                <a:latin typeface="Arial" panose="020B0604020202020204" pitchFamily="34" charset="0"/>
+                <a:cs typeface="Arial" panose="020B0604020202020204" pitchFamily="34" charset="0"/>
+              </a:rPr>
+              <a:t>), становятся неинформативными, поскольку модель, предсказывающая только отрицательный класс, может достичь высокой точности, оставаясь при этом практически бесполезной для решения поставленной задачи.</a:t>
+            </a:r>
+            <a:endParaRPr kumimoji="0" lang="ru-RU" altLang="ru-RU" sz="1400" i="0" u="none" strike="noStrike" cap="none" normalizeH="0" baseline="0" dirty="0">
+              <a:ln>
+                <a:noFill/>
+              </a:ln>
+              <a:solidFill>
+                <a:schemeClr val="tx1"/>
+              </a:solidFill>
+              <a:effectLst/>
+              <a:latin typeface="Arial" panose="020B0604020202020204" pitchFamily="34" charset="0"/>
+              <a:cs typeface="Arial" panose="020B0604020202020204" pitchFamily="34" charset="0"/>
+            </a:endParaRPr>
+          </a:p>
+          <a:p>
+            <a:pPr marL="0" marR="0" lvl="0" indent="0" algn="l" defTabSz="914400" rtl="0" eaLnBrk="0" fontAlgn="base" latinLnBrk="0" hangingPunct="0">
+              <a:lnSpc>
+                <a:spcPct val="100000"/>
+              </a:lnSpc>
+              <a:spcBef>
+                <a:spcPct val="0"/>
+              </a:spcBef>
+              <a:spcAft>
+                <a:spcPct val="0"/>
+              </a:spcAft>
+              <a:buClrTx/>
+              <a:buSzTx/>
+              <a:buFontTx/>
+              <a:buNone/>
+              <a:tabLst/>
+            </a:pPr>
+            <a:endParaRPr kumimoji="0" lang="ru-RU" altLang="ru-RU" sz="1400" i="0" u="none" strike="noStrike" cap="none" normalizeH="0" baseline="0" dirty="0">
+              <a:ln>
+                <a:noFill/>
+              </a:ln>
+              <a:solidFill>
+                <a:srgbClr val="F7F8FC"/>
+              </a:solidFill>
+              <a:effectLst/>
+              <a:latin typeface="Arial" panose="020B0604020202020204" pitchFamily="34" charset="0"/>
+              <a:cs typeface="Arial" panose="020B0604020202020204" pitchFamily="34" charset="0"/>
+            </a:endParaRPr>
+          </a:p>
+          <a:p>
+            <a:pPr marL="0" marR="0" lvl="0" indent="0" algn="l" defTabSz="914400" rtl="0" eaLnBrk="0" fontAlgn="base" latinLnBrk="0" hangingPunct="0">
+              <a:lnSpc>
+                <a:spcPct val="100000"/>
+              </a:lnSpc>
+              <a:spcBef>
+                <a:spcPct val="0"/>
+              </a:spcBef>
+              <a:spcAft>
+                <a:spcPct val="0"/>
+              </a:spcAft>
+              <a:buClrTx/>
+              <a:buSzTx/>
+              <a:buFontTx/>
+              <a:buNone/>
+              <a:tabLst/>
+            </a:pPr>
+            <a:r>
+              <a:rPr kumimoji="0" lang="ru-RU" altLang="ru-RU" sz="1400" b="1" i="0" u="none" strike="noStrike" cap="none" normalizeH="0" baseline="0" dirty="0">
+                <a:ln>
+                  <a:noFill/>
+                </a:ln>
+                <a:solidFill>
+                  <a:srgbClr val="F7F8FC"/>
+                </a:solidFill>
+                <a:effectLst/>
+                <a:latin typeface="Arial" panose="020B0604020202020204" pitchFamily="34" charset="0"/>
+                <a:cs typeface="Arial" panose="020B0604020202020204" pitchFamily="34" charset="0"/>
+              </a:rPr>
+              <a:t>2. Практическая значимость обнаружения редкого класса</a:t>
+            </a:r>
+          </a:p>
+          <a:p>
+            <a:pPr marL="0" marR="0" lvl="0" indent="0" algn="l" defTabSz="914400" rtl="0" eaLnBrk="0" fontAlgn="base" latinLnBrk="0" hangingPunct="0">
+              <a:lnSpc>
+                <a:spcPct val="100000"/>
+              </a:lnSpc>
+              <a:spcBef>
+                <a:spcPct val="0"/>
+              </a:spcBef>
+              <a:spcAft>
+                <a:spcPct val="0"/>
+              </a:spcAft>
+              <a:buClrTx/>
+              <a:buSzTx/>
+              <a:buFontTx/>
+              <a:buNone/>
+              <a:tabLst/>
+            </a:pPr>
+            <a:r>
+              <a:rPr kumimoji="0" lang="ru-RU" altLang="ru-RU" sz="1400" i="0" u="none" strike="noStrike" cap="none" normalizeH="0" baseline="0" dirty="0">
+                <a:ln>
+                  <a:noFill/>
+                </a:ln>
+                <a:solidFill>
+                  <a:srgbClr val="F7F8FC"/>
+                </a:solidFill>
+                <a:effectLst/>
+                <a:latin typeface="Arial" panose="020B0604020202020204" pitchFamily="34" charset="0"/>
+                <a:cs typeface="Arial" panose="020B0604020202020204" pitchFamily="34" charset="0"/>
+              </a:rPr>
+              <a:t>Задача проекта предполагает выявление важных событий для бизнеса</a:t>
+            </a:r>
+            <a:r>
+              <a:rPr lang="ru-RU" altLang="ru-RU" sz="1400" dirty="0">
+                <a:solidFill>
+                  <a:srgbClr val="F7F8FC"/>
+                </a:solidFill>
+                <a:latin typeface="Arial" panose="020B0604020202020204" pitchFamily="34" charset="0"/>
+                <a:cs typeface="Arial" panose="020B0604020202020204" pitchFamily="34" charset="0"/>
+              </a:rPr>
+              <a:t>. </a:t>
+            </a:r>
+            <a:r>
+              <a:rPr kumimoji="0" lang="ru-RU" altLang="ru-RU" sz="1400" i="0" u="none" strike="noStrike" cap="none" normalizeH="0" baseline="0" dirty="0">
+                <a:ln>
+                  <a:noFill/>
+                </a:ln>
+                <a:solidFill>
+                  <a:srgbClr val="F7F8FC"/>
+                </a:solidFill>
+                <a:effectLst/>
+                <a:latin typeface="Arial" panose="020B0604020202020204" pitchFamily="34" charset="0"/>
+                <a:cs typeface="Arial" panose="020B0604020202020204" pitchFamily="34" charset="0"/>
+              </a:rPr>
+              <a:t>В подобных сценариях пропуск положительного случая (ложноотрицательная ошибка) может повлечь серьёзные последствия. В то же время чрезмерное количество ложноположительных срабатываний ведёт к неоправданным затратам ресурсов и снижению доверия к системе.</a:t>
+            </a:r>
+            <a:br>
+              <a:rPr kumimoji="0" lang="ru-RU" altLang="ru-RU" sz="1400" i="0" u="none" strike="noStrike" cap="none" normalizeH="0" baseline="0" dirty="0">
+                <a:ln>
+                  <a:noFill/>
+                </a:ln>
+                <a:solidFill>
+                  <a:srgbClr val="F7F8FC"/>
+                </a:solidFill>
+                <a:effectLst/>
+                <a:latin typeface="Arial" panose="020B0604020202020204" pitchFamily="34" charset="0"/>
+                <a:cs typeface="Arial" panose="020B0604020202020204" pitchFamily="34" charset="0"/>
+              </a:rPr>
+            </a:br>
+            <a:r>
+              <a:rPr kumimoji="0" lang="ru-RU" altLang="ru-RU" sz="1400" i="0" u="none" strike="noStrike" cap="none" normalizeH="0" baseline="0" dirty="0">
+                <a:ln>
+                  <a:noFill/>
+                </a:ln>
+                <a:solidFill>
+                  <a:srgbClr val="F7F8FC"/>
+                </a:solidFill>
+                <a:effectLst/>
+                <a:latin typeface="Arial" panose="020B0604020202020204" pitchFamily="34" charset="0"/>
+                <a:cs typeface="Arial" panose="020B0604020202020204" pitchFamily="34" charset="0"/>
+              </a:rPr>
+              <a:t>F1‑мера, являясь гармоническим средним между </a:t>
+            </a:r>
+            <a:r>
+              <a:rPr kumimoji="0" lang="ru-RU" altLang="ru-RU" sz="1400" b="1" i="0" u="none" strike="noStrike" cap="none" normalizeH="0" baseline="0" dirty="0">
+                <a:ln>
+                  <a:noFill/>
+                </a:ln>
+                <a:solidFill>
+                  <a:srgbClr val="F7F8FC"/>
+                </a:solidFill>
+                <a:effectLst/>
+                <a:latin typeface="Arial" panose="020B0604020202020204" pitchFamily="34" charset="0"/>
+                <a:cs typeface="Arial" panose="020B0604020202020204" pitchFamily="34" charset="0"/>
+              </a:rPr>
+              <a:t>полнотой (</a:t>
+            </a:r>
+            <a:r>
+              <a:rPr kumimoji="0" lang="ru-RU" altLang="ru-RU" sz="1400" b="1" i="0" u="none" strike="noStrike" cap="none" normalizeH="0" baseline="0" dirty="0" err="1">
+                <a:ln>
+                  <a:noFill/>
+                </a:ln>
+                <a:solidFill>
+                  <a:srgbClr val="F7F8FC"/>
+                </a:solidFill>
+                <a:effectLst/>
+                <a:latin typeface="Arial" panose="020B0604020202020204" pitchFamily="34" charset="0"/>
+                <a:cs typeface="Arial" panose="020B0604020202020204" pitchFamily="34" charset="0"/>
+              </a:rPr>
+              <a:t>Recall</a:t>
+            </a:r>
+            <a:r>
+              <a:rPr kumimoji="0" lang="ru-RU" altLang="ru-RU" sz="1400" b="1" i="0" u="none" strike="noStrike" cap="none" normalizeH="0" baseline="0" dirty="0">
+                <a:ln>
+                  <a:noFill/>
+                </a:ln>
+                <a:solidFill>
+                  <a:srgbClr val="F7F8FC"/>
+                </a:solidFill>
+                <a:effectLst/>
+                <a:latin typeface="Arial" panose="020B0604020202020204" pitchFamily="34" charset="0"/>
+                <a:cs typeface="Arial" panose="020B0604020202020204" pitchFamily="34" charset="0"/>
+              </a:rPr>
+              <a:t>) и точностью (</a:t>
+            </a:r>
+            <a:r>
+              <a:rPr kumimoji="0" lang="ru-RU" altLang="ru-RU" sz="1400" b="1" i="0" u="none" strike="noStrike" cap="none" normalizeH="0" baseline="0" dirty="0" err="1">
+                <a:ln>
+                  <a:noFill/>
+                </a:ln>
+                <a:solidFill>
+                  <a:srgbClr val="F7F8FC"/>
+                </a:solidFill>
+                <a:effectLst/>
+                <a:latin typeface="Arial" panose="020B0604020202020204" pitchFamily="34" charset="0"/>
+                <a:cs typeface="Arial" panose="020B0604020202020204" pitchFamily="34" charset="0"/>
+              </a:rPr>
+              <a:t>Precision</a:t>
+            </a:r>
+            <a:r>
+              <a:rPr kumimoji="0" lang="ru-RU" altLang="ru-RU" sz="1400" b="1" i="0" u="none" strike="noStrike" cap="none" normalizeH="0" baseline="0" dirty="0">
+                <a:ln>
+                  <a:noFill/>
+                </a:ln>
+                <a:solidFill>
+                  <a:srgbClr val="F7F8FC"/>
+                </a:solidFill>
+                <a:effectLst/>
+                <a:latin typeface="Arial" panose="020B0604020202020204" pitchFamily="34" charset="0"/>
+                <a:cs typeface="Arial" panose="020B0604020202020204" pitchFamily="34" charset="0"/>
+              </a:rPr>
+              <a:t>), учитывает оба аспекта </a:t>
+            </a:r>
+            <a:r>
+              <a:rPr kumimoji="0" lang="ru-RU" altLang="ru-RU" sz="1400" i="0" u="none" strike="noStrike" cap="none" normalizeH="0" baseline="0" dirty="0">
+                <a:ln>
+                  <a:noFill/>
+                </a:ln>
+                <a:solidFill>
+                  <a:srgbClr val="F7F8FC"/>
+                </a:solidFill>
+                <a:effectLst/>
+                <a:latin typeface="Arial" panose="020B0604020202020204" pitchFamily="34" charset="0"/>
+                <a:cs typeface="Arial" panose="020B0604020202020204" pitchFamily="34" charset="0"/>
+              </a:rPr>
+              <a:t>и обеспечивает сбалансированную оценку качества модели именно в контексте обнаружения редкого, но значимого класса.</a:t>
+            </a:r>
+            <a:endParaRPr kumimoji="0" lang="ru-RU" altLang="ru-RU" sz="1400" i="0" u="none" strike="noStrike" cap="none" normalizeH="0" baseline="0" dirty="0">
+              <a:ln>
+                <a:noFill/>
+              </a:ln>
+              <a:solidFill>
+                <a:schemeClr val="tx1"/>
+              </a:solidFill>
+              <a:effectLst/>
+              <a:latin typeface="Arial" panose="020B0604020202020204" pitchFamily="34" charset="0"/>
+              <a:cs typeface="Arial" panose="020B0604020202020204" pitchFamily="34" charset="0"/>
+            </a:endParaRPr>
+          </a:p>
+          <a:p>
+            <a:pPr marL="0" marR="0" lvl="0" indent="0" algn="l" defTabSz="914400" rtl="0" eaLnBrk="0" fontAlgn="base" latinLnBrk="0" hangingPunct="0">
+              <a:lnSpc>
+                <a:spcPct val="100000"/>
+              </a:lnSpc>
+              <a:spcBef>
+                <a:spcPct val="0"/>
+              </a:spcBef>
+              <a:spcAft>
+                <a:spcPct val="0"/>
+              </a:spcAft>
+              <a:buClrTx/>
+              <a:buSzTx/>
+              <a:buFontTx/>
+              <a:buNone/>
+              <a:tabLst/>
+            </a:pPr>
+            <a:endParaRPr kumimoji="0" lang="ru-RU" altLang="ru-RU" sz="1400" i="0" u="none" strike="noStrike" cap="none" normalizeH="0" baseline="0" dirty="0">
+              <a:ln>
+                <a:noFill/>
+              </a:ln>
+              <a:solidFill>
+                <a:srgbClr val="F7F8FC"/>
+              </a:solidFill>
+              <a:effectLst/>
+              <a:latin typeface="Arial" panose="020B0604020202020204" pitchFamily="34" charset="0"/>
+              <a:cs typeface="Arial" panose="020B0604020202020204" pitchFamily="34" charset="0"/>
+            </a:endParaRPr>
+          </a:p>
+          <a:p>
+            <a:pPr marL="0" marR="0" lvl="0" indent="0" algn="l" defTabSz="914400" rtl="0" eaLnBrk="0" fontAlgn="base" latinLnBrk="0" hangingPunct="0">
+              <a:lnSpc>
+                <a:spcPct val="100000"/>
+              </a:lnSpc>
+              <a:spcBef>
+                <a:spcPct val="0"/>
+              </a:spcBef>
+              <a:spcAft>
+                <a:spcPct val="0"/>
+              </a:spcAft>
+              <a:buClrTx/>
+              <a:buSzTx/>
+              <a:buFontTx/>
+              <a:buNone/>
+              <a:tabLst/>
+            </a:pPr>
+            <a:r>
+              <a:rPr kumimoji="0" lang="ru-RU" altLang="ru-RU" sz="1400" b="1" i="0" u="none" strike="noStrike" cap="none" normalizeH="0" baseline="0" dirty="0">
+                <a:ln>
+                  <a:noFill/>
+                </a:ln>
+                <a:solidFill>
+                  <a:srgbClr val="F7F8FC"/>
+                </a:solidFill>
+                <a:effectLst/>
+                <a:latin typeface="Arial" panose="020B0604020202020204" pitchFamily="34" charset="0"/>
+                <a:cs typeface="Arial" panose="020B0604020202020204" pitchFamily="34" charset="0"/>
+              </a:rPr>
+              <a:t>3. Ориентация на реальный режим эксплуатации модели</a:t>
+            </a:r>
+          </a:p>
+          <a:p>
+            <a:pPr marL="0" marR="0" lvl="0" indent="0" algn="l" defTabSz="914400" rtl="0" eaLnBrk="0" fontAlgn="base" latinLnBrk="0" hangingPunct="0">
+              <a:lnSpc>
+                <a:spcPct val="100000"/>
+              </a:lnSpc>
+              <a:spcBef>
+                <a:spcPct val="0"/>
+              </a:spcBef>
+              <a:spcAft>
+                <a:spcPct val="0"/>
+              </a:spcAft>
+              <a:buClrTx/>
+              <a:buSzTx/>
+              <a:buFontTx/>
+              <a:buNone/>
+              <a:tabLst/>
+            </a:pPr>
+            <a:r>
+              <a:rPr kumimoji="0" lang="ru-RU" altLang="ru-RU" sz="1400" i="0" u="none" strike="noStrike" cap="none" normalizeH="0" baseline="0" dirty="0">
+                <a:ln>
+                  <a:noFill/>
+                </a:ln>
+                <a:solidFill>
+                  <a:srgbClr val="F7F8FC"/>
+                </a:solidFill>
+                <a:effectLst/>
+                <a:latin typeface="Arial" panose="020B0604020202020204" pitchFamily="34" charset="0"/>
+                <a:cs typeface="Arial" panose="020B0604020202020204" pitchFamily="34" charset="0"/>
+              </a:rPr>
+              <a:t>В отличие от интегральных метрик, таких как ROC‑AUC, F1‑мера оценивает качество модели при фиксированном пороге принятия решения. Это позволяет:</a:t>
+            </a:r>
+            <a:endParaRPr kumimoji="0" lang="ru-RU" altLang="ru-RU" sz="1400" i="0" u="none" strike="noStrike" cap="none" normalizeH="0" baseline="0" dirty="0">
+              <a:ln>
+                <a:noFill/>
+              </a:ln>
+              <a:solidFill>
+                <a:schemeClr val="tx1"/>
+              </a:solidFill>
+              <a:effectLst/>
+              <a:latin typeface="Arial" panose="020B0604020202020204" pitchFamily="34" charset="0"/>
+              <a:cs typeface="Arial" panose="020B0604020202020204" pitchFamily="34" charset="0"/>
+            </a:endParaRPr>
+          </a:p>
+          <a:p>
+            <a:pPr marL="0" marR="0" lvl="0" indent="0" algn="l" defTabSz="914400" rtl="0" eaLnBrk="0" fontAlgn="base" latinLnBrk="0" hangingPunct="0">
+              <a:lnSpc>
+                <a:spcPct val="100000"/>
+              </a:lnSpc>
+              <a:spcBef>
+                <a:spcPct val="0"/>
+              </a:spcBef>
+              <a:spcAft>
+                <a:spcPct val="0"/>
+              </a:spcAft>
+              <a:buClrTx/>
+              <a:buSzTx/>
+              <a:tabLst/>
+            </a:pPr>
+            <a:r>
+              <a:rPr kumimoji="0" lang="ru-RU" altLang="ru-RU" sz="1400" i="0" u="none" strike="noStrike" cap="none" normalizeH="0" baseline="0" dirty="0">
+                <a:ln>
+                  <a:noFill/>
+                </a:ln>
+                <a:solidFill>
+                  <a:srgbClr val="F7F8FC"/>
+                </a:solidFill>
+                <a:effectLst/>
+                <a:latin typeface="Arial" panose="020B0604020202020204" pitchFamily="34" charset="0"/>
+                <a:cs typeface="Arial" panose="020B0604020202020204" pitchFamily="34" charset="0"/>
+              </a:rPr>
+              <a:t>- проводить целенаправленную оптимизацию порога на </a:t>
+            </a:r>
+            <a:r>
+              <a:rPr kumimoji="0" lang="ru-RU" altLang="ru-RU" sz="1400" i="0" u="none" strike="noStrike" cap="none" normalizeH="0" baseline="0" dirty="0" err="1">
+                <a:ln>
+                  <a:noFill/>
+                </a:ln>
+                <a:solidFill>
+                  <a:srgbClr val="F7F8FC"/>
+                </a:solidFill>
+                <a:effectLst/>
+                <a:latin typeface="Arial" panose="020B0604020202020204" pitchFamily="34" charset="0"/>
+                <a:cs typeface="Arial" panose="020B0604020202020204" pitchFamily="34" charset="0"/>
+              </a:rPr>
+              <a:t>валидационной</a:t>
+            </a:r>
+            <a:r>
+              <a:rPr kumimoji="0" lang="ru-RU" altLang="ru-RU" sz="1400" i="0" u="none" strike="noStrike" cap="none" normalizeH="0" baseline="0" dirty="0">
+                <a:ln>
+                  <a:noFill/>
+                </a:ln>
+                <a:solidFill>
+                  <a:srgbClr val="F7F8FC"/>
+                </a:solidFill>
+                <a:effectLst/>
+                <a:latin typeface="Arial" panose="020B0604020202020204" pitchFamily="34" charset="0"/>
+                <a:cs typeface="Arial" panose="020B0604020202020204" pitchFamily="34" charset="0"/>
+              </a:rPr>
+              <a:t> выборке с целью максимизации F1,</a:t>
+            </a:r>
+          </a:p>
+          <a:p>
+            <a:pPr marL="0" marR="0" lvl="0" indent="0" algn="l" defTabSz="914400" rtl="0" eaLnBrk="0" fontAlgn="base" latinLnBrk="0" hangingPunct="0">
+              <a:lnSpc>
+                <a:spcPct val="100000"/>
+              </a:lnSpc>
+              <a:spcBef>
+                <a:spcPct val="0"/>
+              </a:spcBef>
+              <a:spcAft>
+                <a:spcPct val="0"/>
+              </a:spcAft>
+              <a:buClrTx/>
+              <a:buSzTx/>
+              <a:tabLst/>
+            </a:pPr>
+            <a:r>
+              <a:rPr kumimoji="0" lang="ru-RU" altLang="ru-RU" sz="1400" i="0" u="none" strike="noStrike" cap="none" normalizeH="0" baseline="0" dirty="0">
+                <a:ln>
+                  <a:noFill/>
+                </a:ln>
+                <a:solidFill>
+                  <a:srgbClr val="F7F8FC"/>
+                </a:solidFill>
+                <a:effectLst/>
+                <a:latin typeface="Arial" panose="020B0604020202020204" pitchFamily="34" charset="0"/>
+                <a:cs typeface="Arial" panose="020B0604020202020204" pitchFamily="34" charset="0"/>
+              </a:rPr>
+              <a:t>- оценивать производительность модели в условиях, максимально приближенных к эксплуатационным.</a:t>
+            </a:r>
+          </a:p>
+          <a:p>
+            <a:pPr marL="0" marR="0" lvl="0" indent="0" algn="l" defTabSz="914400" rtl="0" eaLnBrk="0" fontAlgn="base" latinLnBrk="0" hangingPunct="0">
+              <a:lnSpc>
+                <a:spcPct val="100000"/>
+              </a:lnSpc>
+              <a:spcBef>
+                <a:spcPct val="0"/>
+              </a:spcBef>
+              <a:spcAft>
+                <a:spcPct val="0"/>
+              </a:spcAft>
+              <a:buClrTx/>
+              <a:buSzTx/>
+              <a:buFontTx/>
+              <a:buNone/>
+              <a:tabLst/>
+            </a:pPr>
+            <a:endParaRPr kumimoji="0" lang="ru-RU" altLang="ru-RU" sz="1400" i="0" u="none" strike="noStrike" cap="none" normalizeH="0" baseline="0" dirty="0">
+              <a:ln>
+                <a:noFill/>
+              </a:ln>
+              <a:solidFill>
+                <a:srgbClr val="F7F8FC"/>
+              </a:solidFill>
+              <a:effectLst/>
+              <a:latin typeface="Arial" panose="020B0604020202020204" pitchFamily="34" charset="0"/>
+              <a:cs typeface="Arial" panose="020B0604020202020204" pitchFamily="34" charset="0"/>
+            </a:endParaRPr>
+          </a:p>
+          <a:p>
+            <a:pPr marL="0" marR="0" lvl="0" indent="0" algn="l" defTabSz="914400" rtl="0" eaLnBrk="0" fontAlgn="base" latinLnBrk="0" hangingPunct="0">
+              <a:lnSpc>
+                <a:spcPct val="100000"/>
+              </a:lnSpc>
+              <a:spcBef>
+                <a:spcPct val="0"/>
+              </a:spcBef>
+              <a:spcAft>
+                <a:spcPct val="0"/>
+              </a:spcAft>
+              <a:buClrTx/>
+              <a:buSzTx/>
+              <a:buFontTx/>
+              <a:buNone/>
+              <a:tabLst/>
+            </a:pPr>
+            <a:r>
+              <a:rPr kumimoji="0" lang="ru-RU" altLang="ru-RU" sz="1400" b="1" i="0" u="none" strike="noStrike" cap="none" normalizeH="0" baseline="0" dirty="0">
+                <a:ln>
+                  <a:noFill/>
+                </a:ln>
+                <a:solidFill>
+                  <a:srgbClr val="F7F8FC"/>
+                </a:solidFill>
+                <a:effectLst/>
+                <a:latin typeface="Arial" panose="020B0604020202020204" pitchFamily="34" charset="0"/>
+                <a:cs typeface="Arial" panose="020B0604020202020204" pitchFamily="34" charset="0"/>
+              </a:rPr>
+              <a:t>4. Соответствие отраслевым стандартам</a:t>
+            </a:r>
+          </a:p>
+          <a:p>
+            <a:pPr marL="0" marR="0" lvl="0" indent="0" algn="l" defTabSz="914400" rtl="0" eaLnBrk="0" fontAlgn="base" latinLnBrk="0" hangingPunct="0">
+              <a:lnSpc>
+                <a:spcPct val="100000"/>
+              </a:lnSpc>
+              <a:spcBef>
+                <a:spcPct val="0"/>
+              </a:spcBef>
+              <a:spcAft>
+                <a:spcPct val="0"/>
+              </a:spcAft>
+              <a:buClrTx/>
+              <a:buSzTx/>
+              <a:buFontTx/>
+              <a:buNone/>
+              <a:tabLst/>
+            </a:pPr>
+            <a:r>
+              <a:rPr kumimoji="0" lang="ru-RU" altLang="ru-RU" sz="1400" i="0" u="none" strike="noStrike" cap="none" normalizeH="0" baseline="0" dirty="0">
+                <a:ln>
+                  <a:noFill/>
+                </a:ln>
+                <a:solidFill>
+                  <a:srgbClr val="F7F8FC"/>
+                </a:solidFill>
+                <a:effectLst/>
+                <a:latin typeface="Arial" panose="020B0604020202020204" pitchFamily="34" charset="0"/>
+                <a:cs typeface="Arial" panose="020B0604020202020204" pitchFamily="34" charset="0"/>
+              </a:rPr>
+              <a:t>F1‑мера широко применяется в научных и прикладных исследованиях, связанных с задачами с дисбалансом классов — в частности, в медицинской диагностике, кибербезопасности и финансовой аналитике. Её использование обеспечивает сопоставимость результатов с аналогичными работами и соответствует общепринятым практикам в области машинного обучения.</a:t>
+            </a:r>
+            <a:endParaRPr kumimoji="0" lang="ru-RU" altLang="ru-RU" sz="1400" i="0" u="none" strike="noStrike" cap="none" normalizeH="0" baseline="0" dirty="0">
+              <a:ln>
+                <a:noFill/>
+              </a:ln>
+              <a:solidFill>
+                <a:schemeClr val="tx1"/>
+              </a:solidFill>
+              <a:effectLst/>
+              <a:latin typeface="Arial" panose="020B0604020202020204" pitchFamily="34" charset="0"/>
+              <a:cs typeface="Arial" panose="020B0604020202020204" pitchFamily="34" charset="0"/>
+            </a:endParaRPr>
+          </a:p>
+          <a:p>
+            <a:pPr rtl="0">
+              <a:spcBef>
+                <a:spcPts val="0"/>
+              </a:spcBef>
+              <a:spcAft>
+                <a:spcPts val="0"/>
+              </a:spcAft>
+            </a:pPr>
+            <a:endParaRPr lang="ru-RU" sz="1400" i="0" u="none" strike="noStrike" dirty="0">
+              <a:solidFill>
+                <a:srgbClr val="FFFFFF"/>
+              </a:solidFill>
+              <a:latin typeface="Arial" panose="020B0604020202020204" pitchFamily="34" charset="0"/>
+              <a:cs typeface="Arial" panose="020B0604020202020204" pitchFamily="34" charset="0"/>
+            </a:endParaRPr>
+          </a:p>
+        </p:txBody>
+      </p:sp>
     </p:spTree>
     <p:extLst>
       <p:ext uri="{BB962C8B-B14F-4D97-AF65-F5344CB8AC3E}">
-        <p14:creationId xmlns:p14="http://schemas.microsoft.com/office/powerpoint/2010/main" val="3579233094"/>
+        <p14:creationId xmlns:p14="http://schemas.microsoft.com/office/powerpoint/2010/main" val="3989388252"/>
       </p:ext>
     </p:extLst>
   </p:cSld>
@@ -5971,12 +6663,16 @@
           <a:lstStyle/>
           <a:p>
             <a:r>
-              <a:rPr lang="ru-RU" dirty="0">
+              <a:rPr lang="en-US" dirty="0">
                 <a:latin typeface="Arial" panose="020B0604020202020204" pitchFamily="34" charset="0"/>
                 <a:cs typeface="Arial" panose="020B0604020202020204" pitchFamily="34" charset="0"/>
               </a:rPr>
-              <a:t>Сравнение результатов моделей</a:t>
-            </a:r>
+              <a:t>Baseline – Logistic Regression</a:t>
+            </a:r>
+            <a:endParaRPr lang="ru-RU" dirty="0">
+              <a:latin typeface="Arial" panose="020B0604020202020204" pitchFamily="34" charset="0"/>
+              <a:cs typeface="Arial" panose="020B0604020202020204" pitchFamily="34" charset="0"/>
+            </a:endParaRPr>
           </a:p>
         </p:txBody>
       </p:sp>
@@ -5985,36 +6681,7 @@
           <p:cNvPr id="4" name="Рисунок 3">
             <a:extLst>
               <a:ext uri="{FF2B5EF4-FFF2-40B4-BE49-F238E27FC236}">
-                <a16:creationId xmlns:a16="http://schemas.microsoft.com/office/drawing/2014/main" id="{58DA1F46-A044-4526-94D0-BED8C27284A3}"/>
-              </a:ext>
-            </a:extLst>
-          </p:cNvPr>
-          <p:cNvPicPr>
-            <a:picLocks noChangeAspect="1"/>
-          </p:cNvPicPr>
-          <p:nvPr/>
-        </p:nvPicPr>
-        <p:blipFill rotWithShape="1">
-          <a:blip r:embed="rId2"/>
-          <a:srcRect t="19871" b="4524"/>
-          <a:stretch/>
-        </p:blipFill>
-        <p:spPr>
-          <a:xfrm>
-            <a:off x="1162377" y="1111623"/>
-            <a:ext cx="9867246" cy="2097742"/>
-          </a:xfrm>
-          <a:prstGeom prst="rect">
-            <a:avLst/>
-          </a:prstGeom>
-        </p:spPr>
-      </p:pic>
-      <p:pic>
-        <p:nvPicPr>
-          <p:cNvPr id="6" name="Рисунок 5">
-            <a:extLst>
-              <a:ext uri="{FF2B5EF4-FFF2-40B4-BE49-F238E27FC236}">
-                <a16:creationId xmlns:a16="http://schemas.microsoft.com/office/drawing/2014/main" id="{22FE4831-AFF9-48D7-9B7C-8AA63C55101F}"/>
+                <a16:creationId xmlns:a16="http://schemas.microsoft.com/office/drawing/2014/main" id="{B78EDE4E-6B3F-4407-99FD-0AD98A89D83D}"/>
               </a:ext>
             </a:extLst>
           </p:cNvPr>
@@ -6024,15 +6691,15 @@
           <p:nvPr/>
         </p:nvPicPr>
         <p:blipFill>
-          <a:blip r:embed="rId3"/>
+          <a:blip r:embed="rId2"/>
           <a:stretch>
             <a:fillRect/>
           </a:stretch>
         </p:blipFill>
         <p:spPr>
           <a:xfrm>
-            <a:off x="2981176" y="3331801"/>
-            <a:ext cx="6229648" cy="3297600"/>
+            <a:off x="686794" y="1334740"/>
+            <a:ext cx="10818411" cy="4188519"/>
           </a:xfrm>
           <a:prstGeom prst="rect">
             <a:avLst/>
@@ -6042,7 +6709,7 @@
     </p:spTree>
     <p:extLst>
       <p:ext uri="{BB962C8B-B14F-4D97-AF65-F5344CB8AC3E}">
-        <p14:creationId xmlns:p14="http://schemas.microsoft.com/office/powerpoint/2010/main" val="1891441701"/>
+        <p14:creationId xmlns:p14="http://schemas.microsoft.com/office/powerpoint/2010/main" val="3579233094"/>
       </p:ext>
     </p:extLst>
   </p:cSld>
@@ -6087,8 +6754,8 @@
         </p:nvSpPr>
         <p:spPr>
           <a:xfrm>
-            <a:off x="379412" y="223251"/>
-            <a:ext cx="3421622" cy="1766047"/>
+            <a:off x="684213" y="246529"/>
+            <a:ext cx="10856764" cy="742658"/>
           </a:xfrm>
         </p:spPr>
         <p:txBody>
@@ -6102,17 +6769,17 @@
                 <a:latin typeface="Arial" panose="020B0604020202020204" pitchFamily="34" charset="0"/>
                 <a:cs typeface="Arial" panose="020B0604020202020204" pitchFamily="34" charset="0"/>
               </a:rPr>
-              <a:t>Сравнение результатов моделей</a:t>
+              <a:t>Сравнение моделей без оптимизации</a:t>
             </a:r>
           </a:p>
         </p:txBody>
       </p:sp>
       <p:pic>
         <p:nvPicPr>
-          <p:cNvPr id="5" name="Рисунок 4">
+          <p:cNvPr id="10" name="Рисунок 9">
             <a:extLst>
               <a:ext uri="{FF2B5EF4-FFF2-40B4-BE49-F238E27FC236}">
-                <a16:creationId xmlns:a16="http://schemas.microsoft.com/office/drawing/2014/main" id="{56F8E430-9F3E-4C52-99DA-CF68A40B6D9E}"/>
+                <a16:creationId xmlns:a16="http://schemas.microsoft.com/office/drawing/2014/main" id="{C7065915-C395-4F5F-8F67-33239B322481}"/>
               </a:ext>
             </a:extLst>
           </p:cNvPr>
@@ -6129,8 +6796,8 @@
         </p:blipFill>
         <p:spPr>
           <a:xfrm>
-            <a:off x="3962400" y="223251"/>
-            <a:ext cx="7951695" cy="6388220"/>
+            <a:off x="684213" y="1753008"/>
+            <a:ext cx="10856765" cy="3351983"/>
           </a:xfrm>
           <a:prstGeom prst="rect">
             <a:avLst/>
@@ -6140,7 +6807,7 @@
     </p:spTree>
     <p:extLst>
       <p:ext uri="{BB962C8B-B14F-4D97-AF65-F5344CB8AC3E}">
-        <p14:creationId xmlns:p14="http://schemas.microsoft.com/office/powerpoint/2010/main" val="2311876846"/>
+        <p14:creationId xmlns:p14="http://schemas.microsoft.com/office/powerpoint/2010/main" val="1891441701"/>
       </p:ext>
     </p:extLst>
   </p:cSld>
@@ -6185,8 +6852,8 @@
         </p:nvSpPr>
         <p:spPr>
           <a:xfrm>
-            <a:off x="684213" y="246529"/>
-            <a:ext cx="9947928" cy="742658"/>
+            <a:off x="197223" y="246529"/>
+            <a:ext cx="11797553" cy="742658"/>
           </a:xfrm>
         </p:spPr>
         <p:txBody>
@@ -6200,17 +6867,136 @@
                 <a:latin typeface="Arial" panose="020B0604020202020204" pitchFamily="34" charset="0"/>
                 <a:cs typeface="Arial" panose="020B0604020202020204" pitchFamily="34" charset="0"/>
               </a:rPr>
-              <a:t>Подбор порогов для топ 3 моделей</a:t>
-            </a:r>
+              <a:t>Сравнение моделей с </a:t>
+            </a:r>
+            <a:r>
+              <a:rPr lang="ru-RU" dirty="0" err="1">
+                <a:latin typeface="Arial" panose="020B0604020202020204" pitchFamily="34" charset="0"/>
+                <a:cs typeface="Arial" panose="020B0604020202020204" pitchFamily="34" charset="0"/>
+              </a:rPr>
+              <a:t>гипероптимизацией</a:t>
+            </a:r>
+            <a:endParaRPr lang="ru-RU" dirty="0">
+              <a:latin typeface="Arial" panose="020B0604020202020204" pitchFamily="34" charset="0"/>
+              <a:cs typeface="Arial" panose="020B0604020202020204" pitchFamily="34" charset="0"/>
+            </a:endParaRPr>
+          </a:p>
+        </p:txBody>
+      </p:sp>
+      <p:sp>
+        <p:nvSpPr>
+          <p:cNvPr id="13" name="TextBox 12">
+            <a:extLst>
+              <a:ext uri="{FF2B5EF4-FFF2-40B4-BE49-F238E27FC236}">
+                <a16:creationId xmlns:a16="http://schemas.microsoft.com/office/drawing/2014/main" id="{9B9B134F-EEF7-40D5-BFA7-755F1E600CD2}"/>
+              </a:ext>
+            </a:extLst>
+          </p:cNvPr>
+          <p:cNvSpPr txBox="1"/>
+          <p:nvPr/>
+        </p:nvSpPr>
+        <p:spPr>
+          <a:xfrm>
+            <a:off x="1783975" y="1370725"/>
+            <a:ext cx="6104964" cy="369332"/>
+          </a:xfrm>
+          <a:prstGeom prst="rect">
+            <a:avLst/>
+          </a:prstGeom>
+          <a:noFill/>
+        </p:spPr>
+        <p:txBody>
+          <a:bodyPr wrap="square">
+            <a:spAutoFit/>
+          </a:bodyPr>
+          <a:lstStyle/>
+          <a:p>
+            <a:pPr rtl="0">
+              <a:spcBef>
+                <a:spcPts val="0"/>
+              </a:spcBef>
+              <a:spcAft>
+                <a:spcPts val="0"/>
+              </a:spcAft>
+            </a:pPr>
+            <a:r>
+              <a:rPr lang="en-US" sz="1800" i="0" u="none" strike="noStrike" dirty="0" err="1">
+                <a:solidFill>
+                  <a:srgbClr val="FFFFFF"/>
+                </a:solidFill>
+                <a:latin typeface="Arial" panose="020B0604020202020204" pitchFamily="34" charset="0"/>
+              </a:rPr>
+              <a:t>GridSearchCV</a:t>
+            </a:r>
+            <a:endParaRPr lang="ru-RU" sz="1800" i="0" u="none" strike="noStrike" dirty="0">
+              <a:solidFill>
+                <a:srgbClr val="FFFFFF"/>
+              </a:solidFill>
+              <a:latin typeface="Arial" panose="020B0604020202020204" pitchFamily="34" charset="0"/>
+            </a:endParaRPr>
+          </a:p>
+        </p:txBody>
+      </p:sp>
+      <p:sp>
+        <p:nvSpPr>
+          <p:cNvPr id="15" name="TextBox 14">
+            <a:extLst>
+              <a:ext uri="{FF2B5EF4-FFF2-40B4-BE49-F238E27FC236}">
+                <a16:creationId xmlns:a16="http://schemas.microsoft.com/office/drawing/2014/main" id="{81E0EE4C-7776-45AA-9C3F-DB6CF3AC52B5}"/>
+              </a:ext>
+            </a:extLst>
+          </p:cNvPr>
+          <p:cNvSpPr txBox="1"/>
+          <p:nvPr/>
+        </p:nvSpPr>
+        <p:spPr>
+          <a:xfrm>
+            <a:off x="1783975" y="4169661"/>
+            <a:ext cx="6104964" cy="369332"/>
+          </a:xfrm>
+          <a:prstGeom prst="rect">
+            <a:avLst/>
+          </a:prstGeom>
+          <a:noFill/>
+        </p:spPr>
+        <p:txBody>
+          <a:bodyPr wrap="square">
+            <a:spAutoFit/>
+          </a:bodyPr>
+          <a:lstStyle/>
+          <a:p>
+            <a:pPr rtl="0">
+              <a:spcBef>
+                <a:spcPts val="0"/>
+              </a:spcBef>
+              <a:spcAft>
+                <a:spcPts val="0"/>
+              </a:spcAft>
+            </a:pPr>
+            <a:r>
+              <a:rPr lang="en-US" sz="1800" i="0" u="none" strike="noStrike" dirty="0" err="1">
+                <a:solidFill>
+                  <a:srgbClr val="FFFFFF"/>
+                </a:solidFill>
+                <a:latin typeface="Arial" panose="020B0604020202020204" pitchFamily="34" charset="0"/>
+              </a:rPr>
+              <a:t>Optuna</a:t>
+            </a:r>
+            <a:endParaRPr lang="ru-RU" sz="1800" i="0" u="none" strike="noStrike" dirty="0">
+              <a:solidFill>
+                <a:srgbClr val="FFFFFF"/>
+              </a:solidFill>
+              <a:latin typeface="Arial" panose="020B0604020202020204" pitchFamily="34" charset="0"/>
+            </a:endParaRPr>
           </a:p>
         </p:txBody>
       </p:sp>
       <p:pic>
         <p:nvPicPr>
-          <p:cNvPr id="5" name="Рисунок 4">
+          <p:cNvPr id="4" name="Рисунок 3">
             <a:extLst>
               <a:ext uri="{FF2B5EF4-FFF2-40B4-BE49-F238E27FC236}">
-                <a16:creationId xmlns:a16="http://schemas.microsoft.com/office/drawing/2014/main" id="{00CA0C6F-FA43-4FDC-971E-2CA3AA220B3D}"/>
+                <a16:creationId xmlns:a16="http://schemas.microsoft.com/office/drawing/2014/main" id="{2FD46DD8-31AC-4530-8422-F634C676CB9B}"/>
               </a:ext>
             </a:extLst>
           </p:cNvPr>
@@ -6219,16 +7005,44 @@
           </p:cNvPicPr>
           <p:nvPr/>
         </p:nvPicPr>
-        <p:blipFill>
+        <p:blipFill rotWithShape="1">
           <a:blip r:embed="rId2"/>
-          <a:stretch>
-            <a:fillRect/>
-          </a:stretch>
+          <a:srcRect b="17609"/>
+          <a:stretch/>
         </p:blipFill>
         <p:spPr>
           <a:xfrm>
-            <a:off x="572600" y="1920093"/>
-            <a:ext cx="11046799" cy="3017813"/>
+            <a:off x="1783975" y="1818269"/>
+            <a:ext cx="8096540" cy="2059582"/>
+          </a:xfrm>
+          <a:prstGeom prst="rect">
+            <a:avLst/>
+          </a:prstGeom>
+        </p:spPr>
+      </p:pic>
+      <p:pic>
+        <p:nvPicPr>
+          <p:cNvPr id="6" name="Рисунок 5">
+            <a:extLst>
+              <a:ext uri="{FF2B5EF4-FFF2-40B4-BE49-F238E27FC236}">
+                <a16:creationId xmlns:a16="http://schemas.microsoft.com/office/drawing/2014/main" id="{DAD1CB84-C5E4-4564-9D75-F639B94BAF61}"/>
+              </a:ext>
+            </a:extLst>
+          </p:cNvPr>
+          <p:cNvPicPr>
+            <a:picLocks noChangeAspect="1"/>
+          </p:cNvPicPr>
+          <p:nvPr/>
+        </p:nvPicPr>
+        <p:blipFill rotWithShape="1">
+          <a:blip r:embed="rId3"/>
+          <a:srcRect b="17845"/>
+          <a:stretch/>
+        </p:blipFill>
+        <p:spPr>
+          <a:xfrm>
+            <a:off x="1783975" y="4629502"/>
+            <a:ext cx="8096540" cy="2053687"/>
           </a:xfrm>
           <a:prstGeom prst="rect">
             <a:avLst/>
@@ -6238,7 +7052,7 @@
     </p:spTree>
     <p:extLst>
       <p:ext uri="{BB962C8B-B14F-4D97-AF65-F5344CB8AC3E}">
-        <p14:creationId xmlns:p14="http://schemas.microsoft.com/office/powerpoint/2010/main" val="900200582"/>
+        <p14:creationId xmlns:p14="http://schemas.microsoft.com/office/powerpoint/2010/main" val="16990928"/>
       </p:ext>
     </p:extLst>
   </p:cSld>
@@ -6305,10 +7119,10 @@
       </p:sp>
       <p:pic>
         <p:nvPicPr>
-          <p:cNvPr id="4" name="Рисунок 3">
+          <p:cNvPr id="5" name="Рисунок 4">
             <a:extLst>
               <a:ext uri="{FF2B5EF4-FFF2-40B4-BE49-F238E27FC236}">
-                <a16:creationId xmlns:a16="http://schemas.microsoft.com/office/drawing/2014/main" id="{307BAD6B-83DA-41E8-AE7B-21BAE3F270F9}"/>
+                <a16:creationId xmlns:a16="http://schemas.microsoft.com/office/drawing/2014/main" id="{E61BCCFA-E6B8-46CB-86FA-73AA620AAAA1}"/>
               </a:ext>
             </a:extLst>
           </p:cNvPr>
@@ -6325,38 +7139,8 @@
         </p:blipFill>
         <p:spPr>
           <a:xfrm>
-            <a:off x="367580" y="1729348"/>
-            <a:ext cx="3818793" cy="3399304"/>
-          </a:xfrm>
-          <a:prstGeom prst="rect">
-            <a:avLst/>
-          </a:prstGeom>
-        </p:spPr>
-      </p:pic>
-      <p:pic>
-        <p:nvPicPr>
-          <p:cNvPr id="7" name="Рисунок 6">
-            <a:extLst>
-              <a:ext uri="{FF2B5EF4-FFF2-40B4-BE49-F238E27FC236}">
-                <a16:creationId xmlns:a16="http://schemas.microsoft.com/office/drawing/2014/main" id="{81DA7ECA-281D-42F5-B990-9D8846F37A47}"/>
-              </a:ext>
-            </a:extLst>
-          </p:cNvPr>
-          <p:cNvPicPr>
-            <a:picLocks noChangeAspect="1"/>
-          </p:cNvPicPr>
-          <p:nvPr/>
-        </p:nvPicPr>
-        <p:blipFill>
-          <a:blip r:embed="rId3"/>
-          <a:stretch>
-            <a:fillRect/>
-          </a:stretch>
-        </p:blipFill>
-        <p:spPr>
-          <a:xfrm>
-            <a:off x="4312585" y="1190625"/>
-            <a:ext cx="7511835" cy="4476750"/>
+            <a:off x="684213" y="1289953"/>
+            <a:ext cx="10885194" cy="4214375"/>
           </a:xfrm>
           <a:prstGeom prst="rect">
             <a:avLst/>
@@ -6422,31 +7206,11 @@
           <a:lstStyle/>
           <a:p>
             <a:r>
-              <a:rPr lang="ru-RU" sz="3600" i="0" u="none" strike="noStrike" dirty="0" err="1">
-                <a:solidFill>
-                  <a:srgbClr val="FFFFFF"/>
-                </a:solidFill>
-                <a:latin typeface="Arial" panose="020B0604020202020204" pitchFamily="34" charset="0"/>
-              </a:rPr>
-              <a:t>Feature</a:t>
-            </a:r>
-            <a:r>
-              <a:rPr lang="ru-RU" sz="3600" i="0" u="none" strike="noStrike" dirty="0">
-                <a:solidFill>
-                  <a:srgbClr val="FFFFFF"/>
-                </a:solidFill>
-                <a:latin typeface="Arial" panose="020B0604020202020204" pitchFamily="34" charset="0"/>
-              </a:rPr>
-              <a:t> </a:t>
-            </a:r>
-            <a:r>
-              <a:rPr lang="ru-RU" sz="3600" i="0" u="none" strike="noStrike" dirty="0" err="1">
-                <a:solidFill>
-                  <a:srgbClr val="FFFFFF"/>
-                </a:solidFill>
-                <a:latin typeface="Arial" panose="020B0604020202020204" pitchFamily="34" charset="0"/>
-              </a:rPr>
-              <a:t>Engineering</a:t>
+              <a:rPr lang="en-US" dirty="0">
+                <a:latin typeface="Arial" panose="020B0604020202020204" pitchFamily="34" charset="0"/>
+                <a:cs typeface="Arial" panose="020B0604020202020204" pitchFamily="34" charset="0"/>
+              </a:rPr>
+              <a:t>Feature Importance</a:t>
             </a:r>
             <a:endParaRPr lang="ru-RU" dirty="0">
               <a:latin typeface="Arial" panose="020B0604020202020204" pitchFamily="34" charset="0"/>
@@ -6457,10 +7221,10 @@
       </p:sp>
       <p:pic>
         <p:nvPicPr>
-          <p:cNvPr id="5" name="Рисунок 4">
+          <p:cNvPr id="4" name="Рисунок 3">
             <a:extLst>
               <a:ext uri="{FF2B5EF4-FFF2-40B4-BE49-F238E27FC236}">
-                <a16:creationId xmlns:a16="http://schemas.microsoft.com/office/drawing/2014/main" id="{783B7A03-E6C0-4FB5-9378-46A44BDBA1A7}"/>
+                <a16:creationId xmlns:a16="http://schemas.microsoft.com/office/drawing/2014/main" id="{D8279196-5FCA-4F44-8B53-30C350AAC920}"/>
               </a:ext>
             </a:extLst>
           </p:cNvPr>
@@ -6470,361 +7234,31 @@
           <p:nvPr/>
         </p:nvPicPr>
         <p:blipFill>
-          <a:blip r:embed="rId2"/>
+          <a:blip r:embed="rId2">
+            <a:extLst>
+              <a:ext uri="{28A0092B-C50C-407E-A947-70E740481C1C}">
+                <a14:useLocalDpi xmlns:a14="http://schemas.microsoft.com/office/drawing/2010/main" val="0"/>
+              </a:ext>
+            </a:extLst>
+          </a:blip>
           <a:stretch>
             <a:fillRect/>
           </a:stretch>
         </p:blipFill>
         <p:spPr>
           <a:xfrm>
-            <a:off x="8402397" y="3626921"/>
-            <a:ext cx="3567962" cy="3176027"/>
+            <a:off x="1708574" y="1171342"/>
+            <a:ext cx="8774852" cy="5229457"/>
           </a:xfrm>
           <a:prstGeom prst="rect">
             <a:avLst/>
           </a:prstGeom>
         </p:spPr>
       </p:pic>
-      <p:pic>
-        <p:nvPicPr>
-          <p:cNvPr id="8" name="Рисунок 7">
-            <a:extLst>
-              <a:ext uri="{FF2B5EF4-FFF2-40B4-BE49-F238E27FC236}">
-                <a16:creationId xmlns:a16="http://schemas.microsoft.com/office/drawing/2014/main" id="{701491F4-C587-4E79-8888-6CFEA002C5B5}"/>
-              </a:ext>
-            </a:extLst>
-          </p:cNvPr>
-          <p:cNvPicPr>
-            <a:picLocks noChangeAspect="1"/>
-          </p:cNvPicPr>
-          <p:nvPr/>
-        </p:nvPicPr>
-        <p:blipFill>
-          <a:blip r:embed="rId3"/>
-          <a:stretch>
-            <a:fillRect/>
-          </a:stretch>
-        </p:blipFill>
-        <p:spPr>
-          <a:xfrm>
-            <a:off x="221641" y="3626922"/>
-            <a:ext cx="8015431" cy="3176027"/>
-          </a:xfrm>
-          <a:prstGeom prst="rect">
-            <a:avLst/>
-          </a:prstGeom>
-        </p:spPr>
-      </p:pic>
-      <p:graphicFrame>
-        <p:nvGraphicFramePr>
-          <p:cNvPr id="10" name="Таблица 10">
-            <a:extLst>
-              <a:ext uri="{FF2B5EF4-FFF2-40B4-BE49-F238E27FC236}">
-                <a16:creationId xmlns:a16="http://schemas.microsoft.com/office/drawing/2014/main" id="{1DE769AF-5372-40C4-A1AE-A084A3FD45D2}"/>
-              </a:ext>
-            </a:extLst>
-          </p:cNvPr>
-          <p:cNvGraphicFramePr>
-            <a:graphicFrameLocks noGrp="1"/>
-          </p:cNvGraphicFramePr>
-          <p:nvPr>
-            <p:extLst>
-              <p:ext uri="{D42A27DB-BD31-4B8C-83A1-F6EECF244321}">
-                <p14:modId xmlns:p14="http://schemas.microsoft.com/office/powerpoint/2010/main" val="62467986"/>
-              </p:ext>
-            </p:extLst>
-          </p:nvPr>
-        </p:nvGraphicFramePr>
-        <p:xfrm>
-          <a:off x="221641" y="954026"/>
-          <a:ext cx="11748718" cy="2667000"/>
-        </p:xfrm>
-        <a:graphic>
-          <a:graphicData uri="http://schemas.openxmlformats.org/drawingml/2006/table">
-            <a:tbl>
-              <a:tblPr firstRow="1" bandRow="1">
-                <a:tableStyleId>{3B4B98B0-60AC-42C2-AFA5-B58CD77FA1E5}</a:tableStyleId>
-              </a:tblPr>
-              <a:tblGrid>
-                <a:gridCol w="3158053">
-                  <a:extLst>
-                    <a:ext uri="{9D8B030D-6E8A-4147-A177-3AD203B41FA5}">
-                      <a16:colId xmlns:a16="http://schemas.microsoft.com/office/drawing/2014/main" val="3494919466"/>
-                    </a:ext>
-                  </a:extLst>
-                </a:gridCol>
-                <a:gridCol w="8590665">
-                  <a:extLst>
-                    <a:ext uri="{9D8B030D-6E8A-4147-A177-3AD203B41FA5}">
-                      <a16:colId xmlns:a16="http://schemas.microsoft.com/office/drawing/2014/main" val="4051842154"/>
-                    </a:ext>
-                  </a:extLst>
-                </a:gridCol>
-              </a:tblGrid>
-              <a:tr h="370840">
-                <a:tc>
-                  <a:txBody>
-                    <a:bodyPr/>
-                    <a:lstStyle/>
-                    <a:p>
-                      <a:r>
-                        <a:rPr lang="ru-RU" sz="1400" dirty="0"/>
-                        <a:t>Новая фича</a:t>
-                      </a:r>
-                      <a:endParaRPr lang="ru-RU" sz="1400" dirty="0">
-                        <a:latin typeface="Arial" panose="020B0604020202020204" pitchFamily="34" charset="0"/>
-                        <a:cs typeface="Arial" panose="020B0604020202020204" pitchFamily="34" charset="0"/>
-                      </a:endParaRPr>
-                    </a:p>
-                  </a:txBody>
-                  <a:tcPr/>
-                </a:tc>
-                <a:tc>
-                  <a:txBody>
-                    <a:bodyPr/>
-                    <a:lstStyle/>
-                    <a:p>
-                      <a:r>
-                        <a:rPr lang="ru-RU" sz="1400" dirty="0"/>
-                        <a:t>Применение</a:t>
-                      </a:r>
-                      <a:endParaRPr lang="ru-RU" sz="1400" dirty="0">
-                        <a:latin typeface="Arial" panose="020B0604020202020204" pitchFamily="34" charset="0"/>
-                        <a:cs typeface="Arial" panose="020B0604020202020204" pitchFamily="34" charset="0"/>
-                      </a:endParaRPr>
-                    </a:p>
-                  </a:txBody>
-                  <a:tcPr/>
-                </a:tc>
-                <a:extLst>
-                  <a:ext uri="{0D108BD9-81ED-4DB2-BD59-A6C34878D82A}">
-                    <a16:rowId xmlns:a16="http://schemas.microsoft.com/office/drawing/2014/main" val="2591276374"/>
-                  </a:ext>
-                </a:extLst>
-              </a:tr>
-              <a:tr h="370840">
-                <a:tc>
-                  <a:txBody>
-                    <a:bodyPr/>
-                    <a:lstStyle/>
-                    <a:p>
-                      <a:r>
-                        <a:rPr lang="en-US" sz="1400" dirty="0" err="1">
-                          <a:latin typeface="Arial" panose="020B0604020202020204" pitchFamily="34" charset="0"/>
-                          <a:cs typeface="Arial" panose="020B0604020202020204" pitchFamily="34" charset="0"/>
-                        </a:rPr>
-                        <a:t>Log_Annual_Premium</a:t>
-                      </a:r>
-                      <a:endParaRPr lang="ru-RU" sz="1400" dirty="0">
-                        <a:latin typeface="Arial" panose="020B0604020202020204" pitchFamily="34" charset="0"/>
-                        <a:cs typeface="Arial" panose="020B0604020202020204" pitchFamily="34" charset="0"/>
-                      </a:endParaRPr>
-                    </a:p>
-                  </a:txBody>
-                  <a:tcPr/>
-                </a:tc>
-                <a:tc>
-                  <a:txBody>
-                    <a:bodyPr/>
-                    <a:lstStyle/>
-                    <a:p>
-                      <a:r>
-                        <a:rPr lang="ru-RU" sz="1400" dirty="0">
-                          <a:latin typeface="Arial" panose="020B0604020202020204" pitchFamily="34" charset="0"/>
-                          <a:cs typeface="Arial" panose="020B0604020202020204" pitchFamily="34" charset="0"/>
-                        </a:rPr>
-                        <a:t>Логарифмирование стабилизирует дисперсию, уменьшает влияние выбросов и делает распределение более нормальным</a:t>
-                      </a:r>
-                    </a:p>
-                  </a:txBody>
-                  <a:tcPr/>
-                </a:tc>
-                <a:extLst>
-                  <a:ext uri="{0D108BD9-81ED-4DB2-BD59-A6C34878D82A}">
-                    <a16:rowId xmlns:a16="http://schemas.microsoft.com/office/drawing/2014/main" val="2070572903"/>
-                  </a:ext>
-                </a:extLst>
-              </a:tr>
-              <a:tr h="370840">
-                <a:tc>
-                  <a:txBody>
-                    <a:bodyPr/>
-                    <a:lstStyle/>
-                    <a:p>
-                      <a:r>
-                        <a:rPr lang="en-US" sz="1400" dirty="0" err="1">
-                          <a:latin typeface="Arial" panose="020B0604020202020204" pitchFamily="34" charset="0"/>
-                          <a:cs typeface="Arial" panose="020B0604020202020204" pitchFamily="34" charset="0"/>
-                        </a:rPr>
-                        <a:t>Premium_per_Age</a:t>
-                      </a:r>
-                      <a:endParaRPr lang="ru-RU" sz="1400" dirty="0">
-                        <a:latin typeface="Arial" panose="020B0604020202020204" pitchFamily="34" charset="0"/>
-                        <a:cs typeface="Arial" panose="020B0604020202020204" pitchFamily="34" charset="0"/>
-                      </a:endParaRPr>
-                    </a:p>
-                  </a:txBody>
-                  <a:tcPr/>
-                </a:tc>
-                <a:tc>
-                  <a:txBody>
-                    <a:bodyPr/>
-                    <a:lstStyle/>
-                    <a:p>
-                      <a:r>
-                        <a:rPr lang="ru-RU" sz="1400" dirty="0">
-                          <a:latin typeface="Arial" panose="020B0604020202020204" pitchFamily="34" charset="0"/>
-                          <a:cs typeface="Arial" panose="020B0604020202020204" pitchFamily="34" charset="0"/>
-                        </a:rPr>
-                        <a:t>Позволяет модели уловить относительную финансовую нагрузку страховки к возрасту</a:t>
-                      </a:r>
-                    </a:p>
-                  </a:txBody>
-                  <a:tcPr/>
-                </a:tc>
-                <a:extLst>
-                  <a:ext uri="{0D108BD9-81ED-4DB2-BD59-A6C34878D82A}">
-                    <a16:rowId xmlns:a16="http://schemas.microsoft.com/office/drawing/2014/main" val="2515727312"/>
-                  </a:ext>
-                </a:extLst>
-              </a:tr>
-              <a:tr h="370840">
-                <a:tc>
-                  <a:txBody>
-                    <a:bodyPr/>
-                    <a:lstStyle/>
-                    <a:p>
-                      <a:r>
-                        <a:rPr lang="en-US" sz="1400" dirty="0" err="1">
-                          <a:latin typeface="Arial" panose="020B0604020202020204" pitchFamily="34" charset="0"/>
-                          <a:cs typeface="Arial" panose="020B0604020202020204" pitchFamily="34" charset="0"/>
-                        </a:rPr>
-                        <a:t>Old_Car_With_Damage</a:t>
-                      </a:r>
-                      <a:endParaRPr lang="ru-RU" sz="1400" dirty="0">
-                        <a:latin typeface="Arial" panose="020B0604020202020204" pitchFamily="34" charset="0"/>
-                        <a:cs typeface="Arial" panose="020B0604020202020204" pitchFamily="34" charset="0"/>
-                      </a:endParaRPr>
-                    </a:p>
-                  </a:txBody>
-                  <a:tcPr/>
-                </a:tc>
-                <a:tc>
-                  <a:txBody>
-                    <a:bodyPr/>
-                    <a:lstStyle/>
-                    <a:p>
-                      <a:r>
-                        <a:rPr lang="ru-RU" sz="1400" dirty="0">
-                          <a:latin typeface="Arial" panose="020B0604020202020204" pitchFamily="34" charset="0"/>
-                          <a:cs typeface="Arial" panose="020B0604020202020204" pitchFamily="34" charset="0"/>
-                        </a:rPr>
-                        <a:t>Взаимодействие двух факторов риска. Модель может уловить нелинейный эффект, который по отдельности признаки не покажут</a:t>
-                      </a:r>
-                    </a:p>
-                  </a:txBody>
-                  <a:tcPr/>
-                </a:tc>
-                <a:extLst>
-                  <a:ext uri="{0D108BD9-81ED-4DB2-BD59-A6C34878D82A}">
-                    <a16:rowId xmlns:a16="http://schemas.microsoft.com/office/drawing/2014/main" val="3261482465"/>
-                  </a:ext>
-                </a:extLst>
-              </a:tr>
-              <a:tr h="370840">
-                <a:tc>
-                  <a:txBody>
-                    <a:bodyPr/>
-                    <a:lstStyle/>
-                    <a:p>
-                      <a:r>
-                        <a:rPr lang="en-US" sz="1400" dirty="0" err="1">
-                          <a:latin typeface="Arial" panose="020B0604020202020204" pitchFamily="34" charset="0"/>
-                          <a:cs typeface="Arial" panose="020B0604020202020204" pitchFamily="34" charset="0"/>
-                        </a:rPr>
-                        <a:t>Female_With_Damage</a:t>
-                      </a:r>
-                      <a:endParaRPr lang="ru-RU" sz="1400" dirty="0">
-                        <a:latin typeface="Arial" panose="020B0604020202020204" pitchFamily="34" charset="0"/>
-                        <a:cs typeface="Arial" panose="020B0604020202020204" pitchFamily="34" charset="0"/>
-                      </a:endParaRPr>
-                    </a:p>
-                  </a:txBody>
-                  <a:tcPr/>
-                </a:tc>
-                <a:tc>
-                  <a:txBody>
-                    <a:bodyPr/>
-                    <a:lstStyle/>
-                    <a:p>
-                      <a:r>
-                        <a:rPr lang="ru-RU" sz="1400" dirty="0">
-                          <a:latin typeface="Arial" panose="020B0604020202020204" pitchFamily="34" charset="0"/>
-                          <a:cs typeface="Arial" panose="020B0604020202020204" pitchFamily="34" charset="0"/>
-                        </a:rPr>
-                        <a:t>Эта фича проверяет, есть ли специфический паттерн у женщин с повреждениями</a:t>
-                      </a:r>
-                    </a:p>
-                  </a:txBody>
-                  <a:tcPr/>
-                </a:tc>
-                <a:extLst>
-                  <a:ext uri="{0D108BD9-81ED-4DB2-BD59-A6C34878D82A}">
-                    <a16:rowId xmlns:a16="http://schemas.microsoft.com/office/drawing/2014/main" val="356248450"/>
-                  </a:ext>
-                </a:extLst>
-              </a:tr>
-              <a:tr h="370840">
-                <a:tc>
-                  <a:txBody>
-                    <a:bodyPr/>
-                    <a:lstStyle/>
-                    <a:p>
-                      <a:r>
-                        <a:rPr lang="en-US" sz="1400" dirty="0" err="1">
-                          <a:latin typeface="Arial" panose="020B0604020202020204" pitchFamily="34" charset="0"/>
-                          <a:cs typeface="Arial" panose="020B0604020202020204" pitchFamily="34" charset="0"/>
-                        </a:rPr>
-                        <a:t>New_Customer_Rate_By_Channel</a:t>
-                      </a:r>
-                      <a:endParaRPr lang="ru-RU" sz="1400" dirty="0">
-                        <a:latin typeface="Arial" panose="020B0604020202020204" pitchFamily="34" charset="0"/>
-                        <a:cs typeface="Arial" panose="020B0604020202020204" pitchFamily="34" charset="0"/>
-                      </a:endParaRPr>
-                    </a:p>
-                  </a:txBody>
-                  <a:tcPr/>
-                </a:tc>
-                <a:tc>
-                  <a:txBody>
-                    <a:bodyPr/>
-                    <a:lstStyle/>
-                    <a:p>
-                      <a:r>
-                        <a:rPr lang="ru-RU" sz="1400" dirty="0">
-                          <a:latin typeface="Arial" panose="020B0604020202020204" pitchFamily="34" charset="0"/>
-                          <a:cs typeface="Arial" panose="020B0604020202020204" pitchFamily="34" charset="0"/>
-                        </a:rPr>
-                        <a:t>Модель получает агрегированную информацию о "типе клиента", связанного с каналом, даже если сам клиент - новый</a:t>
-                      </a:r>
-                    </a:p>
-                  </a:txBody>
-                  <a:tcPr/>
-                </a:tc>
-                <a:extLst>
-                  <a:ext uri="{0D108BD9-81ED-4DB2-BD59-A6C34878D82A}">
-                    <a16:rowId xmlns:a16="http://schemas.microsoft.com/office/drawing/2014/main" val="237269768"/>
-                  </a:ext>
-                </a:extLst>
-              </a:tr>
-            </a:tbl>
-          </a:graphicData>
-        </a:graphic>
-      </p:graphicFrame>
     </p:spTree>
     <p:extLst>
       <p:ext uri="{BB962C8B-B14F-4D97-AF65-F5344CB8AC3E}">
-        <p14:creationId xmlns:p14="http://schemas.microsoft.com/office/powerpoint/2010/main" val="3312520297"/>
+        <p14:creationId xmlns:p14="http://schemas.microsoft.com/office/powerpoint/2010/main" val="4261511263"/>
       </p:ext>
     </p:extLst>
   </p:cSld>
@@ -6880,12 +7314,16 @@
           <a:lstStyle/>
           <a:p>
             <a:r>
-              <a:rPr lang="ru-RU" dirty="0">
+              <a:rPr lang="en-US" dirty="0">
                 <a:latin typeface="Arial" panose="020B0604020202020204" pitchFamily="34" charset="0"/>
                 <a:cs typeface="Arial" panose="020B0604020202020204" pitchFamily="34" charset="0"/>
               </a:rPr>
-              <a:t>Что можно попробовать</a:t>
-            </a:r>
+              <a:t>Things to be done</a:t>
+            </a:r>
+            <a:endParaRPr lang="ru-RU" dirty="0">
+              <a:latin typeface="Arial" panose="020B0604020202020204" pitchFamily="34" charset="0"/>
+              <a:cs typeface="Arial" panose="020B0604020202020204" pitchFamily="34" charset="0"/>
+            </a:endParaRPr>
           </a:p>
         </p:txBody>
       </p:sp>
@@ -6904,7 +7342,7 @@
         <p:spPr>
           <a:xfrm>
             <a:off x="684213" y="1397675"/>
-            <a:ext cx="10808540" cy="1477328"/>
+            <a:ext cx="10808540" cy="4247317"/>
           </a:xfrm>
           <a:prstGeom prst="rect">
             <a:avLst/>
@@ -7109,6 +7547,60 @@
               </a:rPr>
               <a:t>)</a:t>
             </a:r>
+          </a:p>
+          <a:p>
+            <a:pPr marL="342900" indent="-342900">
+              <a:spcBef>
+                <a:spcPts val="0"/>
+              </a:spcBef>
+              <a:spcAft>
+                <a:spcPts val="0"/>
+              </a:spcAft>
+              <a:buAutoNum type="arabicPeriod"/>
+            </a:pPr>
+            <a:r>
+              <a:rPr lang="ru-RU" sz="1800" dirty="0" err="1">
+                <a:effectLst/>
+                <a:latin typeface="Arial" panose="020B0604020202020204" pitchFamily="34" charset="0"/>
+                <a:cs typeface="Arial" panose="020B0604020202020204" pitchFamily="34" charset="0"/>
+              </a:rPr>
+              <a:t>Поресерчить</a:t>
+            </a:r>
+            <a:r>
+              <a:rPr lang="ru-RU" sz="1800" dirty="0">
+                <a:effectLst/>
+                <a:latin typeface="Arial" panose="020B0604020202020204" pitchFamily="34" charset="0"/>
+                <a:cs typeface="Arial" panose="020B0604020202020204" pitchFamily="34" charset="0"/>
+              </a:rPr>
+              <a:t> и попробовать другие техники борьбы с дисбалансом</a:t>
+            </a:r>
+          </a:p>
+          <a:p>
+            <a:pPr marL="342900" indent="-342900">
+              <a:spcBef>
+                <a:spcPts val="0"/>
+              </a:spcBef>
+              <a:spcAft>
+                <a:spcPts val="0"/>
+              </a:spcAft>
+              <a:buAutoNum type="arabicPeriod"/>
+            </a:pPr>
+            <a:r>
+              <a:rPr lang="ru-RU" sz="1800" dirty="0">
+                <a:effectLst/>
+                <a:latin typeface="Arial" panose="020B0604020202020204" pitchFamily="34" charset="0"/>
+                <a:cs typeface="Arial" panose="020B0604020202020204" pitchFamily="34" charset="0"/>
+              </a:rPr>
+              <a:t>Попробовать другие наборы параметров для подбора </a:t>
+            </a:r>
+            <a:r>
+              <a:rPr lang="ru-RU" sz="1800" dirty="0" err="1">
+                <a:effectLst/>
+                <a:latin typeface="Arial" panose="020B0604020202020204" pitchFamily="34" charset="0"/>
+                <a:cs typeface="Arial" panose="020B0604020202020204" pitchFamily="34" charset="0"/>
+              </a:rPr>
+              <a:t>гиперпараметров</a:t>
+            </a:r>
             <a:endParaRPr lang="ru-RU" sz="1800" dirty="0">
               <a:effectLst/>
               <a:latin typeface="Arial" panose="020B0604020202020204" pitchFamily="34" charset="0"/>
@@ -7125,6 +7617,242 @@
               </a:spcAft>
               <a:buAutoNum type="arabicPeriod"/>
             </a:pPr>
+            <a:r>
+              <a:rPr lang="ru-RU" sz="1800" dirty="0">
+                <a:effectLst/>
+                <a:latin typeface="Arial" panose="020B0604020202020204" pitchFamily="34" charset="0"/>
+                <a:cs typeface="Arial" panose="020B0604020202020204" pitchFamily="34" charset="0"/>
+              </a:rPr>
+              <a:t>Еще оптимизировать скорость для больших данных</a:t>
+            </a:r>
+          </a:p>
+          <a:p>
+            <a:pPr marL="342900" indent="-342900">
+              <a:spcBef>
+                <a:spcPts val="0"/>
+              </a:spcBef>
+              <a:spcAft>
+                <a:spcPts val="0"/>
+              </a:spcAft>
+              <a:buAutoNum type="arabicPeriod"/>
+            </a:pPr>
+            <a:r>
+              <a:rPr lang="ru-RU" sz="1800" dirty="0">
+                <a:effectLst/>
+                <a:latin typeface="Arial" panose="020B0604020202020204" pitchFamily="34" charset="0"/>
+                <a:cs typeface="Arial" panose="020B0604020202020204" pitchFamily="34" charset="0"/>
+              </a:rPr>
+              <a:t>В данном </a:t>
+            </a:r>
+            <a:r>
+              <a:rPr lang="ru-RU" sz="1800" dirty="0" err="1">
+                <a:effectLst/>
+                <a:latin typeface="Arial" panose="020B0604020202020204" pitchFamily="34" charset="0"/>
+                <a:cs typeface="Arial" panose="020B0604020202020204" pitchFamily="34" charset="0"/>
+              </a:rPr>
+              <a:t>датасете</a:t>
+            </a:r>
+            <a:r>
+              <a:rPr lang="ru-RU" sz="1800" dirty="0">
+                <a:effectLst/>
+                <a:latin typeface="Arial" panose="020B0604020202020204" pitchFamily="34" charset="0"/>
+                <a:cs typeface="Arial" panose="020B0604020202020204" pitchFamily="34" charset="0"/>
+              </a:rPr>
+              <a:t> не было ни дубликатов ни пропусков, добавить предобработку данных если появятся новые данные где будут дубликаты и/или пропуски</a:t>
+            </a:r>
+          </a:p>
+          <a:p>
+            <a:pPr marL="342900" indent="-342900">
+              <a:spcBef>
+                <a:spcPts val="0"/>
+              </a:spcBef>
+              <a:spcAft>
+                <a:spcPts val="0"/>
+              </a:spcAft>
+              <a:buAutoNum type="arabicPeriod"/>
+            </a:pPr>
+            <a:r>
+              <a:rPr lang="ru-RU" sz="1800" dirty="0">
+                <a:effectLst/>
+                <a:latin typeface="Arial" panose="020B0604020202020204" pitchFamily="34" charset="0"/>
+                <a:cs typeface="Arial" panose="020B0604020202020204" pitchFamily="34" charset="0"/>
+              </a:rPr>
+              <a:t>Имитировать ситуацию с дополнением новых данных и протестировать </a:t>
+            </a:r>
+            <a:r>
+              <a:rPr lang="ru-RU" sz="1800" dirty="0" err="1">
+                <a:effectLst/>
+                <a:latin typeface="Arial" panose="020B0604020202020204" pitchFamily="34" charset="0"/>
+                <a:cs typeface="Arial" panose="020B0604020202020204" pitchFamily="34" charset="0"/>
+              </a:rPr>
+              <a:t>предобработчик</a:t>
+            </a:r>
+            <a:r>
+              <a:rPr lang="ru-RU" sz="1800" dirty="0">
+                <a:effectLst/>
+                <a:latin typeface="Arial" panose="020B0604020202020204" pitchFamily="34" charset="0"/>
+                <a:cs typeface="Arial" panose="020B0604020202020204" pitchFamily="34" charset="0"/>
+              </a:rPr>
+              <a:t> пропусков</a:t>
+            </a:r>
+          </a:p>
+          <a:p>
+            <a:pPr marL="342900" indent="-342900">
+              <a:spcBef>
+                <a:spcPts val="0"/>
+              </a:spcBef>
+              <a:spcAft>
+                <a:spcPts val="0"/>
+              </a:spcAft>
+              <a:buAutoNum type="arabicPeriod"/>
+            </a:pPr>
+            <a:r>
+              <a:rPr lang="ru-RU" sz="1800" dirty="0">
+                <a:effectLst/>
+                <a:latin typeface="Arial" panose="020B0604020202020204" pitchFamily="34" charset="0"/>
+                <a:cs typeface="Arial" panose="020B0604020202020204" pitchFamily="34" charset="0"/>
+              </a:rPr>
+              <a:t>Доработать существующие и добавить другие методы для конструктора моделей (например, применения </a:t>
+            </a:r>
+            <a:r>
+              <a:rPr lang="ru-RU" sz="1800" dirty="0" err="1">
+                <a:effectLst/>
+                <a:latin typeface="Arial" panose="020B0604020202020204" pitchFamily="34" charset="0"/>
+                <a:cs typeface="Arial" panose="020B0604020202020204" pitchFamily="34" charset="0"/>
+              </a:rPr>
+              <a:t>feature</a:t>
+            </a:r>
+            <a:r>
+              <a:rPr lang="ru-RU" sz="1800" dirty="0">
+                <a:effectLst/>
+                <a:latin typeface="Arial" panose="020B0604020202020204" pitchFamily="34" charset="0"/>
+                <a:cs typeface="Arial" panose="020B0604020202020204" pitchFamily="34" charset="0"/>
+              </a:rPr>
+              <a:t> </a:t>
+            </a:r>
+            <a:r>
+              <a:rPr lang="ru-RU" sz="1800" dirty="0" err="1">
+                <a:effectLst/>
+                <a:latin typeface="Arial" panose="020B0604020202020204" pitchFamily="34" charset="0"/>
+                <a:cs typeface="Arial" panose="020B0604020202020204" pitchFamily="34" charset="0"/>
+              </a:rPr>
+              <a:t>importance</a:t>
+            </a:r>
+            <a:r>
+              <a:rPr lang="ru-RU" sz="1800" dirty="0">
+                <a:effectLst/>
+                <a:latin typeface="Arial" panose="020B0604020202020204" pitchFamily="34" charset="0"/>
+                <a:cs typeface="Arial" panose="020B0604020202020204" pitchFamily="34" charset="0"/>
+              </a:rPr>
+              <a:t>, </a:t>
+            </a:r>
+            <a:r>
+              <a:rPr lang="ru-RU" sz="1800" dirty="0" err="1">
+                <a:effectLst/>
+                <a:latin typeface="Arial" panose="020B0604020202020204" pitchFamily="34" charset="0"/>
+                <a:cs typeface="Arial" panose="020B0604020202020204" pitchFamily="34" charset="0"/>
+              </a:rPr>
+              <a:t>feature</a:t>
+            </a:r>
+            <a:r>
+              <a:rPr lang="ru-RU" sz="1800" dirty="0">
+                <a:effectLst/>
+                <a:latin typeface="Arial" panose="020B0604020202020204" pitchFamily="34" charset="0"/>
+                <a:cs typeface="Arial" panose="020B0604020202020204" pitchFamily="34" charset="0"/>
+              </a:rPr>
+              <a:t> </a:t>
+            </a:r>
+            <a:r>
+              <a:rPr lang="ru-RU" sz="1800" dirty="0" err="1">
+                <a:effectLst/>
+                <a:latin typeface="Arial" panose="020B0604020202020204" pitchFamily="34" charset="0"/>
+                <a:cs typeface="Arial" panose="020B0604020202020204" pitchFamily="34" charset="0"/>
+              </a:rPr>
+              <a:t>engineering</a:t>
+            </a:r>
+            <a:r>
+              <a:rPr lang="ru-RU" sz="1800" dirty="0">
+                <a:effectLst/>
+                <a:latin typeface="Arial" panose="020B0604020202020204" pitchFamily="34" charset="0"/>
+                <a:cs typeface="Arial" panose="020B0604020202020204" pitchFamily="34" charset="0"/>
+              </a:rPr>
+              <a:t>, удаление данных по итогам </a:t>
+            </a:r>
+            <a:r>
+              <a:rPr lang="ru-RU" sz="1800" dirty="0" err="1">
+                <a:effectLst/>
+                <a:latin typeface="Arial" panose="020B0604020202020204" pitchFamily="34" charset="0"/>
+                <a:cs typeface="Arial" panose="020B0604020202020204" pitchFamily="34" charset="0"/>
+              </a:rPr>
+              <a:t>feature</a:t>
+            </a:r>
+            <a:r>
+              <a:rPr lang="ru-RU" sz="1800" dirty="0">
+                <a:effectLst/>
+                <a:latin typeface="Arial" panose="020B0604020202020204" pitchFamily="34" charset="0"/>
+                <a:cs typeface="Arial" panose="020B0604020202020204" pitchFamily="34" charset="0"/>
+              </a:rPr>
+              <a:t> </a:t>
+            </a:r>
+            <a:r>
+              <a:rPr lang="ru-RU" sz="1800" dirty="0" err="1">
+                <a:effectLst/>
+                <a:latin typeface="Arial" panose="020B0604020202020204" pitchFamily="34" charset="0"/>
+                <a:cs typeface="Arial" panose="020B0604020202020204" pitchFamily="34" charset="0"/>
+              </a:rPr>
+              <a:t>importance</a:t>
+            </a:r>
+            <a:r>
+              <a:rPr lang="ru-RU" sz="1800" dirty="0">
+                <a:effectLst/>
+                <a:latin typeface="Arial" panose="020B0604020202020204" pitchFamily="34" charset="0"/>
+                <a:cs typeface="Arial" panose="020B0604020202020204" pitchFamily="34" charset="0"/>
+              </a:rPr>
+              <a:t>)</a:t>
+            </a:r>
+          </a:p>
+          <a:p>
+            <a:pPr marL="342900" indent="-342900">
+              <a:spcBef>
+                <a:spcPts val="0"/>
+              </a:spcBef>
+              <a:spcAft>
+                <a:spcPts val="0"/>
+              </a:spcAft>
+              <a:buAutoNum type="arabicPeriod"/>
+            </a:pPr>
+            <a:r>
+              <a:rPr lang="ru-RU" sz="1800" dirty="0">
+                <a:effectLst/>
+                <a:latin typeface="Arial" panose="020B0604020202020204" pitchFamily="34" charset="0"/>
+                <a:cs typeface="Arial" panose="020B0604020202020204" pitchFamily="34" charset="0"/>
+              </a:rPr>
+              <a:t>Найти и опробовать другие потенциально полезные признаки с помощью </a:t>
+            </a:r>
+            <a:r>
+              <a:rPr lang="ru-RU" sz="1800" dirty="0" err="1">
+                <a:effectLst/>
+                <a:latin typeface="Arial" panose="020B0604020202020204" pitchFamily="34" charset="0"/>
+                <a:cs typeface="Arial" panose="020B0604020202020204" pitchFamily="34" charset="0"/>
+              </a:rPr>
+              <a:t>feature</a:t>
+            </a:r>
+            <a:r>
+              <a:rPr lang="ru-RU" sz="1800" dirty="0">
+                <a:effectLst/>
+                <a:latin typeface="Arial" panose="020B0604020202020204" pitchFamily="34" charset="0"/>
+                <a:cs typeface="Arial" panose="020B0604020202020204" pitchFamily="34" charset="0"/>
+              </a:rPr>
+              <a:t> </a:t>
+            </a:r>
+            <a:r>
+              <a:rPr lang="ru-RU" sz="1800" dirty="0" err="1">
+                <a:effectLst/>
+                <a:latin typeface="Arial" panose="020B0604020202020204" pitchFamily="34" charset="0"/>
+                <a:cs typeface="Arial" panose="020B0604020202020204" pitchFamily="34" charset="0"/>
+              </a:rPr>
+              <a:t>engineering</a:t>
+            </a:r>
             <a:endParaRPr lang="ru-RU" sz="1800" dirty="0">
               <a:effectLst/>
               <a:latin typeface="Arial" panose="020B0604020202020204" pitchFamily="34" charset="0"/>
@@ -7614,13 +8342,13 @@
         </p:nvSpPr>
         <p:spPr>
           <a:xfrm>
-            <a:off x="684213" y="1503829"/>
-            <a:ext cx="10945752" cy="2433918"/>
+            <a:off x="684213" y="1028177"/>
+            <a:ext cx="10945752" cy="3023066"/>
           </a:xfrm>
         </p:spPr>
         <p:txBody>
           <a:bodyPr>
-            <a:normAutofit lnSpcReduction="10000"/>
+            <a:normAutofit/>
           </a:bodyPr>
           <a:lstStyle/>
           <a:p>
@@ -7658,7 +8386,44 @@
                 </a:solidFill>
                 <a:latin typeface="Arial" panose="020B0604020202020204" pitchFamily="34" charset="0"/>
               </a:rPr>
-              <a:t>Количество столбцов - 11</a:t>
+              <a:t>Количество столбцов </a:t>
+            </a:r>
+            <a:r>
+              <a:rPr lang="ru-RU" dirty="0">
+                <a:solidFill>
+                  <a:srgbClr val="FFFFFF"/>
+                </a:solidFill>
+                <a:latin typeface="Arial" panose="020B0604020202020204" pitchFamily="34" charset="0"/>
+              </a:rPr>
+              <a:t>-</a:t>
+            </a:r>
+            <a:r>
+              <a:rPr lang="ru-RU" sz="1800" i="0" u="none" strike="noStrike" dirty="0">
+                <a:solidFill>
+                  <a:srgbClr val="FFFFFF"/>
+                </a:solidFill>
+                <a:latin typeface="Arial" panose="020B0604020202020204" pitchFamily="34" charset="0"/>
+              </a:rPr>
+              <a:t> 11</a:t>
+            </a:r>
+          </a:p>
+          <a:p>
+            <a:pPr rtl="0">
+              <a:spcBef>
+                <a:spcPts val="0"/>
+              </a:spcBef>
+              <a:spcAft>
+                <a:spcPts val="0"/>
+              </a:spcAft>
+            </a:pPr>
+            <a:r>
+              <a:rPr lang="ru-RU" sz="1800" i="0" u="none" strike="noStrike" dirty="0">
+                <a:solidFill>
+                  <a:srgbClr val="FFFFFF"/>
+                </a:solidFill>
+                <a:latin typeface="Arial" panose="020B0604020202020204" pitchFamily="34" charset="0"/>
+              </a:rPr>
+              <a:t>Пропуски и дубликаты - отсутствуют</a:t>
             </a:r>
           </a:p>
           <a:p>
@@ -9359,18 +10124,31 @@
           <a:lstStyle/>
           <a:p>
             <a:r>
-              <a:rPr lang="ru-RU" dirty="0">
-                <a:latin typeface="Arial" panose="020B0604020202020204" pitchFamily="34" charset="0"/>
-                <a:cs typeface="Arial" panose="020B0604020202020204" pitchFamily="34" charset="0"/>
-              </a:rPr>
-              <a:t>Итоги </a:t>
-            </a:r>
-            <a:r>
-              <a:rPr lang="en-US" dirty="0" err="1">
-                <a:latin typeface="Arial" panose="020B0604020202020204" pitchFamily="34" charset="0"/>
-                <a:cs typeface="Arial" panose="020B0604020202020204" pitchFamily="34" charset="0"/>
-              </a:rPr>
-              <a:t>eda</a:t>
+              <a:rPr lang="ru-RU" sz="3600" i="0" u="none" strike="noStrike" dirty="0" err="1">
+                <a:solidFill>
+                  <a:srgbClr val="FFFFFF"/>
+                </a:solidFill>
+                <a:latin typeface="Arial" panose="020B0604020202020204" pitchFamily="34" charset="0"/>
+              </a:rPr>
+              <a:t>Feature</a:t>
+            </a:r>
+            <a:r>
+              <a:rPr lang="ru-RU" sz="3600" i="0" u="none" strike="noStrike" dirty="0">
+                <a:solidFill>
+                  <a:srgbClr val="FFFFFF"/>
+                </a:solidFill>
+                <a:latin typeface="Arial" panose="020B0604020202020204" pitchFamily="34" charset="0"/>
+              </a:rPr>
+              <a:t> </a:t>
+            </a:r>
+            <a:r>
+              <a:rPr lang="ru-RU" sz="3600" i="0" u="none" strike="noStrike" dirty="0" err="1">
+                <a:solidFill>
+                  <a:srgbClr val="FFFFFF"/>
+                </a:solidFill>
+                <a:latin typeface="Arial" panose="020B0604020202020204" pitchFamily="34" charset="0"/>
+              </a:rPr>
+              <a:t>Engineering</a:t>
             </a:r>
             <a:endParaRPr lang="ru-RU" dirty="0">
               <a:latin typeface="Arial" panose="020B0604020202020204" pitchFamily="34" charset="0"/>
@@ -9407,206 +10185,70 @@
           </a:bodyPr>
           <a:lstStyle/>
           <a:p>
-            <a:pPr marL="342900" indent="-342900" rtl="0">
+            <a:pPr rtl="0">
               <a:spcBef>
                 <a:spcPts val="0"/>
               </a:spcBef>
               <a:spcAft>
                 <a:spcPts val="0"/>
               </a:spcAft>
-              <a:buAutoNum type="arabicPeriod"/>
             </a:pPr>
             <a:r>
-              <a:rPr lang="ru-RU" sz="1600" i="0" u="none" strike="noStrike" dirty="0">
-                <a:solidFill>
-                  <a:srgbClr val="FFFFFF"/>
-                </a:solidFill>
-                <a:latin typeface="Arial" panose="020B0604020202020204" pitchFamily="34" charset="0"/>
-              </a:rPr>
-              <a:t>Большой объем </a:t>
-            </a:r>
-            <a:r>
-              <a:rPr lang="ru-RU" sz="1600" i="0" u="none" strike="noStrike" dirty="0" err="1">
-                <a:solidFill>
-                  <a:srgbClr val="FFFFFF"/>
-                </a:solidFill>
-                <a:latin typeface="Arial" panose="020B0604020202020204" pitchFamily="34" charset="0"/>
-              </a:rPr>
-              <a:t>датасета</a:t>
-            </a:r>
-            <a:r>
-              <a:rPr lang="ru-RU" sz="1600" i="0" u="none" strike="noStrike" dirty="0">
-                <a:solidFill>
-                  <a:srgbClr val="FFFFFF"/>
-                </a:solidFill>
-                <a:latin typeface="Arial" panose="020B0604020202020204" pitchFamily="34" charset="0"/>
-              </a:rPr>
-              <a:t> – нужно подбирать методы оптимизированного обучения моделей</a:t>
-            </a:r>
-          </a:p>
-          <a:p>
-            <a:pPr marL="342900" indent="-342900" rtl="0">
+              <a:rPr lang="ru-RU" sz="1400" dirty="0">
+                <a:solidFill>
+                  <a:srgbClr val="FFFFFF"/>
+                </a:solidFill>
+                <a:latin typeface="Arial" panose="020B0604020202020204" pitchFamily="34" charset="0"/>
+              </a:rPr>
+              <a:t>Найдены потенциально полезные признаки для </a:t>
+            </a:r>
+            <a:r>
+              <a:rPr lang="ru-RU" sz="1400" dirty="0" err="1">
+                <a:solidFill>
+                  <a:srgbClr val="FFFFFF"/>
+                </a:solidFill>
+                <a:latin typeface="Arial" panose="020B0604020202020204" pitchFamily="34" charset="0"/>
+              </a:rPr>
+              <a:t>feature</a:t>
+            </a:r>
+            <a:r>
+              <a:rPr lang="ru-RU" sz="1400" dirty="0">
+                <a:solidFill>
+                  <a:srgbClr val="FFFFFF"/>
+                </a:solidFill>
+                <a:latin typeface="Arial" panose="020B0604020202020204" pitchFamily="34" charset="0"/>
+              </a:rPr>
+              <a:t> </a:t>
+            </a:r>
+            <a:r>
+              <a:rPr lang="ru-RU" sz="1400" dirty="0" err="1">
+                <a:solidFill>
+                  <a:srgbClr val="FFFFFF"/>
+                </a:solidFill>
+                <a:latin typeface="Arial" panose="020B0604020202020204" pitchFamily="34" charset="0"/>
+              </a:rPr>
+              <a:t>engineering</a:t>
+            </a:r>
+            <a:r>
+              <a:rPr lang="ru-RU" sz="1400" dirty="0">
+                <a:solidFill>
+                  <a:srgbClr val="FFFFFF"/>
+                </a:solidFill>
+                <a:latin typeface="Arial" panose="020B0604020202020204" pitchFamily="34" charset="0"/>
+              </a:rPr>
+              <a:t>:</a:t>
+            </a:r>
+          </a:p>
+          <a:p>
+            <a:pPr rtl="0">
               <a:spcBef>
                 <a:spcPts val="0"/>
               </a:spcBef>
               <a:spcAft>
                 <a:spcPts val="0"/>
               </a:spcAft>
-              <a:buAutoNum type="arabicPeriod"/>
             </a:pPr>
-            <a:r>
-              <a:rPr lang="ru-RU" sz="1600" dirty="0">
-                <a:solidFill>
-                  <a:srgbClr val="FFFFFF"/>
-                </a:solidFill>
-                <a:latin typeface="Arial" panose="020B0604020202020204" pitchFamily="34" charset="0"/>
-              </a:rPr>
-              <a:t>Достаточное количество признаков</a:t>
-            </a:r>
-          </a:p>
-          <a:p>
-            <a:pPr marL="342900" indent="-342900" rtl="0">
-              <a:spcBef>
-                <a:spcPts val="0"/>
-              </a:spcBef>
-              <a:spcAft>
-                <a:spcPts val="0"/>
-              </a:spcAft>
-              <a:buAutoNum type="arabicPeriod"/>
-            </a:pPr>
-            <a:r>
-              <a:rPr lang="ru-RU" sz="1600" i="0" u="none" strike="noStrike" dirty="0">
-                <a:solidFill>
-                  <a:srgbClr val="FFFFFF"/>
-                </a:solidFill>
-                <a:latin typeface="Arial" panose="020B0604020202020204" pitchFamily="34" charset="0"/>
-              </a:rPr>
-              <a:t>Сильный дис</a:t>
-            </a:r>
-            <a:r>
-              <a:rPr lang="ru-RU" sz="1600" dirty="0">
-                <a:solidFill>
-                  <a:srgbClr val="FFFFFF"/>
-                </a:solidFill>
-                <a:latin typeface="Arial" panose="020B0604020202020204" pitchFamily="34" charset="0"/>
-              </a:rPr>
-              <a:t>баланс по </a:t>
-            </a:r>
-            <a:r>
-              <a:rPr lang="ru-RU" sz="1600" dirty="0" err="1">
-                <a:solidFill>
-                  <a:srgbClr val="FFFFFF"/>
-                </a:solidFill>
-                <a:latin typeface="Arial" panose="020B0604020202020204" pitchFamily="34" charset="0"/>
-              </a:rPr>
-              <a:t>таргету</a:t>
-            </a:r>
-            <a:r>
-              <a:rPr lang="ru-RU" sz="1600" dirty="0">
-                <a:solidFill>
-                  <a:srgbClr val="FFFFFF"/>
-                </a:solidFill>
-                <a:latin typeface="Arial" panose="020B0604020202020204" pitchFamily="34" charset="0"/>
-              </a:rPr>
-              <a:t> - </a:t>
-            </a:r>
-            <a:r>
-              <a:rPr lang="ru-RU" sz="1600" i="0" u="none" strike="noStrike" dirty="0">
-                <a:solidFill>
-                  <a:srgbClr val="FFFFFF"/>
-                </a:solidFill>
-                <a:latin typeface="Arial" panose="020B0604020202020204" pitchFamily="34" charset="0"/>
-              </a:rPr>
-              <a:t>нужно подбирать методы борьбы с дисбалансом</a:t>
-            </a:r>
-          </a:p>
-          <a:p>
-            <a:pPr marL="342900" indent="-342900" rtl="0">
-              <a:spcBef>
-                <a:spcPts val="0"/>
-              </a:spcBef>
-              <a:spcAft>
-                <a:spcPts val="0"/>
-              </a:spcAft>
-              <a:buAutoNum type="arabicPeriod"/>
-            </a:pPr>
-            <a:r>
-              <a:rPr lang="ru-RU" sz="1600" dirty="0">
-                <a:solidFill>
-                  <a:srgbClr val="FFFFFF"/>
-                </a:solidFill>
-                <a:latin typeface="Arial" panose="020B0604020202020204" pitchFamily="34" charset="0"/>
-              </a:rPr>
-              <a:t>Бинарные признаки соотносятся примерно 1 к 1, кроме «</a:t>
-            </a:r>
-            <a:r>
-              <a:rPr lang="en-US" sz="1600" dirty="0" err="1">
-                <a:solidFill>
-                  <a:srgbClr val="FFFFFF"/>
-                </a:solidFill>
-                <a:latin typeface="Arial" panose="020B0604020202020204" pitchFamily="34" charset="0"/>
-              </a:rPr>
-              <a:t>Driving_License</a:t>
-            </a:r>
-            <a:r>
-              <a:rPr lang="ru-RU" sz="1600" dirty="0">
-                <a:solidFill>
-                  <a:srgbClr val="FFFFFF"/>
-                </a:solidFill>
-                <a:latin typeface="Arial" panose="020B0604020202020204" pitchFamily="34" charset="0"/>
-              </a:rPr>
-              <a:t>»</a:t>
-            </a:r>
-          </a:p>
-          <a:p>
-            <a:pPr marL="342900" indent="-342900" rtl="0">
-              <a:spcBef>
-                <a:spcPts val="0"/>
-              </a:spcBef>
-              <a:spcAft>
-                <a:spcPts val="0"/>
-              </a:spcAft>
-              <a:buAutoNum type="arabicPeriod"/>
-            </a:pPr>
-            <a:r>
-              <a:rPr lang="ru-RU" sz="1600" i="0" u="none" strike="noStrike" dirty="0">
-                <a:solidFill>
-                  <a:srgbClr val="FFFFFF"/>
-                </a:solidFill>
-                <a:latin typeface="Arial" panose="020B0604020202020204" pitchFamily="34" charset="0"/>
-              </a:rPr>
-              <a:t>Числовые признаки стремятся к равномерному распределению</a:t>
-            </a:r>
-          </a:p>
-          <a:p>
-            <a:pPr marL="342900" indent="-342900" rtl="0">
-              <a:spcBef>
-                <a:spcPts val="0"/>
-              </a:spcBef>
-              <a:spcAft>
-                <a:spcPts val="0"/>
-              </a:spcAft>
-              <a:buAutoNum type="arabicPeriod"/>
-            </a:pPr>
-            <a:r>
-              <a:rPr lang="ru-RU" sz="1600" dirty="0">
-                <a:solidFill>
-                  <a:srgbClr val="FFFFFF"/>
-                </a:solidFill>
-                <a:latin typeface="Arial" panose="020B0604020202020204" pitchFamily="34" charset="0"/>
-              </a:rPr>
-              <a:t>Большинство признаком умеренно коррелируют с </a:t>
-            </a:r>
-            <a:r>
-              <a:rPr lang="ru-RU" sz="1600" dirty="0" err="1">
-                <a:solidFill>
-                  <a:srgbClr val="FFFFFF"/>
-                </a:solidFill>
-                <a:latin typeface="Arial" panose="020B0604020202020204" pitchFamily="34" charset="0"/>
-              </a:rPr>
-              <a:t>таргетом</a:t>
-            </a:r>
-            <a:endParaRPr lang="ru-RU" sz="1600" dirty="0">
+            <a:endParaRPr lang="ru-RU" sz="1400" dirty="0">
               <a:solidFill>
                 <a:srgbClr val="FFFFFF"/>
               </a:solidFill>
@@ -9614,52 +10256,863 @@
             </a:endParaRPr>
           </a:p>
           <a:p>
-            <a:pPr marL="342900" indent="-342900" rtl="0">
+            <a:pPr rtl="0">
               <a:spcBef>
                 <a:spcPts val="0"/>
               </a:spcBef>
               <a:spcAft>
                 <a:spcPts val="0"/>
               </a:spcAft>
-              <a:buAutoNum type="arabicPeriod"/>
             </a:pPr>
             <a:r>
-              <a:rPr lang="ru-RU" sz="1600" i="0" u="none" strike="noStrike" dirty="0">
-                <a:solidFill>
-                  <a:srgbClr val="FFFFFF"/>
-                </a:solidFill>
-                <a:latin typeface="Arial" panose="020B0604020202020204" pitchFamily="34" charset="0"/>
-              </a:rPr>
-              <a:t>Для </a:t>
-            </a:r>
-            <a:r>
-              <a:rPr lang="ru-RU" sz="1600" i="0" u="none" strike="noStrike" dirty="0" err="1">
-                <a:solidFill>
-                  <a:srgbClr val="FFFFFF"/>
-                </a:solidFill>
-                <a:latin typeface="Arial" panose="020B0604020202020204" pitchFamily="34" charset="0"/>
-              </a:rPr>
-              <a:t>высококардинальных</a:t>
-            </a:r>
-            <a:r>
-              <a:rPr lang="ru-RU" sz="1600" i="0" u="none" strike="noStrike" dirty="0">
-                <a:solidFill>
-                  <a:srgbClr val="FFFFFF"/>
-                </a:solidFill>
-                <a:latin typeface="Arial" panose="020B0604020202020204" pitchFamily="34" charset="0"/>
-              </a:rPr>
-              <a:t> признаков использовать - </a:t>
-            </a:r>
-            <a:r>
-              <a:rPr lang="en-US" sz="1600" i="0" u="none" strike="noStrike" dirty="0">
-                <a:solidFill>
-                  <a:srgbClr val="FFFFFF"/>
-                </a:solidFill>
-                <a:latin typeface="Arial" panose="020B0604020202020204" pitchFamily="34" charset="0"/>
-              </a:rPr>
-              <a:t>Frequency Encoding</a:t>
-            </a:r>
-            <a:endParaRPr lang="ru-RU" sz="1600" i="0" u="none" strike="noStrike" dirty="0">
+              <a:rPr lang="ru-RU" sz="1400" dirty="0">
+                <a:solidFill>
+                  <a:srgbClr val="FFFFFF"/>
+                </a:solidFill>
+                <a:latin typeface="Arial" panose="020B0604020202020204" pitchFamily="34" charset="0"/>
+              </a:rPr>
+              <a:t>1. </a:t>
+            </a:r>
+            <a:r>
+              <a:rPr lang="ru-RU" sz="1400" u="sng" dirty="0" err="1">
+                <a:solidFill>
+                  <a:srgbClr val="FFFFFF"/>
+                </a:solidFill>
+                <a:latin typeface="Arial" panose="020B0604020202020204" pitchFamily="34" charset="0"/>
+              </a:rPr>
+              <a:t>Log_Annual_Premium</a:t>
+            </a:r>
+            <a:r>
+              <a:rPr lang="ru-RU" sz="1400" u="sng" dirty="0">
+                <a:solidFill>
+                  <a:srgbClr val="FFFFFF"/>
+                </a:solidFill>
+                <a:latin typeface="Arial" panose="020B0604020202020204" pitchFamily="34" charset="0"/>
+              </a:rPr>
+              <a:t> = логарифмирование </a:t>
+            </a:r>
+            <a:r>
+              <a:rPr lang="ru-RU" sz="1400" u="sng" dirty="0" err="1">
+                <a:solidFill>
+                  <a:srgbClr val="FFFFFF"/>
+                </a:solidFill>
+                <a:latin typeface="Arial" panose="020B0604020202020204" pitchFamily="34" charset="0"/>
+              </a:rPr>
+              <a:t>Annual_Premium</a:t>
+            </a:r>
+            <a:r>
+              <a:rPr lang="ru-RU" sz="1400" dirty="0">
+                <a:solidFill>
+                  <a:srgbClr val="FFFFFF"/>
+                </a:solidFill>
+                <a:latin typeface="Arial" panose="020B0604020202020204" pitchFamily="34" charset="0"/>
+              </a:rPr>
+              <a:t> - делает распределение ближе к нормальному, что улучшает стабильность и точность модели.</a:t>
+            </a:r>
+          </a:p>
+          <a:p>
+            <a:pPr rtl="0">
+              <a:spcBef>
+                <a:spcPts val="0"/>
+              </a:spcBef>
+              <a:spcAft>
+                <a:spcPts val="0"/>
+              </a:spcAft>
+            </a:pPr>
+            <a:r>
+              <a:rPr lang="ru-RU" sz="1400" dirty="0">
+                <a:solidFill>
+                  <a:srgbClr val="FFFFFF"/>
+                </a:solidFill>
+                <a:latin typeface="Arial" panose="020B0604020202020204" pitchFamily="34" charset="0"/>
+              </a:rPr>
+              <a:t>2. </a:t>
+            </a:r>
+            <a:r>
+              <a:rPr lang="ru-RU" sz="1400" u="sng" dirty="0" err="1">
+                <a:solidFill>
+                  <a:srgbClr val="FFFFFF"/>
+                </a:solidFill>
+                <a:latin typeface="Arial" panose="020B0604020202020204" pitchFamily="34" charset="0"/>
+              </a:rPr>
+              <a:t>Age_to_Vintage</a:t>
+            </a:r>
+            <a:r>
+              <a:rPr lang="ru-RU" sz="1400" u="sng" dirty="0">
+                <a:solidFill>
+                  <a:srgbClr val="FFFFFF"/>
+                </a:solidFill>
+                <a:latin typeface="Arial" panose="020B0604020202020204" pitchFamily="34" charset="0"/>
+              </a:rPr>
+              <a:t> = </a:t>
+            </a:r>
+            <a:r>
+              <a:rPr lang="ru-RU" sz="1400" u="sng" dirty="0" err="1">
+                <a:solidFill>
+                  <a:srgbClr val="FFFFFF"/>
+                </a:solidFill>
+                <a:latin typeface="Arial" panose="020B0604020202020204" pitchFamily="34" charset="0"/>
+              </a:rPr>
+              <a:t>Age</a:t>
+            </a:r>
+            <a:r>
+              <a:rPr lang="ru-RU" sz="1400" u="sng" dirty="0">
+                <a:solidFill>
+                  <a:srgbClr val="FFFFFF"/>
+                </a:solidFill>
+                <a:latin typeface="Arial" panose="020B0604020202020204" pitchFamily="34" charset="0"/>
+              </a:rPr>
+              <a:t> / (</a:t>
+            </a:r>
+            <a:r>
+              <a:rPr lang="ru-RU" sz="1400" u="sng" dirty="0" err="1">
+                <a:solidFill>
+                  <a:srgbClr val="FFFFFF"/>
+                </a:solidFill>
+                <a:latin typeface="Arial" panose="020B0604020202020204" pitchFamily="34" charset="0"/>
+              </a:rPr>
+              <a:t>Vintage</a:t>
+            </a:r>
+            <a:r>
+              <a:rPr lang="ru-RU" sz="1400" u="sng" dirty="0">
+                <a:solidFill>
+                  <a:srgbClr val="FFFFFF"/>
+                </a:solidFill>
+                <a:latin typeface="Arial" panose="020B0604020202020204" pitchFamily="34" charset="0"/>
+              </a:rPr>
+              <a:t> + 1)</a:t>
+            </a:r>
+            <a:r>
+              <a:rPr lang="ru-RU" sz="1400" dirty="0">
+                <a:solidFill>
+                  <a:srgbClr val="FFFFFF"/>
+                </a:solidFill>
+                <a:latin typeface="Arial" panose="020B0604020202020204" pitchFamily="34" charset="0"/>
+              </a:rPr>
+              <a:t> - отражает, насколько «зрелый» клиент относительно продолжительности его взаимодействия со страховой компанией.</a:t>
+            </a:r>
+          </a:p>
+          <a:p>
+            <a:pPr rtl="0">
+              <a:spcBef>
+                <a:spcPts val="0"/>
+              </a:spcBef>
+              <a:spcAft>
+                <a:spcPts val="0"/>
+              </a:spcAft>
+            </a:pPr>
+            <a:r>
+              <a:rPr lang="ru-RU" sz="1400" dirty="0">
+                <a:solidFill>
+                  <a:srgbClr val="FFFFFF"/>
+                </a:solidFill>
+                <a:latin typeface="Arial" panose="020B0604020202020204" pitchFamily="34" charset="0"/>
+              </a:rPr>
+              <a:t>3. </a:t>
+            </a:r>
+            <a:r>
+              <a:rPr lang="ru-RU" sz="1400" u="sng" dirty="0" err="1">
+                <a:solidFill>
+                  <a:srgbClr val="FFFFFF"/>
+                </a:solidFill>
+                <a:latin typeface="Arial" panose="020B0604020202020204" pitchFamily="34" charset="0"/>
+              </a:rPr>
+              <a:t>Premium_to_Age</a:t>
+            </a:r>
+            <a:r>
+              <a:rPr lang="ru-RU" sz="1400" u="sng" dirty="0">
+                <a:solidFill>
+                  <a:srgbClr val="FFFFFF"/>
+                </a:solidFill>
+                <a:latin typeface="Arial" panose="020B0604020202020204" pitchFamily="34" charset="0"/>
+              </a:rPr>
+              <a:t> = </a:t>
+            </a:r>
+            <a:r>
+              <a:rPr lang="ru-RU" sz="1400" u="sng" dirty="0" err="1">
+                <a:solidFill>
+                  <a:srgbClr val="FFFFFF"/>
+                </a:solidFill>
+                <a:latin typeface="Arial" panose="020B0604020202020204" pitchFamily="34" charset="0"/>
+              </a:rPr>
+              <a:t>Annual_Premium</a:t>
+            </a:r>
+            <a:r>
+              <a:rPr lang="ru-RU" sz="1400" u="sng" dirty="0">
+                <a:solidFill>
+                  <a:srgbClr val="FFFFFF"/>
+                </a:solidFill>
+                <a:latin typeface="Arial" panose="020B0604020202020204" pitchFamily="34" charset="0"/>
+              </a:rPr>
+              <a:t> / (</a:t>
+            </a:r>
+            <a:r>
+              <a:rPr lang="ru-RU" sz="1400" u="sng" dirty="0" err="1">
+                <a:solidFill>
+                  <a:srgbClr val="FFFFFF"/>
+                </a:solidFill>
+                <a:latin typeface="Arial" panose="020B0604020202020204" pitchFamily="34" charset="0"/>
+              </a:rPr>
+              <a:t>Age</a:t>
+            </a:r>
+            <a:r>
+              <a:rPr lang="ru-RU" sz="1400" u="sng" dirty="0">
+                <a:solidFill>
+                  <a:srgbClr val="FFFFFF"/>
+                </a:solidFill>
+                <a:latin typeface="Arial" panose="020B0604020202020204" pitchFamily="34" charset="0"/>
+              </a:rPr>
+              <a:t> + 1)</a:t>
+            </a:r>
+            <a:r>
+              <a:rPr lang="ru-RU" sz="1400" dirty="0">
+                <a:solidFill>
+                  <a:srgbClr val="FFFFFF"/>
+                </a:solidFill>
+                <a:latin typeface="Arial" panose="020B0604020202020204" pitchFamily="34" charset="0"/>
+              </a:rPr>
+              <a:t> - позволяет оценить, насколько «дорого» застрахован клиент в контексте его возраста.</a:t>
+            </a:r>
+          </a:p>
+          <a:p>
+            <a:pPr rtl="0">
+              <a:spcBef>
+                <a:spcPts val="0"/>
+              </a:spcBef>
+              <a:spcAft>
+                <a:spcPts val="0"/>
+              </a:spcAft>
+            </a:pPr>
+            <a:r>
+              <a:rPr lang="ru-RU" sz="1400" dirty="0">
+                <a:solidFill>
+                  <a:srgbClr val="FFFFFF"/>
+                </a:solidFill>
+                <a:latin typeface="Arial" panose="020B0604020202020204" pitchFamily="34" charset="0"/>
+              </a:rPr>
+              <a:t>4. </a:t>
+            </a:r>
+            <a:r>
+              <a:rPr lang="ru-RU" sz="1400" u="sng" dirty="0" err="1">
+                <a:solidFill>
+                  <a:srgbClr val="FFFFFF"/>
+                </a:solidFill>
+                <a:latin typeface="Arial" panose="020B0604020202020204" pitchFamily="34" charset="0"/>
+              </a:rPr>
+              <a:t>Premium_to_Vintage</a:t>
+            </a:r>
+            <a:r>
+              <a:rPr lang="ru-RU" sz="1400" u="sng" dirty="0">
+                <a:solidFill>
+                  <a:srgbClr val="FFFFFF"/>
+                </a:solidFill>
+                <a:latin typeface="Arial" panose="020B0604020202020204" pitchFamily="34" charset="0"/>
+              </a:rPr>
+              <a:t> = </a:t>
+            </a:r>
+            <a:r>
+              <a:rPr lang="ru-RU" sz="1400" u="sng" dirty="0" err="1">
+                <a:solidFill>
+                  <a:srgbClr val="FFFFFF"/>
+                </a:solidFill>
+                <a:latin typeface="Arial" panose="020B0604020202020204" pitchFamily="34" charset="0"/>
+              </a:rPr>
+              <a:t>Annual_Premium</a:t>
+            </a:r>
+            <a:r>
+              <a:rPr lang="ru-RU" sz="1400" u="sng" dirty="0">
+                <a:solidFill>
+                  <a:srgbClr val="FFFFFF"/>
+                </a:solidFill>
+                <a:latin typeface="Arial" panose="020B0604020202020204" pitchFamily="34" charset="0"/>
+              </a:rPr>
+              <a:t> / (</a:t>
+            </a:r>
+            <a:r>
+              <a:rPr lang="ru-RU" sz="1400" u="sng" dirty="0" err="1">
+                <a:solidFill>
+                  <a:srgbClr val="FFFFFF"/>
+                </a:solidFill>
+                <a:latin typeface="Arial" panose="020B0604020202020204" pitchFamily="34" charset="0"/>
+              </a:rPr>
+              <a:t>Vintage</a:t>
+            </a:r>
+            <a:r>
+              <a:rPr lang="ru-RU" sz="1400" u="sng" dirty="0">
+                <a:solidFill>
+                  <a:srgbClr val="FFFFFF"/>
+                </a:solidFill>
+                <a:latin typeface="Arial" panose="020B0604020202020204" pitchFamily="34" charset="0"/>
+              </a:rPr>
+              <a:t> + 1)</a:t>
+            </a:r>
+            <a:r>
+              <a:rPr lang="ru-RU" sz="1400" dirty="0">
+                <a:solidFill>
+                  <a:srgbClr val="FFFFFF"/>
+                </a:solidFill>
+                <a:latin typeface="Arial" panose="020B0604020202020204" pitchFamily="34" charset="0"/>
+              </a:rPr>
+              <a:t> - показывает соотношение премии к длительности взаимоотношений с компанией.</a:t>
+            </a:r>
+          </a:p>
+          <a:p>
+            <a:pPr rtl="0">
+              <a:spcBef>
+                <a:spcPts val="0"/>
+              </a:spcBef>
+              <a:spcAft>
+                <a:spcPts val="0"/>
+              </a:spcAft>
+            </a:pPr>
+            <a:r>
+              <a:rPr lang="ru-RU" sz="1400" dirty="0">
+                <a:solidFill>
+                  <a:srgbClr val="FFFFFF"/>
+                </a:solidFill>
+                <a:latin typeface="Arial" panose="020B0604020202020204" pitchFamily="34" charset="0"/>
+              </a:rPr>
+              <a:t>5. </a:t>
+            </a:r>
+            <a:r>
+              <a:rPr lang="ru-RU" sz="1400" u="sng" dirty="0" err="1">
+                <a:solidFill>
+                  <a:srgbClr val="FFFFFF"/>
+                </a:solidFill>
+                <a:latin typeface="Arial" panose="020B0604020202020204" pitchFamily="34" charset="0"/>
+              </a:rPr>
+              <a:t>Age_Group</a:t>
+            </a:r>
+            <a:r>
+              <a:rPr lang="ru-RU" sz="1400" u="sng" dirty="0">
+                <a:solidFill>
+                  <a:srgbClr val="FFFFFF"/>
+                </a:solidFill>
+                <a:latin typeface="Arial" panose="020B0604020202020204" pitchFamily="34" charset="0"/>
+              </a:rPr>
+              <a:t> = категоризация </a:t>
+            </a:r>
+            <a:r>
+              <a:rPr lang="ru-RU" sz="1400" u="sng" dirty="0" err="1">
+                <a:solidFill>
+                  <a:srgbClr val="FFFFFF"/>
+                </a:solidFill>
+                <a:latin typeface="Arial" panose="020B0604020202020204" pitchFamily="34" charset="0"/>
+              </a:rPr>
+              <a:t>Age</a:t>
+            </a:r>
+            <a:r>
+              <a:rPr lang="ru-RU" sz="1400" u="sng" dirty="0">
+                <a:solidFill>
+                  <a:srgbClr val="FFFFFF"/>
+                </a:solidFill>
+                <a:latin typeface="Arial" panose="020B0604020202020204" pitchFamily="34" charset="0"/>
+              </a:rPr>
+              <a:t> на группы: 0–25, 25–35, 35–45, 45–55, 55–100</a:t>
+            </a:r>
+            <a:r>
+              <a:rPr lang="ru-RU" sz="1400" dirty="0">
+                <a:solidFill>
+                  <a:srgbClr val="FFFFFF"/>
+                </a:solidFill>
+                <a:latin typeface="Arial" panose="020B0604020202020204" pitchFamily="34" charset="0"/>
+              </a:rPr>
+              <a:t> - упрощает учёт нелинейной зависимости возраста от целевой переменной.</a:t>
+            </a:r>
+          </a:p>
+          <a:p>
+            <a:pPr rtl="0">
+              <a:spcBef>
+                <a:spcPts val="0"/>
+              </a:spcBef>
+              <a:spcAft>
+                <a:spcPts val="0"/>
+              </a:spcAft>
+            </a:pPr>
+            <a:r>
+              <a:rPr lang="ru-RU" sz="1400" dirty="0">
+                <a:solidFill>
+                  <a:srgbClr val="FFFFFF"/>
+                </a:solidFill>
+                <a:latin typeface="Arial" panose="020B0604020202020204" pitchFamily="34" charset="0"/>
+              </a:rPr>
+              <a:t>6. </a:t>
+            </a:r>
+            <a:r>
+              <a:rPr lang="ru-RU" sz="1400" u="sng" dirty="0" err="1">
+                <a:solidFill>
+                  <a:srgbClr val="FFFFFF"/>
+                </a:solidFill>
+                <a:latin typeface="Arial" panose="020B0604020202020204" pitchFamily="34" charset="0"/>
+              </a:rPr>
+              <a:t>Premium_Group</a:t>
+            </a:r>
+            <a:r>
+              <a:rPr lang="ru-RU" sz="1400" u="sng" dirty="0">
+                <a:solidFill>
+                  <a:srgbClr val="FFFFFF"/>
+                </a:solidFill>
+                <a:latin typeface="Arial" panose="020B0604020202020204" pitchFamily="34" charset="0"/>
+              </a:rPr>
+              <a:t> = </a:t>
+            </a:r>
+            <a:r>
+              <a:rPr lang="ru-RU" sz="1400" u="sng" dirty="0" err="1">
+                <a:solidFill>
+                  <a:srgbClr val="FFFFFF"/>
+                </a:solidFill>
+                <a:latin typeface="Arial" panose="020B0604020202020204" pitchFamily="34" charset="0"/>
+              </a:rPr>
+              <a:t>квинтильная</a:t>
+            </a:r>
+            <a:r>
+              <a:rPr lang="ru-RU" sz="1400" u="sng" dirty="0">
+                <a:solidFill>
+                  <a:srgbClr val="FFFFFF"/>
+                </a:solidFill>
+                <a:latin typeface="Arial" panose="020B0604020202020204" pitchFamily="34" charset="0"/>
+              </a:rPr>
+              <a:t> категоризация </a:t>
+            </a:r>
+            <a:r>
+              <a:rPr lang="ru-RU" sz="1400" u="sng" dirty="0" err="1">
+                <a:solidFill>
+                  <a:srgbClr val="FFFFFF"/>
+                </a:solidFill>
+                <a:latin typeface="Arial" panose="020B0604020202020204" pitchFamily="34" charset="0"/>
+              </a:rPr>
+              <a:t>Annual_Premium</a:t>
+            </a:r>
+            <a:r>
+              <a:rPr lang="ru-RU" sz="1400" u="sng" dirty="0">
+                <a:solidFill>
+                  <a:srgbClr val="FFFFFF"/>
+                </a:solidFill>
+                <a:latin typeface="Arial" panose="020B0604020202020204" pitchFamily="34" charset="0"/>
+              </a:rPr>
+              <a:t> на 5 групп</a:t>
+            </a:r>
+            <a:r>
+              <a:rPr lang="ru-RU" sz="1400" dirty="0">
+                <a:solidFill>
+                  <a:srgbClr val="FFFFFF"/>
+                </a:solidFill>
+                <a:latin typeface="Arial" panose="020B0604020202020204" pitchFamily="34" charset="0"/>
+              </a:rPr>
+              <a:t> - преобразует непрерывную переменную в порядковую, помогая модели улавливать нелинейные пороговые эффекты премии.</a:t>
+            </a:r>
+          </a:p>
+          <a:p>
+            <a:pPr rtl="0">
+              <a:spcBef>
+                <a:spcPts val="0"/>
+              </a:spcBef>
+              <a:spcAft>
+                <a:spcPts val="0"/>
+              </a:spcAft>
+            </a:pPr>
+            <a:r>
+              <a:rPr lang="ru-RU" sz="1400" dirty="0">
+                <a:solidFill>
+                  <a:srgbClr val="FFFFFF"/>
+                </a:solidFill>
+                <a:latin typeface="Arial" panose="020B0604020202020204" pitchFamily="34" charset="0"/>
+              </a:rPr>
+              <a:t>7. </a:t>
+            </a:r>
+            <a:r>
+              <a:rPr lang="ru-RU" sz="1400" u="sng" dirty="0" err="1">
+                <a:solidFill>
+                  <a:srgbClr val="FFFFFF"/>
+                </a:solidFill>
+                <a:latin typeface="Arial" panose="020B0604020202020204" pitchFamily="34" charset="0"/>
+              </a:rPr>
+              <a:t>No_Insurance_But_Damage</a:t>
+            </a:r>
+            <a:r>
+              <a:rPr lang="ru-RU" sz="1400" u="sng" dirty="0">
+                <a:solidFill>
+                  <a:srgbClr val="FFFFFF"/>
+                </a:solidFill>
+                <a:latin typeface="Arial" panose="020B0604020202020204" pitchFamily="34" charset="0"/>
+              </a:rPr>
+              <a:t> = 1, если </a:t>
+            </a:r>
+            <a:r>
+              <a:rPr lang="ru-RU" sz="1400" u="sng" dirty="0" err="1">
+                <a:solidFill>
+                  <a:srgbClr val="FFFFFF"/>
+                </a:solidFill>
+                <a:latin typeface="Arial" panose="020B0604020202020204" pitchFamily="34" charset="0"/>
+              </a:rPr>
+              <a:t>Previously_Insured</a:t>
+            </a:r>
+            <a:r>
+              <a:rPr lang="ru-RU" sz="1400" u="sng" dirty="0">
+                <a:solidFill>
+                  <a:srgbClr val="FFFFFF"/>
+                </a:solidFill>
+                <a:latin typeface="Arial" panose="020B0604020202020204" pitchFamily="34" charset="0"/>
+              </a:rPr>
+              <a:t> = 0 и </a:t>
+            </a:r>
+            <a:r>
+              <a:rPr lang="ru-RU" sz="1400" u="sng" dirty="0" err="1">
+                <a:solidFill>
+                  <a:srgbClr val="FFFFFF"/>
+                </a:solidFill>
+                <a:latin typeface="Arial" panose="020B0604020202020204" pitchFamily="34" charset="0"/>
+              </a:rPr>
+              <a:t>Vehicle_Damage</a:t>
+            </a:r>
+            <a:r>
+              <a:rPr lang="ru-RU" sz="1400" u="sng" dirty="0">
+                <a:solidFill>
+                  <a:srgbClr val="FFFFFF"/>
+                </a:solidFill>
+                <a:latin typeface="Arial" panose="020B0604020202020204" pitchFamily="34" charset="0"/>
+              </a:rPr>
+              <a:t> = '</a:t>
+            </a:r>
+            <a:r>
+              <a:rPr lang="ru-RU" sz="1400" u="sng" dirty="0" err="1">
+                <a:solidFill>
+                  <a:srgbClr val="FFFFFF"/>
+                </a:solidFill>
+                <a:latin typeface="Arial" panose="020B0604020202020204" pitchFamily="34" charset="0"/>
+              </a:rPr>
+              <a:t>Yes</a:t>
+            </a:r>
+            <a:r>
+              <a:rPr lang="ru-RU" sz="1400" u="sng" dirty="0">
+                <a:solidFill>
+                  <a:srgbClr val="FFFFFF"/>
+                </a:solidFill>
+                <a:latin typeface="Arial" panose="020B0604020202020204" pitchFamily="34" charset="0"/>
+              </a:rPr>
+              <a:t>’</a:t>
+            </a:r>
+            <a:r>
+              <a:rPr lang="ru-RU" sz="1400" dirty="0">
+                <a:solidFill>
+                  <a:srgbClr val="FFFFFF"/>
+                </a:solidFill>
+                <a:latin typeface="Arial" panose="020B0604020202020204" pitchFamily="34" charset="0"/>
+              </a:rPr>
+              <a:t> - выделяет группу риска: клиенты без предыдущей страховки, но уже имеющие повреждения автомобиля.</a:t>
+            </a:r>
+          </a:p>
+          <a:p>
+            <a:pPr rtl="0">
+              <a:spcBef>
+                <a:spcPts val="0"/>
+              </a:spcBef>
+              <a:spcAft>
+                <a:spcPts val="0"/>
+              </a:spcAft>
+            </a:pPr>
+            <a:r>
+              <a:rPr lang="ru-RU" sz="1400" dirty="0">
+                <a:solidFill>
+                  <a:srgbClr val="FFFFFF"/>
+                </a:solidFill>
+                <a:latin typeface="Arial" panose="020B0604020202020204" pitchFamily="34" charset="0"/>
+              </a:rPr>
+              <a:t>8. </a:t>
+            </a:r>
+            <a:r>
+              <a:rPr lang="ru-RU" sz="1400" u="sng" dirty="0" err="1">
+                <a:solidFill>
+                  <a:srgbClr val="FFFFFF"/>
+                </a:solidFill>
+                <a:latin typeface="Arial" panose="020B0604020202020204" pitchFamily="34" charset="0"/>
+              </a:rPr>
+              <a:t>Age_Premium_Interaction</a:t>
+            </a:r>
+            <a:r>
+              <a:rPr lang="ru-RU" sz="1400" u="sng" dirty="0">
+                <a:solidFill>
+                  <a:srgbClr val="FFFFFF"/>
+                </a:solidFill>
+                <a:latin typeface="Arial" panose="020B0604020202020204" pitchFamily="34" charset="0"/>
+              </a:rPr>
+              <a:t> = </a:t>
+            </a:r>
+            <a:r>
+              <a:rPr lang="ru-RU" sz="1400" u="sng" dirty="0" err="1">
+                <a:solidFill>
+                  <a:srgbClr val="FFFFFF"/>
+                </a:solidFill>
+                <a:latin typeface="Arial" panose="020B0604020202020204" pitchFamily="34" charset="0"/>
+              </a:rPr>
+              <a:t>Age</a:t>
+            </a:r>
+            <a:r>
+              <a:rPr lang="ru-RU" sz="1400" u="sng" dirty="0">
+                <a:solidFill>
+                  <a:srgbClr val="FFFFFF"/>
+                </a:solidFill>
+                <a:latin typeface="Arial" panose="020B0604020202020204" pitchFamily="34" charset="0"/>
+              </a:rPr>
+              <a:t> * </a:t>
+            </a:r>
+            <a:r>
+              <a:rPr lang="ru-RU" sz="1400" u="sng" dirty="0" err="1">
+                <a:solidFill>
+                  <a:srgbClr val="FFFFFF"/>
+                </a:solidFill>
+                <a:latin typeface="Arial" panose="020B0604020202020204" pitchFamily="34" charset="0"/>
+              </a:rPr>
+              <a:t>Annual_Premium</a:t>
+            </a:r>
+            <a:r>
+              <a:rPr lang="ru-RU" sz="1400" u="sng" dirty="0">
+                <a:solidFill>
+                  <a:srgbClr val="FFFFFF"/>
+                </a:solidFill>
+                <a:latin typeface="Arial" panose="020B0604020202020204" pitchFamily="34" charset="0"/>
+              </a:rPr>
+              <a:t> / 1000</a:t>
+            </a:r>
+            <a:r>
+              <a:rPr lang="ru-RU" sz="1400" dirty="0">
+                <a:solidFill>
+                  <a:srgbClr val="FFFFFF"/>
+                </a:solidFill>
+                <a:latin typeface="Arial" panose="020B0604020202020204" pitchFamily="34" charset="0"/>
+              </a:rPr>
+              <a:t> - отражает мультипликативное взаимодействие возраста и премии, моделируя совокупный «вес» клиента.</a:t>
+            </a:r>
+          </a:p>
+          <a:p>
+            <a:pPr rtl="0">
+              <a:spcBef>
+                <a:spcPts val="0"/>
+              </a:spcBef>
+              <a:spcAft>
+                <a:spcPts val="0"/>
+              </a:spcAft>
+            </a:pPr>
+            <a:r>
+              <a:rPr lang="ru-RU" sz="1400" dirty="0">
+                <a:solidFill>
+                  <a:srgbClr val="FFFFFF"/>
+                </a:solidFill>
+                <a:latin typeface="Arial" panose="020B0604020202020204" pitchFamily="34" charset="0"/>
+              </a:rPr>
+              <a:t>9. </a:t>
+            </a:r>
+            <a:r>
+              <a:rPr lang="ru-RU" sz="1400" u="sng" dirty="0" err="1">
+                <a:solidFill>
+                  <a:srgbClr val="FFFFFF"/>
+                </a:solidFill>
+                <a:latin typeface="Arial" panose="020B0604020202020204" pitchFamily="34" charset="0"/>
+              </a:rPr>
+              <a:t>Licensed_Adult</a:t>
+            </a:r>
+            <a:r>
+              <a:rPr lang="ru-RU" sz="1400" u="sng" dirty="0">
+                <a:solidFill>
+                  <a:srgbClr val="FFFFFF"/>
+                </a:solidFill>
+                <a:latin typeface="Arial" panose="020B0604020202020204" pitchFamily="34" charset="0"/>
+              </a:rPr>
+              <a:t> = 1, если </a:t>
+            </a:r>
+            <a:r>
+              <a:rPr lang="ru-RU" sz="1400" u="sng" dirty="0" err="1">
+                <a:solidFill>
+                  <a:srgbClr val="FFFFFF"/>
+                </a:solidFill>
+                <a:latin typeface="Arial" panose="020B0604020202020204" pitchFamily="34" charset="0"/>
+              </a:rPr>
+              <a:t>Driving_License</a:t>
+            </a:r>
+            <a:r>
+              <a:rPr lang="ru-RU" sz="1400" u="sng" dirty="0">
+                <a:solidFill>
+                  <a:srgbClr val="FFFFFF"/>
+                </a:solidFill>
+                <a:latin typeface="Arial" panose="020B0604020202020204" pitchFamily="34" charset="0"/>
+              </a:rPr>
+              <a:t> = 1 и </a:t>
+            </a:r>
+            <a:r>
+              <a:rPr lang="ru-RU" sz="1400" u="sng" dirty="0" err="1">
+                <a:solidFill>
+                  <a:srgbClr val="FFFFFF"/>
+                </a:solidFill>
+                <a:latin typeface="Arial" panose="020B0604020202020204" pitchFamily="34" charset="0"/>
+              </a:rPr>
+              <a:t>Age</a:t>
+            </a:r>
+            <a:r>
+              <a:rPr lang="ru-RU" sz="1400" u="sng" dirty="0">
+                <a:solidFill>
+                  <a:srgbClr val="FFFFFF"/>
+                </a:solidFill>
+                <a:latin typeface="Arial" panose="020B0604020202020204" pitchFamily="34" charset="0"/>
+              </a:rPr>
+              <a:t> ≥ 18</a:t>
+            </a:r>
+            <a:r>
+              <a:rPr lang="ru-RU" sz="1400" dirty="0">
+                <a:solidFill>
+                  <a:srgbClr val="FFFFFF"/>
+                </a:solidFill>
+                <a:latin typeface="Arial" panose="020B0604020202020204" pitchFamily="34" charset="0"/>
+              </a:rPr>
+              <a:t> - выделяет типичных взрослых водителей, фильтруя нетипичные случаи и повышая устойчивость модели на реальных данных.</a:t>
+            </a:r>
+          </a:p>
+          <a:p>
+            <a:pPr rtl="0">
+              <a:spcBef>
+                <a:spcPts val="0"/>
+              </a:spcBef>
+              <a:spcAft>
+                <a:spcPts val="0"/>
+              </a:spcAft>
+            </a:pPr>
+            <a:r>
+              <a:rPr lang="ru-RU" sz="1400" dirty="0">
+                <a:solidFill>
+                  <a:srgbClr val="FFFFFF"/>
+                </a:solidFill>
+                <a:latin typeface="Arial" panose="020B0604020202020204" pitchFamily="34" charset="0"/>
+              </a:rPr>
+              <a:t>10. </a:t>
+            </a:r>
+            <a:r>
+              <a:rPr lang="ru-RU" sz="1400" u="sng" dirty="0" err="1">
+                <a:solidFill>
+                  <a:srgbClr val="FFFFFF"/>
+                </a:solidFill>
+                <a:latin typeface="Arial" panose="020B0604020202020204" pitchFamily="34" charset="0"/>
+              </a:rPr>
+              <a:t>Region_Channel</a:t>
+            </a:r>
+            <a:r>
+              <a:rPr lang="ru-RU" sz="1400" u="sng" dirty="0">
+                <a:solidFill>
+                  <a:srgbClr val="FFFFFF"/>
+                </a:solidFill>
+                <a:latin typeface="Arial" panose="020B0604020202020204" pitchFamily="34" charset="0"/>
+              </a:rPr>
+              <a:t> = конкатенация </a:t>
+            </a:r>
+            <a:r>
+              <a:rPr lang="ru-RU" sz="1400" u="sng" dirty="0" err="1">
+                <a:solidFill>
+                  <a:srgbClr val="FFFFFF"/>
+                </a:solidFill>
+                <a:latin typeface="Arial" panose="020B0604020202020204" pitchFamily="34" charset="0"/>
+              </a:rPr>
+              <a:t>Region_Code</a:t>
+            </a:r>
+            <a:r>
+              <a:rPr lang="ru-RU" sz="1400" u="sng" dirty="0">
+                <a:solidFill>
+                  <a:srgbClr val="FFFFFF"/>
+                </a:solidFill>
+                <a:latin typeface="Arial" panose="020B0604020202020204" pitchFamily="34" charset="0"/>
+              </a:rPr>
+              <a:t> и </a:t>
+            </a:r>
+            <a:r>
+              <a:rPr lang="ru-RU" sz="1400" u="sng" dirty="0" err="1">
+                <a:solidFill>
+                  <a:srgbClr val="FFFFFF"/>
+                </a:solidFill>
+                <a:latin typeface="Arial" panose="020B0604020202020204" pitchFamily="34" charset="0"/>
+              </a:rPr>
+              <a:t>Policy_Sales_Channel</a:t>
+            </a:r>
+            <a:r>
+              <a:rPr lang="ru-RU" sz="1400" dirty="0">
+                <a:solidFill>
+                  <a:srgbClr val="FFFFFF"/>
+                </a:solidFill>
+                <a:latin typeface="Arial" panose="020B0604020202020204" pitchFamily="34" charset="0"/>
+              </a:rPr>
+              <a:t> - формирует уникальный идентификатор комбинации региона и канала продаж.</a:t>
+            </a:r>
+          </a:p>
+          <a:p>
+            <a:pPr rtl="0">
+              <a:spcBef>
+                <a:spcPts val="0"/>
+              </a:spcBef>
+              <a:spcAft>
+                <a:spcPts val="0"/>
+              </a:spcAft>
+            </a:pPr>
+            <a:r>
+              <a:rPr lang="ru-RU" sz="1400" dirty="0">
+                <a:solidFill>
+                  <a:srgbClr val="FFFFFF"/>
+                </a:solidFill>
+                <a:latin typeface="Arial" panose="020B0604020202020204" pitchFamily="34" charset="0"/>
+              </a:rPr>
+              <a:t>11. </a:t>
+            </a:r>
+            <a:r>
+              <a:rPr lang="ru-RU" sz="1400" u="sng" dirty="0" err="1">
+                <a:solidFill>
+                  <a:srgbClr val="FFFFFF"/>
+                </a:solidFill>
+                <a:latin typeface="Arial" panose="020B0604020202020204" pitchFamily="34" charset="0"/>
+              </a:rPr>
+              <a:t>Vintage_Group</a:t>
+            </a:r>
+            <a:r>
+              <a:rPr lang="ru-RU" sz="1400" u="sng" dirty="0">
+                <a:solidFill>
+                  <a:srgbClr val="FFFFFF"/>
+                </a:solidFill>
+                <a:latin typeface="Arial" panose="020B0604020202020204" pitchFamily="34" charset="0"/>
+              </a:rPr>
+              <a:t> = категоризация </a:t>
+            </a:r>
+            <a:r>
+              <a:rPr lang="ru-RU" sz="1400" u="sng" dirty="0" err="1">
+                <a:solidFill>
+                  <a:srgbClr val="FFFFFF"/>
+                </a:solidFill>
+                <a:latin typeface="Arial" panose="020B0604020202020204" pitchFamily="34" charset="0"/>
+              </a:rPr>
+              <a:t>Vintage</a:t>
+            </a:r>
+            <a:r>
+              <a:rPr lang="ru-RU" sz="1400" u="sng" dirty="0">
+                <a:solidFill>
+                  <a:srgbClr val="FFFFFF"/>
+                </a:solidFill>
+                <a:latin typeface="Arial" panose="020B0604020202020204" pitchFamily="34" charset="0"/>
+              </a:rPr>
+              <a:t> на группы</a:t>
+            </a:r>
+            <a:r>
+              <a:rPr lang="ru-RU" sz="1400" dirty="0">
+                <a:solidFill>
+                  <a:srgbClr val="FFFFFF"/>
+                </a:solidFill>
+                <a:latin typeface="Arial" panose="020B0604020202020204" pitchFamily="34" charset="0"/>
+              </a:rPr>
+              <a:t> - помогает выявить нелинейные эффекты, связанные с «свежестью» клиента.</a:t>
+            </a:r>
+          </a:p>
+          <a:p>
+            <a:pPr rtl="0">
+              <a:spcBef>
+                <a:spcPts val="0"/>
+              </a:spcBef>
+              <a:spcAft>
+                <a:spcPts val="0"/>
+              </a:spcAft>
+            </a:pPr>
+            <a:endParaRPr lang="ru-RU" sz="1400" dirty="0">
               <a:solidFill>
                 <a:srgbClr val="FFFFFF"/>
               </a:solidFill>
@@ -9667,248 +11120,43 @@
             </a:endParaRPr>
           </a:p>
           <a:p>
-            <a:pPr marL="342900" indent="-342900" rtl="0">
+            <a:pPr rtl="0">
               <a:spcBef>
                 <a:spcPts val="0"/>
               </a:spcBef>
               <a:spcAft>
                 <a:spcPts val="0"/>
               </a:spcAft>
-              <a:buAutoNum type="arabicPeriod"/>
             </a:pPr>
             <a:r>
-              <a:rPr lang="ru-RU" sz="1600" i="0" u="none" strike="noStrike" dirty="0">
-                <a:solidFill>
-                  <a:srgbClr val="FFFFFF"/>
-                </a:solidFill>
-                <a:latin typeface="Arial" panose="020B0604020202020204" pitchFamily="34" charset="0"/>
-              </a:rPr>
-              <a:t>Для бинарных признаков - </a:t>
-            </a:r>
-            <a:r>
-              <a:rPr lang="en-US" sz="1600" i="0" u="none" strike="noStrike" dirty="0">
-                <a:solidFill>
-                  <a:srgbClr val="FFFFFF"/>
-                </a:solidFill>
-                <a:latin typeface="Arial" panose="020B0604020202020204" pitchFamily="34" charset="0"/>
-              </a:rPr>
-              <a:t>One-Hot Encoding</a:t>
-            </a:r>
-            <a:endParaRPr lang="ru-RU" sz="1600" i="0" u="none" strike="noStrike" dirty="0">
-              <a:solidFill>
-                <a:srgbClr val="FFFFFF"/>
-              </a:solidFill>
-              <a:latin typeface="Arial" panose="020B0604020202020204" pitchFamily="34" charset="0"/>
-            </a:endParaRPr>
-          </a:p>
-          <a:p>
-            <a:pPr marL="342900" indent="-342900" rtl="0">
-              <a:spcBef>
-                <a:spcPts val="0"/>
-              </a:spcBef>
-              <a:spcAft>
-                <a:spcPts val="0"/>
-              </a:spcAft>
-              <a:buAutoNum type="arabicPeriod"/>
-            </a:pPr>
-            <a:r>
-              <a:rPr lang="ru-RU" sz="1600" i="0" u="none" strike="noStrike" dirty="0">
-                <a:solidFill>
-                  <a:srgbClr val="FFFFFF"/>
-                </a:solidFill>
-                <a:latin typeface="Arial" panose="020B0604020202020204" pitchFamily="34" charset="0"/>
-              </a:rPr>
-              <a:t>Для порядковых признаков - </a:t>
-            </a:r>
-            <a:r>
-              <a:rPr lang="en-US" sz="1600" i="0" u="none" strike="noStrike" dirty="0">
-                <a:solidFill>
-                  <a:srgbClr val="FFFFFF"/>
-                </a:solidFill>
-                <a:latin typeface="Arial" panose="020B0604020202020204" pitchFamily="34" charset="0"/>
-              </a:rPr>
-              <a:t>Ordinal Encoding</a:t>
-            </a:r>
-            <a:endParaRPr lang="ru-RU" sz="1600" i="0" u="none" strike="noStrike" dirty="0">
-              <a:solidFill>
-                <a:srgbClr val="FFFFFF"/>
-              </a:solidFill>
-              <a:latin typeface="Arial" panose="020B0604020202020204" pitchFamily="34" charset="0"/>
-            </a:endParaRPr>
-          </a:p>
-          <a:p>
-            <a:pPr marL="342900" indent="-342900" rtl="0">
-              <a:spcBef>
-                <a:spcPts val="0"/>
-              </a:spcBef>
-              <a:spcAft>
-                <a:spcPts val="0"/>
-              </a:spcAft>
-              <a:buAutoNum type="arabicPeriod"/>
-            </a:pPr>
-            <a:endParaRPr lang="ru-RU" sz="1600" dirty="0">
-              <a:solidFill>
-                <a:srgbClr val="FFFFFF"/>
-              </a:solidFill>
-              <a:latin typeface="Arial" panose="020B0604020202020204" pitchFamily="34" charset="0"/>
-            </a:endParaRPr>
-          </a:p>
-          <a:p>
-            <a:pPr rtl="0">
-              <a:spcBef>
-                <a:spcPts val="0"/>
-              </a:spcBef>
-              <a:spcAft>
-                <a:spcPts val="0"/>
-              </a:spcAft>
-            </a:pPr>
-            <a:endParaRPr lang="ru-RU" sz="1600" dirty="0">
-              <a:solidFill>
-                <a:srgbClr val="FFFFFF"/>
-              </a:solidFill>
-              <a:latin typeface="Arial" panose="020B0604020202020204" pitchFamily="34" charset="0"/>
-            </a:endParaRPr>
-          </a:p>
-          <a:p>
-            <a:pPr rtl="0">
-              <a:spcBef>
-                <a:spcPts val="0"/>
-              </a:spcBef>
-              <a:spcAft>
-                <a:spcPts val="0"/>
-              </a:spcAft>
-            </a:pPr>
-            <a:r>
-              <a:rPr lang="ru-RU" sz="1600" i="0" u="none" strike="noStrike" dirty="0" err="1">
-                <a:solidFill>
-                  <a:srgbClr val="FFFFFF"/>
-                </a:solidFill>
-                <a:latin typeface="Arial" panose="020B0604020202020204" pitchFamily="34" charset="0"/>
-              </a:rPr>
-              <a:t>Feature</a:t>
-            </a:r>
-            <a:r>
-              <a:rPr lang="ru-RU" sz="1600" i="0" u="none" strike="noStrike" dirty="0">
-                <a:solidFill>
-                  <a:srgbClr val="FFFFFF"/>
-                </a:solidFill>
-                <a:latin typeface="Arial" panose="020B0604020202020204" pitchFamily="34" charset="0"/>
-              </a:rPr>
-              <a:t> </a:t>
-            </a:r>
-            <a:r>
-              <a:rPr lang="ru-RU" sz="1600" i="0" u="none" strike="noStrike" dirty="0" err="1">
-                <a:solidFill>
-                  <a:srgbClr val="FFFFFF"/>
-                </a:solidFill>
-                <a:latin typeface="Arial" panose="020B0604020202020204" pitchFamily="34" charset="0"/>
-              </a:rPr>
-              <a:t>Engineering</a:t>
-            </a:r>
-            <a:r>
-              <a:rPr lang="en-US" sz="1600" i="0" u="none" strike="noStrike" dirty="0">
-                <a:solidFill>
-                  <a:srgbClr val="FFFFFF"/>
-                </a:solidFill>
-                <a:latin typeface="Arial" panose="020B0604020202020204" pitchFamily="34" charset="0"/>
-              </a:rPr>
-              <a:t>:</a:t>
-            </a:r>
-          </a:p>
-          <a:p>
-            <a:pPr rtl="0">
-              <a:spcBef>
-                <a:spcPts val="0"/>
-              </a:spcBef>
-              <a:spcAft>
-                <a:spcPts val="0"/>
-              </a:spcAft>
-            </a:pPr>
-            <a:r>
-              <a:rPr lang="ru-RU" sz="1600" i="0" u="none" strike="noStrike" dirty="0">
-                <a:solidFill>
-                  <a:srgbClr val="FFFFFF"/>
-                </a:solidFill>
-                <a:latin typeface="Arial" panose="020B0604020202020204" pitchFamily="34" charset="0"/>
-              </a:rPr>
-              <a:t>1. Существующие признаки уже информативны и интерпретируемы — сильные предикторы (</a:t>
-            </a:r>
-            <a:r>
-              <a:rPr lang="ru-RU" sz="1600" i="0" u="none" strike="noStrike" dirty="0" err="1">
-                <a:solidFill>
-                  <a:srgbClr val="FFFFFF"/>
-                </a:solidFill>
-                <a:latin typeface="Arial" panose="020B0604020202020204" pitchFamily="34" charset="0"/>
-              </a:rPr>
-              <a:t>Vehicle_Damage</a:t>
-            </a:r>
-            <a:r>
-              <a:rPr lang="ru-RU" sz="1600" i="0" u="none" strike="noStrike" dirty="0">
-                <a:solidFill>
-                  <a:srgbClr val="FFFFFF"/>
-                </a:solidFill>
-                <a:latin typeface="Arial" panose="020B0604020202020204" pitchFamily="34" charset="0"/>
-              </a:rPr>
-              <a:t>, </a:t>
-            </a:r>
-            <a:r>
-              <a:rPr lang="ru-RU" sz="1600" i="0" u="none" strike="noStrike" dirty="0" err="1">
-                <a:solidFill>
-                  <a:srgbClr val="FFFFFF"/>
-                </a:solidFill>
-                <a:latin typeface="Arial" panose="020B0604020202020204" pitchFamily="34" charset="0"/>
-              </a:rPr>
-              <a:t>Previously_Insured</a:t>
-            </a:r>
-            <a:r>
-              <a:rPr lang="ru-RU" sz="1600" i="0" u="none" strike="noStrike" dirty="0">
-                <a:solidFill>
-                  <a:srgbClr val="FFFFFF"/>
-                </a:solidFill>
-                <a:latin typeface="Arial" panose="020B0604020202020204" pitchFamily="34" charset="0"/>
-              </a:rPr>
-              <a:t>) — бинарные, их комбинирование не даст устойчивых синтетических признаков из-за дисбаланса.</a:t>
-            </a:r>
-          </a:p>
-          <a:p>
-            <a:pPr rtl="0">
-              <a:spcBef>
-                <a:spcPts val="0"/>
-              </a:spcBef>
-              <a:spcAft>
-                <a:spcPts val="0"/>
-              </a:spcAft>
-            </a:pPr>
-            <a:r>
-              <a:rPr lang="ru-RU" sz="1600" i="0" u="none" strike="noStrike" dirty="0">
-                <a:solidFill>
-                  <a:srgbClr val="FFFFFF"/>
-                </a:solidFill>
-                <a:latin typeface="Arial" panose="020B0604020202020204" pitchFamily="34" charset="0"/>
-              </a:rPr>
-              <a:t>2. Риск переобучения — создание полиномов и взаимодействий увеличит размерность, но не улучшит обобщающую способность на новых данных, особенно при дисбалансе классов.</a:t>
-            </a:r>
-          </a:p>
-          <a:p>
-            <a:pPr rtl="0">
-              <a:spcBef>
-                <a:spcPts val="0"/>
-              </a:spcBef>
-              <a:spcAft>
-                <a:spcPts val="0"/>
-              </a:spcAft>
-            </a:pPr>
-            <a:r>
-              <a:rPr lang="ru-RU" sz="1600" i="0" u="none" strike="noStrike" dirty="0">
-                <a:solidFill>
-                  <a:srgbClr val="FFFFFF"/>
-                </a:solidFill>
-                <a:latin typeface="Arial" panose="020B0604020202020204" pitchFamily="34" charset="0"/>
-              </a:rPr>
-              <a:t>3. Современные модели (</a:t>
-            </a:r>
-            <a:r>
-              <a:rPr lang="ru-RU" sz="1600" i="0" u="none" strike="noStrike" dirty="0" err="1">
+              <a:rPr lang="ru-RU" sz="1400" dirty="0">
+                <a:solidFill>
+                  <a:srgbClr val="FFFFFF"/>
+                </a:solidFill>
+                <a:latin typeface="Arial" panose="020B0604020202020204" pitchFamily="34" charset="0"/>
+              </a:rPr>
+              <a:t>Все перечисленные признаки были протестированы на оптимизированных моделях </a:t>
+            </a:r>
+            <a:r>
+              <a:rPr lang="ru-RU" sz="1400" dirty="0" err="1">
+                <a:solidFill>
+                  <a:srgbClr val="FFFFFF"/>
+                </a:solidFill>
+                <a:latin typeface="Arial" panose="020B0604020202020204" pitchFamily="34" charset="0"/>
+              </a:rPr>
+              <a:t>LightGBM</a:t>
+            </a:r>
+            <a:r>
+              <a:rPr lang="ru-RU" sz="1400" dirty="0">
+                <a:solidFill>
+                  <a:srgbClr val="FFFFFF"/>
+                </a:solidFill>
+                <a:latin typeface="Arial" panose="020B0604020202020204" pitchFamily="34" charset="0"/>
+              </a:rPr>
+              <a:t> и </a:t>
+            </a:r>
+            <a:r>
+              <a:rPr lang="ru-RU" sz="1400" dirty="0" err="1">
                 <a:solidFill>
                   <a:srgbClr val="FFFFFF"/>
                 </a:solidFill>
@@ -9917,126 +11165,21 @@
               <a:t>CatBoost</a:t>
             </a:r>
             <a:r>
-              <a:rPr lang="ru-RU" sz="1600" i="0" u="none" strike="noStrike" dirty="0">
-                <a:solidFill>
-                  <a:srgbClr val="FFFFFF"/>
-                </a:solidFill>
-                <a:latin typeface="Arial" panose="020B0604020202020204" pitchFamily="34" charset="0"/>
-              </a:rPr>
-              <a:t>, LGBM) эффективно работают с сырыми признаками и сами выявляют нелинейные зависимости в процессе обучения.</a:t>
-            </a:r>
-          </a:p>
-          <a:p>
-            <a:pPr rtl="0">
-              <a:spcBef>
-                <a:spcPts val="0"/>
-              </a:spcBef>
-              <a:spcAft>
-                <a:spcPts val="0"/>
-              </a:spcAft>
-            </a:pPr>
-            <a:endParaRPr lang="ru-RU" sz="1600" i="0" u="none" strike="noStrike" dirty="0">
-              <a:solidFill>
-                <a:srgbClr val="FFFFFF"/>
-              </a:solidFill>
-              <a:latin typeface="Arial" panose="020B0604020202020204" pitchFamily="34" charset="0"/>
-            </a:endParaRPr>
-          </a:p>
-          <a:p>
-            <a:pPr rtl="0">
-              <a:spcBef>
-                <a:spcPts val="0"/>
-              </a:spcBef>
-              <a:spcAft>
-                <a:spcPts val="0"/>
-              </a:spcAft>
-            </a:pPr>
-            <a:r>
-              <a:rPr lang="ru-RU" sz="1600" i="0" u="none" strike="noStrike" dirty="0">
-                <a:solidFill>
-                  <a:srgbClr val="FFFFFF"/>
-                </a:solidFill>
-                <a:latin typeface="Arial" panose="020B0604020202020204" pitchFamily="34" charset="0"/>
-              </a:rPr>
-              <a:t>Таким образом, целенаправленный </a:t>
-            </a:r>
-            <a:r>
-              <a:rPr lang="ru-RU" sz="1600" i="0" u="none" strike="noStrike" dirty="0" err="1">
-                <a:solidFill>
-                  <a:srgbClr val="FFFFFF"/>
-                </a:solidFill>
-                <a:latin typeface="Arial" panose="020B0604020202020204" pitchFamily="34" charset="0"/>
-              </a:rPr>
-              <a:t>Feature</a:t>
-            </a:r>
-            <a:r>
-              <a:rPr lang="ru-RU" sz="1600" i="0" u="none" strike="noStrike" dirty="0">
-                <a:solidFill>
-                  <a:srgbClr val="FFFFFF"/>
-                </a:solidFill>
-                <a:latin typeface="Arial" panose="020B0604020202020204" pitchFamily="34" charset="0"/>
-              </a:rPr>
-              <a:t> </a:t>
-            </a:r>
-            <a:r>
-              <a:rPr lang="ru-RU" sz="1600" i="0" u="none" strike="noStrike" dirty="0" err="1">
-                <a:solidFill>
-                  <a:srgbClr val="FFFFFF"/>
-                </a:solidFill>
-                <a:latin typeface="Arial" panose="020B0604020202020204" pitchFamily="34" charset="0"/>
-              </a:rPr>
-              <a:t>Engineering</a:t>
-            </a:r>
-            <a:r>
-              <a:rPr lang="ru-RU" sz="1600" i="0" u="none" strike="noStrike" dirty="0">
-                <a:solidFill>
-                  <a:srgbClr val="FFFFFF"/>
-                </a:solidFill>
-                <a:latin typeface="Arial" panose="020B0604020202020204" pitchFamily="34" charset="0"/>
-              </a:rPr>
-              <a:t> не требуется </a:t>
-            </a:r>
-            <a:r>
-              <a:rPr lang="en-US" sz="1600" i="0" u="none" strike="noStrike" dirty="0">
-                <a:solidFill>
-                  <a:srgbClr val="FFFFFF"/>
-                </a:solidFill>
-                <a:latin typeface="Arial" panose="020B0604020202020204" pitchFamily="34" charset="0"/>
-              </a:rPr>
-              <a:t>-</a:t>
-            </a:r>
-            <a:r>
-              <a:rPr lang="ru-RU" sz="1600" i="0" u="none" strike="noStrike" dirty="0">
-                <a:solidFill>
-                  <a:srgbClr val="FFFFFF"/>
-                </a:solidFill>
-                <a:latin typeface="Arial" panose="020B0604020202020204" pitchFamily="34" charset="0"/>
-              </a:rPr>
-              <a:t> достаточно качественной предобработки и правильного выбора модели.</a:t>
-            </a:r>
-          </a:p>
-          <a:p>
-            <a:pPr rtl="0">
-              <a:spcBef>
-                <a:spcPts val="0"/>
-              </a:spcBef>
-              <a:spcAft>
-                <a:spcPts val="0"/>
-              </a:spcAft>
-            </a:pPr>
-            <a:endParaRPr lang="ru-RU" sz="1600" i="0" u="none" strike="noStrike" dirty="0">
-              <a:solidFill>
-                <a:srgbClr val="FFFFFF"/>
-              </a:solidFill>
-              <a:latin typeface="Arial" panose="020B0604020202020204" pitchFamily="34" charset="0"/>
-            </a:endParaRPr>
+              <a:rPr lang="ru-RU" sz="1400" dirty="0">
+                <a:solidFill>
+                  <a:srgbClr val="FFFFFF"/>
+                </a:solidFill>
+                <a:latin typeface="Arial" panose="020B0604020202020204" pitchFamily="34" charset="0"/>
+              </a:rPr>
+              <a:t>. Однако ни один из них не привёл к улучшению метрики F1 — наоборот, качество моделей ухудшилось. Следовательно, включение этих признаков в финальную модель является избыточным и нецелесообразным.</a:t>
+            </a:r>
           </a:p>
         </p:txBody>
       </p:sp>
     </p:spTree>
     <p:extLst>
       <p:ext uri="{BB962C8B-B14F-4D97-AF65-F5344CB8AC3E}">
-        <p14:creationId xmlns:p14="http://schemas.microsoft.com/office/powerpoint/2010/main" val="3696340996"/>
+        <p14:creationId xmlns:p14="http://schemas.microsoft.com/office/powerpoint/2010/main" val="2296705729"/>
       </p:ext>
     </p:extLst>
   </p:cSld>
@@ -10096,14 +11239,14 @@
                 <a:latin typeface="Arial" panose="020B0604020202020204" pitchFamily="34" charset="0"/>
                 <a:cs typeface="Arial" panose="020B0604020202020204" pitchFamily="34" charset="0"/>
               </a:rPr>
-              <a:t>Метрика качества – </a:t>
-            </a:r>
-            <a:r>
-              <a:rPr lang="en-US" dirty="0">
+              <a:t>Итоги </a:t>
+            </a:r>
+            <a:r>
+              <a:rPr lang="en-US" dirty="0" err="1">
                 <a:latin typeface="Arial" panose="020B0604020202020204" pitchFamily="34" charset="0"/>
                 <a:cs typeface="Arial" panose="020B0604020202020204" pitchFamily="34" charset="0"/>
               </a:rPr>
-              <a:t>f1</a:t>
+              <a:t>eda</a:t>
             </a:r>
             <a:endParaRPr lang="ru-RU" dirty="0">
               <a:latin typeface="Arial" panose="020B0604020202020204" pitchFamily="34" charset="0"/>
@@ -10130,8 +11273,8 @@
         </p:nvSpPr>
         <p:spPr>
           <a:xfrm>
-            <a:off x="684214" y="989186"/>
-            <a:ext cx="11382280" cy="5539173"/>
+            <a:off x="684213" y="1108675"/>
+            <a:ext cx="11301598" cy="5502795"/>
           </a:xfrm>
         </p:spPr>
         <p:txBody>
@@ -10140,715 +11283,661 @@
           </a:bodyPr>
           <a:lstStyle/>
           <a:p>
-            <a:pPr marL="0" marR="0" lvl="0" indent="0" algn="l" defTabSz="914400" rtl="0" eaLnBrk="0" fontAlgn="base" latinLnBrk="0" hangingPunct="0">
-              <a:lnSpc>
-                <a:spcPct val="100000"/>
-              </a:lnSpc>
+            <a:pPr marL="342900" indent="-342900" rtl="0">
               <a:spcBef>
-                <a:spcPct val="0"/>
+                <a:spcPts val="0"/>
               </a:spcBef>
               <a:spcAft>
-                <a:spcPct val="0"/>
+                <a:spcPts val="0"/>
               </a:spcAft>
-              <a:buClrTx/>
-              <a:buSzTx/>
-              <a:buFontTx/>
-              <a:buNone/>
-              <a:tabLst/>
+              <a:buAutoNum type="arabicPeriod"/>
             </a:pPr>
             <a:r>
-              <a:rPr lang="ru-RU" sz="1400" i="0" dirty="0">
-                <a:solidFill>
-                  <a:srgbClr val="F7F8FC"/>
-                </a:solidFill>
-                <a:effectLst/>
-                <a:latin typeface="Arial" panose="020B0604020202020204" pitchFamily="34" charset="0"/>
-                <a:cs typeface="Arial" panose="020B0604020202020204" pitchFamily="34" charset="0"/>
-              </a:rPr>
-              <a:t>В рамках настоящего проекта в качестве основной метрики качества модели бинарной классификации была выбрана F1‑мера. Данный выбор обусловлен следующими ключевыми факторами:</a:t>
-            </a:r>
-          </a:p>
-          <a:p>
-            <a:pPr marL="0" marR="0" lvl="0" indent="0" algn="l" defTabSz="914400" rtl="0" eaLnBrk="0" fontAlgn="base" latinLnBrk="0" hangingPunct="0">
-              <a:lnSpc>
-                <a:spcPct val="100000"/>
-              </a:lnSpc>
+              <a:rPr lang="ru-RU" i="0" u="none" strike="noStrike" dirty="0">
+                <a:solidFill>
+                  <a:srgbClr val="FFFFFF"/>
+                </a:solidFill>
+                <a:latin typeface="Arial" panose="020B0604020202020204" pitchFamily="34" charset="0"/>
+              </a:rPr>
+              <a:t>Большой объем </a:t>
+            </a:r>
+            <a:r>
+              <a:rPr lang="ru-RU" i="0" u="none" strike="noStrike" dirty="0" err="1">
+                <a:solidFill>
+                  <a:srgbClr val="FFFFFF"/>
+                </a:solidFill>
+                <a:latin typeface="Arial" panose="020B0604020202020204" pitchFamily="34" charset="0"/>
+              </a:rPr>
+              <a:t>датасета</a:t>
+            </a:r>
+            <a:r>
+              <a:rPr lang="ru-RU" i="0" u="none" strike="noStrike" dirty="0">
+                <a:solidFill>
+                  <a:srgbClr val="FFFFFF"/>
+                </a:solidFill>
+                <a:latin typeface="Arial" panose="020B0604020202020204" pitchFamily="34" charset="0"/>
+              </a:rPr>
+              <a:t> – нужно подбирать методы оптимизированного обучения моделей</a:t>
+            </a:r>
+          </a:p>
+          <a:p>
+            <a:pPr marL="342900" indent="-342900" rtl="0">
               <a:spcBef>
-                <a:spcPct val="0"/>
+                <a:spcPts val="0"/>
               </a:spcBef>
               <a:spcAft>
-                <a:spcPct val="0"/>
+                <a:spcPts val="0"/>
               </a:spcAft>
-              <a:buClrTx/>
-              <a:buSzTx/>
-              <a:buFontTx/>
-              <a:buNone/>
-              <a:tabLst/>
+              <a:buAutoNum type="arabicPeriod"/>
             </a:pPr>
-            <a:endParaRPr kumimoji="0" lang="ru-RU" altLang="ru-RU" sz="1400" u="none" strike="noStrike" cap="none" normalizeH="0" baseline="0" dirty="0">
-              <a:ln>
-                <a:noFill/>
-              </a:ln>
-              <a:solidFill>
-                <a:srgbClr val="F7F8FC"/>
-              </a:solidFill>
-              <a:latin typeface="Arial" panose="020B0604020202020204" pitchFamily="34" charset="0"/>
-              <a:cs typeface="Arial" panose="020B0604020202020204" pitchFamily="34" charset="0"/>
-            </a:endParaRPr>
-          </a:p>
-          <a:p>
-            <a:pPr marL="0" marR="0" lvl="0" indent="0" algn="l" defTabSz="914400" rtl="0" eaLnBrk="0" fontAlgn="base" latinLnBrk="0" hangingPunct="0">
-              <a:lnSpc>
-                <a:spcPct val="100000"/>
-              </a:lnSpc>
+            <a:r>
+              <a:rPr lang="ru-RU" i="0" u="none" strike="noStrike" dirty="0">
+                <a:solidFill>
+                  <a:srgbClr val="FFFFFF"/>
+                </a:solidFill>
+                <a:latin typeface="Arial" panose="020B0604020202020204" pitchFamily="34" charset="0"/>
+              </a:rPr>
+              <a:t>Сильный дис</a:t>
+            </a:r>
+            <a:r>
+              <a:rPr lang="ru-RU" dirty="0">
+                <a:solidFill>
+                  <a:srgbClr val="FFFFFF"/>
+                </a:solidFill>
+                <a:latin typeface="Arial" panose="020B0604020202020204" pitchFamily="34" charset="0"/>
+              </a:rPr>
+              <a:t>баланс по </a:t>
+            </a:r>
+            <a:r>
+              <a:rPr lang="ru-RU" dirty="0" err="1">
+                <a:solidFill>
+                  <a:srgbClr val="FFFFFF"/>
+                </a:solidFill>
+                <a:latin typeface="Arial" panose="020B0604020202020204" pitchFamily="34" charset="0"/>
+              </a:rPr>
+              <a:t>таргету</a:t>
+            </a:r>
+            <a:r>
+              <a:rPr lang="ru-RU" dirty="0">
+                <a:solidFill>
+                  <a:srgbClr val="FFFFFF"/>
+                </a:solidFill>
+                <a:latin typeface="Arial" panose="020B0604020202020204" pitchFamily="34" charset="0"/>
+              </a:rPr>
+              <a:t> - </a:t>
+            </a:r>
+            <a:r>
+              <a:rPr lang="ru-RU" i="0" u="none" strike="noStrike" dirty="0">
+                <a:solidFill>
+                  <a:srgbClr val="FFFFFF"/>
+                </a:solidFill>
+                <a:latin typeface="Arial" panose="020B0604020202020204" pitchFamily="34" charset="0"/>
+              </a:rPr>
+              <a:t>нужно подбирать методы борьбы с дисбалансом</a:t>
+            </a:r>
+          </a:p>
+          <a:p>
+            <a:pPr marL="342900" indent="-342900" rtl="0">
               <a:spcBef>
-                <a:spcPct val="0"/>
+                <a:spcPts val="0"/>
               </a:spcBef>
               <a:spcAft>
-                <a:spcPct val="0"/>
+                <a:spcPts val="0"/>
               </a:spcAft>
-              <a:buClrTx/>
-              <a:buSzTx/>
-              <a:buFontTx/>
-              <a:buNone/>
-              <a:tabLst/>
+              <a:buAutoNum type="arabicPeriod"/>
             </a:pPr>
             <a:r>
-              <a:rPr kumimoji="0" lang="ru-RU" altLang="ru-RU" sz="1400" b="1" i="0" u="none" strike="noStrike" cap="none" normalizeH="0" baseline="0" dirty="0">
-                <a:ln>
-                  <a:noFill/>
-                </a:ln>
-                <a:solidFill>
-                  <a:srgbClr val="F7F8FC"/>
-                </a:solidFill>
-                <a:effectLst/>
-                <a:latin typeface="Arial" panose="020B0604020202020204" pitchFamily="34" charset="0"/>
-                <a:cs typeface="Arial" panose="020B0604020202020204" pitchFamily="34" charset="0"/>
-              </a:rPr>
-              <a:t>1. Наличие выраженного дисбаланса классов</a:t>
-            </a:r>
-          </a:p>
-          <a:p>
-            <a:pPr marL="0" marR="0" lvl="0" indent="0" algn="l" defTabSz="914400" rtl="0" eaLnBrk="0" fontAlgn="base" latinLnBrk="0" hangingPunct="0">
-              <a:lnSpc>
-                <a:spcPct val="100000"/>
-              </a:lnSpc>
+              <a:rPr lang="ru-RU" dirty="0">
+                <a:solidFill>
+                  <a:srgbClr val="FFFFFF"/>
+                </a:solidFill>
+                <a:latin typeface="Arial" panose="020B0604020202020204" pitchFamily="34" charset="0"/>
+              </a:rPr>
+              <a:t>Бинарные признаки соотносятся примерно 1 к 1, кроме «</a:t>
+            </a:r>
+            <a:r>
+              <a:rPr lang="en-US" dirty="0" err="1">
+                <a:solidFill>
+                  <a:srgbClr val="FFFFFF"/>
+                </a:solidFill>
+                <a:latin typeface="Arial" panose="020B0604020202020204" pitchFamily="34" charset="0"/>
+              </a:rPr>
+              <a:t>Driving_License</a:t>
+            </a:r>
+            <a:r>
+              <a:rPr lang="ru-RU" dirty="0">
+                <a:solidFill>
+                  <a:srgbClr val="FFFFFF"/>
+                </a:solidFill>
+                <a:latin typeface="Arial" panose="020B0604020202020204" pitchFamily="34" charset="0"/>
+              </a:rPr>
+              <a:t>»</a:t>
+            </a:r>
+          </a:p>
+          <a:p>
+            <a:pPr marL="342900" indent="-342900" rtl="0">
               <a:spcBef>
-                <a:spcPct val="0"/>
+                <a:spcPts val="0"/>
               </a:spcBef>
               <a:spcAft>
-                <a:spcPct val="0"/>
+                <a:spcPts val="0"/>
               </a:spcAft>
-              <a:buClrTx/>
-              <a:buSzTx/>
-              <a:buFontTx/>
-              <a:buNone/>
-              <a:tabLst/>
+              <a:buAutoNum type="arabicPeriod"/>
             </a:pPr>
             <a:r>
-              <a:rPr kumimoji="0" lang="ru-RU" altLang="ru-RU" sz="1400" i="0" u="none" strike="noStrike" cap="none" normalizeH="0" baseline="0" dirty="0">
-                <a:ln>
-                  <a:noFill/>
-                </a:ln>
-                <a:solidFill>
-                  <a:srgbClr val="F7F8FC"/>
-                </a:solidFill>
-                <a:effectLst/>
-                <a:latin typeface="Arial" panose="020B0604020202020204" pitchFamily="34" charset="0"/>
-                <a:cs typeface="Arial" panose="020B0604020202020204" pitchFamily="34" charset="0"/>
-              </a:rPr>
-              <a:t>Анализ показал, что целевой признак распределён неравномерно: доля положительных примеров составляет 15 % от общего объёма данных. В таких условиях традиционные метрики, такие как доля верных ответов (</a:t>
-            </a:r>
-            <a:r>
-              <a:rPr kumimoji="0" lang="ru-RU" altLang="ru-RU" sz="1400" i="0" u="none" strike="noStrike" cap="none" normalizeH="0" baseline="0" dirty="0" err="1">
-                <a:ln>
-                  <a:noFill/>
-                </a:ln>
-                <a:solidFill>
-                  <a:srgbClr val="F7F8FC"/>
-                </a:solidFill>
-                <a:effectLst/>
-                <a:latin typeface="Arial" panose="020B0604020202020204" pitchFamily="34" charset="0"/>
-                <a:cs typeface="Arial" panose="020B0604020202020204" pitchFamily="34" charset="0"/>
-              </a:rPr>
-              <a:t>accuracy</a:t>
-            </a:r>
-            <a:r>
-              <a:rPr kumimoji="0" lang="ru-RU" altLang="ru-RU" sz="1400" i="0" u="none" strike="noStrike" cap="none" normalizeH="0" baseline="0" dirty="0">
-                <a:ln>
-                  <a:noFill/>
-                </a:ln>
-                <a:solidFill>
-                  <a:srgbClr val="F7F8FC"/>
-                </a:solidFill>
-                <a:effectLst/>
-                <a:latin typeface="Arial" panose="020B0604020202020204" pitchFamily="34" charset="0"/>
-                <a:cs typeface="Arial" panose="020B0604020202020204" pitchFamily="34" charset="0"/>
-              </a:rPr>
-              <a:t>), становятся неинформативными, поскольку модель, предсказывающая только отрицательный класс, может достичь высокой точности, оставаясь при этом практически бесполезной для решения поставленной задачи.</a:t>
-            </a:r>
-            <a:endParaRPr kumimoji="0" lang="ru-RU" altLang="ru-RU" sz="1400" i="0" u="none" strike="noStrike" cap="none" normalizeH="0" baseline="0" dirty="0">
-              <a:ln>
-                <a:noFill/>
-              </a:ln>
-              <a:solidFill>
-                <a:schemeClr val="tx1"/>
-              </a:solidFill>
-              <a:effectLst/>
-              <a:latin typeface="Arial" panose="020B0604020202020204" pitchFamily="34" charset="0"/>
-              <a:cs typeface="Arial" panose="020B0604020202020204" pitchFamily="34" charset="0"/>
-            </a:endParaRPr>
-          </a:p>
-          <a:p>
-            <a:pPr marL="0" marR="0" lvl="0" indent="0" algn="l" defTabSz="914400" rtl="0" eaLnBrk="0" fontAlgn="base" latinLnBrk="0" hangingPunct="0">
-              <a:lnSpc>
-                <a:spcPct val="100000"/>
-              </a:lnSpc>
+              <a:rPr lang="ru-RU" i="0" u="none" strike="noStrike" dirty="0">
+                <a:solidFill>
+                  <a:srgbClr val="FFFFFF"/>
+                </a:solidFill>
+                <a:latin typeface="Arial" panose="020B0604020202020204" pitchFamily="34" charset="0"/>
+              </a:rPr>
+              <a:t>Числовые признаки стремятся к равномерному распределению</a:t>
+            </a:r>
+          </a:p>
+          <a:p>
+            <a:pPr marL="342900" indent="-342900" rtl="0">
               <a:spcBef>
-                <a:spcPct val="0"/>
+                <a:spcPts val="0"/>
               </a:spcBef>
               <a:spcAft>
-                <a:spcPct val="0"/>
+                <a:spcPts val="0"/>
               </a:spcAft>
-              <a:buClrTx/>
-              <a:buSzTx/>
-              <a:buFontTx/>
-              <a:buNone/>
-              <a:tabLst/>
+              <a:buAutoNum type="arabicPeriod"/>
             </a:pPr>
-            <a:endParaRPr kumimoji="0" lang="ru-RU" altLang="ru-RU" sz="1400" i="0" u="none" strike="noStrike" cap="none" normalizeH="0" baseline="0" dirty="0">
-              <a:ln>
-                <a:noFill/>
-              </a:ln>
-              <a:solidFill>
-                <a:srgbClr val="F7F8FC"/>
-              </a:solidFill>
-              <a:effectLst/>
-              <a:latin typeface="Arial" panose="020B0604020202020204" pitchFamily="34" charset="0"/>
-              <a:cs typeface="Arial" panose="020B0604020202020204" pitchFamily="34" charset="0"/>
-            </a:endParaRPr>
-          </a:p>
-          <a:p>
-            <a:pPr marL="0" marR="0" lvl="0" indent="0" algn="l" defTabSz="914400" rtl="0" eaLnBrk="0" fontAlgn="base" latinLnBrk="0" hangingPunct="0">
-              <a:lnSpc>
-                <a:spcPct val="100000"/>
-              </a:lnSpc>
-              <a:spcBef>
-                <a:spcPct val="0"/>
-              </a:spcBef>
-              <a:spcAft>
-                <a:spcPct val="0"/>
-              </a:spcAft>
-              <a:buClrTx/>
-              <a:buSzTx/>
-              <a:buFontTx/>
-              <a:buNone/>
-              <a:tabLst/>
-            </a:pPr>
-            <a:r>
-              <a:rPr kumimoji="0" lang="ru-RU" altLang="ru-RU" sz="1400" b="1" i="0" u="none" strike="noStrike" cap="none" normalizeH="0" baseline="0" dirty="0">
-                <a:ln>
-                  <a:noFill/>
-                </a:ln>
-                <a:solidFill>
-                  <a:srgbClr val="F7F8FC"/>
-                </a:solidFill>
-                <a:effectLst/>
-                <a:latin typeface="Arial" panose="020B0604020202020204" pitchFamily="34" charset="0"/>
-                <a:cs typeface="Arial" panose="020B0604020202020204" pitchFamily="34" charset="0"/>
-              </a:rPr>
-              <a:t>2. Практическая значимость обнаружения редкого класса</a:t>
-            </a:r>
-          </a:p>
-          <a:p>
-            <a:pPr marL="0" marR="0" lvl="0" indent="0" algn="l" defTabSz="914400" rtl="0" eaLnBrk="0" fontAlgn="base" latinLnBrk="0" hangingPunct="0">
-              <a:lnSpc>
-                <a:spcPct val="100000"/>
-              </a:lnSpc>
-              <a:spcBef>
-                <a:spcPct val="0"/>
-              </a:spcBef>
-              <a:spcAft>
-                <a:spcPct val="0"/>
-              </a:spcAft>
-              <a:buClrTx/>
-              <a:buSzTx/>
-              <a:buFontTx/>
-              <a:buNone/>
-              <a:tabLst/>
-            </a:pPr>
-            <a:r>
-              <a:rPr kumimoji="0" lang="ru-RU" altLang="ru-RU" sz="1400" i="0" u="none" strike="noStrike" cap="none" normalizeH="0" baseline="0" dirty="0">
-                <a:ln>
-                  <a:noFill/>
-                </a:ln>
-                <a:solidFill>
-                  <a:srgbClr val="F7F8FC"/>
-                </a:solidFill>
-                <a:effectLst/>
-                <a:latin typeface="Arial" panose="020B0604020202020204" pitchFamily="34" charset="0"/>
-                <a:cs typeface="Arial" panose="020B0604020202020204" pitchFamily="34" charset="0"/>
-              </a:rPr>
-              <a:t>Задача проекта предполагает выявление важных событий для бизнеса</a:t>
-            </a:r>
-            <a:r>
-              <a:rPr lang="ru-RU" altLang="ru-RU" sz="1400" dirty="0">
-                <a:solidFill>
-                  <a:srgbClr val="F7F8FC"/>
-                </a:solidFill>
-                <a:latin typeface="Arial" panose="020B0604020202020204" pitchFamily="34" charset="0"/>
-                <a:cs typeface="Arial" panose="020B0604020202020204" pitchFamily="34" charset="0"/>
-              </a:rPr>
-              <a:t>. </a:t>
-            </a:r>
-            <a:r>
-              <a:rPr kumimoji="0" lang="ru-RU" altLang="ru-RU" sz="1400" i="0" u="none" strike="noStrike" cap="none" normalizeH="0" baseline="0" dirty="0">
-                <a:ln>
-                  <a:noFill/>
-                </a:ln>
-                <a:solidFill>
-                  <a:srgbClr val="F7F8FC"/>
-                </a:solidFill>
-                <a:effectLst/>
-                <a:latin typeface="Arial" panose="020B0604020202020204" pitchFamily="34" charset="0"/>
-                <a:cs typeface="Arial" panose="020B0604020202020204" pitchFamily="34" charset="0"/>
-              </a:rPr>
-              <a:t>В подобных сценариях пропуск положительного случая (ложноотрицательная ошибка) может повлечь серьёзные последствия. В то же время чрезмерное количество ложноположительных срабатываний ведёт к неоправданным затратам ресурсов и снижению доверия к системе.</a:t>
-            </a:r>
-            <a:br>
-              <a:rPr kumimoji="0" lang="ru-RU" altLang="ru-RU" sz="1400" i="0" u="none" strike="noStrike" cap="none" normalizeH="0" baseline="0" dirty="0">
-                <a:ln>
-                  <a:noFill/>
-                </a:ln>
-                <a:solidFill>
-                  <a:srgbClr val="F7F8FC"/>
-                </a:solidFill>
-                <a:effectLst/>
-                <a:latin typeface="Arial" panose="020B0604020202020204" pitchFamily="34" charset="0"/>
-                <a:cs typeface="Arial" panose="020B0604020202020204" pitchFamily="34" charset="0"/>
-              </a:rPr>
-            </a:br>
-            <a:r>
-              <a:rPr kumimoji="0" lang="ru-RU" altLang="ru-RU" sz="1400" i="0" u="none" strike="noStrike" cap="none" normalizeH="0" baseline="0" dirty="0">
-                <a:ln>
-                  <a:noFill/>
-                </a:ln>
-                <a:solidFill>
-                  <a:srgbClr val="F7F8FC"/>
-                </a:solidFill>
-                <a:effectLst/>
-                <a:latin typeface="Arial" panose="020B0604020202020204" pitchFamily="34" charset="0"/>
-                <a:cs typeface="Arial" panose="020B0604020202020204" pitchFamily="34" charset="0"/>
-              </a:rPr>
-              <a:t>F1‑мера, являясь гармоническим средним между </a:t>
-            </a:r>
-            <a:r>
-              <a:rPr kumimoji="0" lang="ru-RU" altLang="ru-RU" sz="1400" b="1" i="0" u="none" strike="noStrike" cap="none" normalizeH="0" baseline="0" dirty="0">
-                <a:ln>
-                  <a:noFill/>
-                </a:ln>
-                <a:solidFill>
-                  <a:srgbClr val="F7F8FC"/>
-                </a:solidFill>
-                <a:effectLst/>
-                <a:latin typeface="Arial" panose="020B0604020202020204" pitchFamily="34" charset="0"/>
-                <a:cs typeface="Arial" panose="020B0604020202020204" pitchFamily="34" charset="0"/>
-              </a:rPr>
-              <a:t>полнотой (</a:t>
-            </a:r>
-            <a:r>
-              <a:rPr kumimoji="0" lang="ru-RU" altLang="ru-RU" sz="1400" b="1" i="0" u="none" strike="noStrike" cap="none" normalizeH="0" baseline="0" dirty="0" err="1">
-                <a:ln>
-                  <a:noFill/>
-                </a:ln>
-                <a:solidFill>
-                  <a:srgbClr val="F7F8FC"/>
-                </a:solidFill>
-                <a:effectLst/>
-                <a:latin typeface="Arial" panose="020B0604020202020204" pitchFamily="34" charset="0"/>
-                <a:cs typeface="Arial" panose="020B0604020202020204" pitchFamily="34" charset="0"/>
-              </a:rPr>
-              <a:t>Recall</a:t>
-            </a:r>
-            <a:r>
-              <a:rPr kumimoji="0" lang="ru-RU" altLang="ru-RU" sz="1400" b="1" i="0" u="none" strike="noStrike" cap="none" normalizeH="0" baseline="0" dirty="0">
-                <a:ln>
-                  <a:noFill/>
-                </a:ln>
-                <a:solidFill>
-                  <a:srgbClr val="F7F8FC"/>
-                </a:solidFill>
-                <a:effectLst/>
-                <a:latin typeface="Arial" panose="020B0604020202020204" pitchFamily="34" charset="0"/>
-                <a:cs typeface="Arial" panose="020B0604020202020204" pitchFamily="34" charset="0"/>
-              </a:rPr>
-              <a:t>) и точностью (</a:t>
-            </a:r>
-            <a:r>
-              <a:rPr kumimoji="0" lang="ru-RU" altLang="ru-RU" sz="1400" b="1" i="0" u="none" strike="noStrike" cap="none" normalizeH="0" baseline="0" dirty="0" err="1">
-                <a:ln>
-                  <a:noFill/>
-                </a:ln>
-                <a:solidFill>
-                  <a:srgbClr val="F7F8FC"/>
-                </a:solidFill>
-                <a:effectLst/>
-                <a:latin typeface="Arial" panose="020B0604020202020204" pitchFamily="34" charset="0"/>
-                <a:cs typeface="Arial" panose="020B0604020202020204" pitchFamily="34" charset="0"/>
-              </a:rPr>
-              <a:t>Precision</a:t>
-            </a:r>
-            <a:r>
-              <a:rPr kumimoji="0" lang="ru-RU" altLang="ru-RU" sz="1400" b="1" i="0" u="none" strike="noStrike" cap="none" normalizeH="0" baseline="0" dirty="0">
-                <a:ln>
-                  <a:noFill/>
-                </a:ln>
-                <a:solidFill>
-                  <a:srgbClr val="F7F8FC"/>
-                </a:solidFill>
-                <a:effectLst/>
-                <a:latin typeface="Arial" panose="020B0604020202020204" pitchFamily="34" charset="0"/>
-                <a:cs typeface="Arial" panose="020B0604020202020204" pitchFamily="34" charset="0"/>
-              </a:rPr>
-              <a:t>), учитывает оба аспекта </a:t>
-            </a:r>
-            <a:r>
-              <a:rPr kumimoji="0" lang="ru-RU" altLang="ru-RU" sz="1400" i="0" u="none" strike="noStrike" cap="none" normalizeH="0" baseline="0" dirty="0">
-                <a:ln>
-                  <a:noFill/>
-                </a:ln>
-                <a:solidFill>
-                  <a:srgbClr val="F7F8FC"/>
-                </a:solidFill>
-                <a:effectLst/>
-                <a:latin typeface="Arial" panose="020B0604020202020204" pitchFamily="34" charset="0"/>
-                <a:cs typeface="Arial" panose="020B0604020202020204" pitchFamily="34" charset="0"/>
-              </a:rPr>
-              <a:t>и обеспечивает сбалансированную оценку качества модели именно в контексте обнаружения редкого, но значимого класса.</a:t>
-            </a:r>
-            <a:endParaRPr kumimoji="0" lang="ru-RU" altLang="ru-RU" sz="1400" i="0" u="none" strike="noStrike" cap="none" normalizeH="0" baseline="0" dirty="0">
-              <a:ln>
-                <a:noFill/>
-              </a:ln>
-              <a:solidFill>
-                <a:schemeClr val="tx1"/>
-              </a:solidFill>
-              <a:effectLst/>
-              <a:latin typeface="Arial" panose="020B0604020202020204" pitchFamily="34" charset="0"/>
-              <a:cs typeface="Arial" panose="020B0604020202020204" pitchFamily="34" charset="0"/>
-            </a:endParaRPr>
-          </a:p>
-          <a:p>
-            <a:pPr marL="0" marR="0" lvl="0" indent="0" algn="l" defTabSz="914400" rtl="0" eaLnBrk="0" fontAlgn="base" latinLnBrk="0" hangingPunct="0">
-              <a:lnSpc>
-                <a:spcPct val="100000"/>
-              </a:lnSpc>
-              <a:spcBef>
-                <a:spcPct val="0"/>
-              </a:spcBef>
-              <a:spcAft>
-                <a:spcPct val="0"/>
-              </a:spcAft>
-              <a:buClrTx/>
-              <a:buSzTx/>
-              <a:buFontTx/>
-              <a:buNone/>
-              <a:tabLst/>
-            </a:pPr>
-            <a:endParaRPr kumimoji="0" lang="ru-RU" altLang="ru-RU" sz="1400" i="0" u="none" strike="noStrike" cap="none" normalizeH="0" baseline="0" dirty="0">
-              <a:ln>
-                <a:noFill/>
-              </a:ln>
-              <a:solidFill>
-                <a:srgbClr val="F7F8FC"/>
-              </a:solidFill>
-              <a:effectLst/>
-              <a:latin typeface="Arial" panose="020B0604020202020204" pitchFamily="34" charset="0"/>
-              <a:cs typeface="Arial" panose="020B0604020202020204" pitchFamily="34" charset="0"/>
-            </a:endParaRPr>
-          </a:p>
-          <a:p>
-            <a:pPr marL="0" marR="0" lvl="0" indent="0" algn="l" defTabSz="914400" rtl="0" eaLnBrk="0" fontAlgn="base" latinLnBrk="0" hangingPunct="0">
-              <a:lnSpc>
-                <a:spcPct val="100000"/>
-              </a:lnSpc>
-              <a:spcBef>
-                <a:spcPct val="0"/>
-              </a:spcBef>
-              <a:spcAft>
-                <a:spcPct val="0"/>
-              </a:spcAft>
-              <a:buClrTx/>
-              <a:buSzTx/>
-              <a:buFontTx/>
-              <a:buNone/>
-              <a:tabLst/>
-            </a:pPr>
-            <a:r>
-              <a:rPr kumimoji="0" lang="ru-RU" altLang="ru-RU" sz="1400" b="1" i="0" u="none" strike="noStrike" cap="none" normalizeH="0" baseline="0" dirty="0">
-                <a:ln>
-                  <a:noFill/>
-                </a:ln>
-                <a:solidFill>
-                  <a:srgbClr val="F7F8FC"/>
-                </a:solidFill>
-                <a:effectLst/>
-                <a:latin typeface="Arial" panose="020B0604020202020204" pitchFamily="34" charset="0"/>
-                <a:cs typeface="Arial" panose="020B0604020202020204" pitchFamily="34" charset="0"/>
-              </a:rPr>
-              <a:t>3. Ориентация на реальный режим эксплуатации модели</a:t>
-            </a:r>
-          </a:p>
-          <a:p>
-            <a:pPr marL="0" marR="0" lvl="0" indent="0" algn="l" defTabSz="914400" rtl="0" eaLnBrk="0" fontAlgn="base" latinLnBrk="0" hangingPunct="0">
-              <a:lnSpc>
-                <a:spcPct val="100000"/>
-              </a:lnSpc>
-              <a:spcBef>
-                <a:spcPct val="0"/>
-              </a:spcBef>
-              <a:spcAft>
-                <a:spcPct val="0"/>
-              </a:spcAft>
-              <a:buClrTx/>
-              <a:buSzTx/>
-              <a:buFontTx/>
-              <a:buNone/>
-              <a:tabLst/>
-            </a:pPr>
-            <a:r>
-              <a:rPr kumimoji="0" lang="ru-RU" altLang="ru-RU" sz="1400" i="0" u="none" strike="noStrike" cap="none" normalizeH="0" baseline="0" dirty="0">
-                <a:ln>
-                  <a:noFill/>
-                </a:ln>
-                <a:solidFill>
-                  <a:srgbClr val="F7F8FC"/>
-                </a:solidFill>
-                <a:effectLst/>
-                <a:latin typeface="Arial" panose="020B0604020202020204" pitchFamily="34" charset="0"/>
-                <a:cs typeface="Arial" panose="020B0604020202020204" pitchFamily="34" charset="0"/>
-              </a:rPr>
-              <a:t>В отличие от интегральных метрик, таких как ROC‑AUC, F1‑мера оценивает качество модели при фиксированном пороге принятия решения. Это позволяет:</a:t>
-            </a:r>
-            <a:endParaRPr kumimoji="0" lang="ru-RU" altLang="ru-RU" sz="1400" i="0" u="none" strike="noStrike" cap="none" normalizeH="0" baseline="0" dirty="0">
-              <a:ln>
-                <a:noFill/>
-              </a:ln>
-              <a:solidFill>
-                <a:schemeClr val="tx1"/>
-              </a:solidFill>
-              <a:effectLst/>
-              <a:latin typeface="Arial" panose="020B0604020202020204" pitchFamily="34" charset="0"/>
-              <a:cs typeface="Arial" panose="020B0604020202020204" pitchFamily="34" charset="0"/>
-            </a:endParaRPr>
-          </a:p>
-          <a:p>
-            <a:pPr marL="0" marR="0" lvl="0" indent="0" algn="l" defTabSz="914400" rtl="0" eaLnBrk="0" fontAlgn="base" latinLnBrk="0" hangingPunct="0">
-              <a:lnSpc>
-                <a:spcPct val="100000"/>
-              </a:lnSpc>
-              <a:spcBef>
-                <a:spcPct val="0"/>
-              </a:spcBef>
-              <a:spcAft>
-                <a:spcPct val="0"/>
-              </a:spcAft>
-              <a:buClrTx/>
-              <a:buSzTx/>
-              <a:tabLst/>
-            </a:pPr>
-            <a:r>
-              <a:rPr kumimoji="0" lang="ru-RU" altLang="ru-RU" sz="1400" i="0" u="none" strike="noStrike" cap="none" normalizeH="0" baseline="0" dirty="0">
-                <a:ln>
-                  <a:noFill/>
-                </a:ln>
-                <a:solidFill>
-                  <a:srgbClr val="F7F8FC"/>
-                </a:solidFill>
-                <a:effectLst/>
-                <a:latin typeface="Arial" panose="020B0604020202020204" pitchFamily="34" charset="0"/>
-                <a:cs typeface="Arial" panose="020B0604020202020204" pitchFamily="34" charset="0"/>
-              </a:rPr>
-              <a:t>- проводить целенаправленную оптимизацию порога на </a:t>
-            </a:r>
-            <a:r>
-              <a:rPr kumimoji="0" lang="ru-RU" altLang="ru-RU" sz="1400" i="0" u="none" strike="noStrike" cap="none" normalizeH="0" baseline="0" dirty="0" err="1">
-                <a:ln>
-                  <a:noFill/>
-                </a:ln>
-                <a:solidFill>
-                  <a:srgbClr val="F7F8FC"/>
-                </a:solidFill>
-                <a:effectLst/>
-                <a:latin typeface="Arial" panose="020B0604020202020204" pitchFamily="34" charset="0"/>
-                <a:cs typeface="Arial" panose="020B0604020202020204" pitchFamily="34" charset="0"/>
-              </a:rPr>
-              <a:t>валидационной</a:t>
-            </a:r>
-            <a:r>
-              <a:rPr kumimoji="0" lang="ru-RU" altLang="ru-RU" sz="1400" i="0" u="none" strike="noStrike" cap="none" normalizeH="0" baseline="0" dirty="0">
-                <a:ln>
-                  <a:noFill/>
-                </a:ln>
-                <a:solidFill>
-                  <a:srgbClr val="F7F8FC"/>
-                </a:solidFill>
-                <a:effectLst/>
-                <a:latin typeface="Arial" panose="020B0604020202020204" pitchFamily="34" charset="0"/>
-                <a:cs typeface="Arial" panose="020B0604020202020204" pitchFamily="34" charset="0"/>
-              </a:rPr>
-              <a:t> выборке с целью максимизации F1,</a:t>
-            </a:r>
-          </a:p>
-          <a:p>
-            <a:pPr marL="0" marR="0" lvl="0" indent="0" algn="l" defTabSz="914400" rtl="0" eaLnBrk="0" fontAlgn="base" latinLnBrk="0" hangingPunct="0">
-              <a:lnSpc>
-                <a:spcPct val="100000"/>
-              </a:lnSpc>
-              <a:spcBef>
-                <a:spcPct val="0"/>
-              </a:spcBef>
-              <a:spcAft>
-                <a:spcPct val="0"/>
-              </a:spcAft>
-              <a:buClrTx/>
-              <a:buSzTx/>
-              <a:tabLst/>
-            </a:pPr>
-            <a:r>
-              <a:rPr kumimoji="0" lang="ru-RU" altLang="ru-RU" sz="1400" i="0" u="none" strike="noStrike" cap="none" normalizeH="0" baseline="0" dirty="0">
-                <a:ln>
-                  <a:noFill/>
-                </a:ln>
-                <a:solidFill>
-                  <a:srgbClr val="F7F8FC"/>
-                </a:solidFill>
-                <a:effectLst/>
-                <a:latin typeface="Arial" panose="020B0604020202020204" pitchFamily="34" charset="0"/>
-                <a:cs typeface="Arial" panose="020B0604020202020204" pitchFamily="34" charset="0"/>
-              </a:rPr>
-              <a:t>- оценивать производительность модели в условиях, максимально приближенных к эксплуатационным.</a:t>
-            </a:r>
-          </a:p>
-          <a:p>
-            <a:pPr marL="0" marR="0" lvl="0" indent="0" algn="l" defTabSz="914400" rtl="0" eaLnBrk="0" fontAlgn="base" latinLnBrk="0" hangingPunct="0">
-              <a:lnSpc>
-                <a:spcPct val="100000"/>
-              </a:lnSpc>
-              <a:spcBef>
-                <a:spcPct val="0"/>
-              </a:spcBef>
-              <a:spcAft>
-                <a:spcPct val="0"/>
-              </a:spcAft>
-              <a:buClrTx/>
-              <a:buSzTx/>
-              <a:buFontTx/>
-              <a:buNone/>
-              <a:tabLst/>
-            </a:pPr>
-            <a:endParaRPr kumimoji="0" lang="ru-RU" altLang="ru-RU" sz="1400" i="0" u="none" strike="noStrike" cap="none" normalizeH="0" baseline="0" dirty="0">
-              <a:ln>
-                <a:noFill/>
-              </a:ln>
-              <a:solidFill>
-                <a:srgbClr val="F7F8FC"/>
-              </a:solidFill>
-              <a:effectLst/>
-              <a:latin typeface="Arial" panose="020B0604020202020204" pitchFamily="34" charset="0"/>
-              <a:cs typeface="Arial" panose="020B0604020202020204" pitchFamily="34" charset="0"/>
-            </a:endParaRPr>
-          </a:p>
-          <a:p>
-            <a:pPr marL="0" marR="0" lvl="0" indent="0" algn="l" defTabSz="914400" rtl="0" eaLnBrk="0" fontAlgn="base" latinLnBrk="0" hangingPunct="0">
-              <a:lnSpc>
-                <a:spcPct val="100000"/>
-              </a:lnSpc>
-              <a:spcBef>
-                <a:spcPct val="0"/>
-              </a:spcBef>
-              <a:spcAft>
-                <a:spcPct val="0"/>
-              </a:spcAft>
-              <a:buClrTx/>
-              <a:buSzTx/>
-              <a:buFontTx/>
-              <a:buNone/>
-              <a:tabLst/>
-            </a:pPr>
-            <a:r>
-              <a:rPr kumimoji="0" lang="ru-RU" altLang="ru-RU" sz="1400" b="1" i="0" u="none" strike="noStrike" cap="none" normalizeH="0" baseline="0" dirty="0">
-                <a:ln>
-                  <a:noFill/>
-                </a:ln>
-                <a:solidFill>
-                  <a:srgbClr val="F7F8FC"/>
-                </a:solidFill>
-                <a:effectLst/>
-                <a:latin typeface="Arial" panose="020B0604020202020204" pitchFamily="34" charset="0"/>
-                <a:cs typeface="Arial" panose="020B0604020202020204" pitchFamily="34" charset="0"/>
-              </a:rPr>
-              <a:t>4. Соответствие отраслевым стандартам</a:t>
-            </a:r>
-          </a:p>
-          <a:p>
-            <a:pPr marL="0" marR="0" lvl="0" indent="0" algn="l" defTabSz="914400" rtl="0" eaLnBrk="0" fontAlgn="base" latinLnBrk="0" hangingPunct="0">
-              <a:lnSpc>
-                <a:spcPct val="100000"/>
-              </a:lnSpc>
-              <a:spcBef>
-                <a:spcPct val="0"/>
-              </a:spcBef>
-              <a:spcAft>
-                <a:spcPct val="0"/>
-              </a:spcAft>
-              <a:buClrTx/>
-              <a:buSzTx/>
-              <a:buFontTx/>
-              <a:buNone/>
-              <a:tabLst/>
-            </a:pPr>
-            <a:r>
-              <a:rPr kumimoji="0" lang="ru-RU" altLang="ru-RU" sz="1400" i="0" u="none" strike="noStrike" cap="none" normalizeH="0" baseline="0" dirty="0">
-                <a:ln>
-                  <a:noFill/>
-                </a:ln>
-                <a:solidFill>
-                  <a:srgbClr val="F7F8FC"/>
-                </a:solidFill>
-                <a:effectLst/>
-                <a:latin typeface="Arial" panose="020B0604020202020204" pitchFamily="34" charset="0"/>
-                <a:cs typeface="Arial" panose="020B0604020202020204" pitchFamily="34" charset="0"/>
-              </a:rPr>
-              <a:t>F1‑мера широко применяется в научных и прикладных исследованиях, связанных с задачами с дисбалансом классов — в частности, в медицинской диагностике, кибербезопасности и финансовой аналитике. Её использование обеспечивает сопоставимость результатов с аналогичными работами и соответствует общепринятым практикам в области машинного обучения.</a:t>
-            </a:r>
-            <a:endParaRPr kumimoji="0" lang="ru-RU" altLang="ru-RU" sz="1400" i="0" u="none" strike="noStrike" cap="none" normalizeH="0" baseline="0" dirty="0">
-              <a:ln>
-                <a:noFill/>
-              </a:ln>
-              <a:solidFill>
-                <a:schemeClr val="tx1"/>
-              </a:solidFill>
-              <a:effectLst/>
-              <a:latin typeface="Arial" panose="020B0604020202020204" pitchFamily="34" charset="0"/>
-              <a:cs typeface="Arial" panose="020B0604020202020204" pitchFamily="34" charset="0"/>
-            </a:endParaRPr>
-          </a:p>
-          <a:p>
-            <a:pPr rtl="0">
-              <a:spcBef>
-                <a:spcPts val="0"/>
-              </a:spcBef>
-              <a:spcAft>
-                <a:spcPts val="0"/>
-              </a:spcAft>
-            </a:pPr>
-            <a:endParaRPr lang="ru-RU" sz="1400" i="0" u="none" strike="noStrike" dirty="0">
+            <a:r>
+              <a:rPr lang="ru-RU" dirty="0">
+                <a:solidFill>
+                  <a:srgbClr val="FFFFFF"/>
+                </a:solidFill>
+                <a:latin typeface="Arial" panose="020B0604020202020204" pitchFamily="34" charset="0"/>
+              </a:rPr>
+              <a:t>Большинство признаком умеренно коррелируют с </a:t>
+            </a:r>
+            <a:r>
+              <a:rPr lang="ru-RU" dirty="0" err="1">
+                <a:solidFill>
+                  <a:srgbClr val="FFFFFF"/>
+                </a:solidFill>
+                <a:latin typeface="Arial" panose="020B0604020202020204" pitchFamily="34" charset="0"/>
+              </a:rPr>
+              <a:t>таргетом</a:t>
+            </a:r>
+            <a:endParaRPr lang="ru-RU" dirty="0">
               <a:solidFill>
                 <a:srgbClr val="FFFFFF"/>
               </a:solidFill>
               <a:latin typeface="Arial" panose="020B0604020202020204" pitchFamily="34" charset="0"/>
-              <a:cs typeface="Arial" panose="020B0604020202020204" pitchFamily="34" charset="0"/>
+            </a:endParaRPr>
+          </a:p>
+          <a:p>
+            <a:pPr marL="342900" indent="-342900" rtl="0">
+              <a:spcBef>
+                <a:spcPts val="0"/>
+              </a:spcBef>
+              <a:spcAft>
+                <a:spcPts val="0"/>
+              </a:spcAft>
+              <a:buAutoNum type="arabicPeriod"/>
+            </a:pPr>
+            <a:r>
+              <a:rPr lang="ru-RU" dirty="0">
+                <a:solidFill>
+                  <a:srgbClr val="FFFFFF"/>
+                </a:solidFill>
+                <a:latin typeface="Arial" panose="020B0604020202020204" pitchFamily="34" charset="0"/>
+              </a:rPr>
+              <a:t>Так как пропуски отсутствуют, предобработку пропусков не делаем</a:t>
+            </a:r>
+          </a:p>
+          <a:p>
+            <a:pPr marL="342900" indent="-342900">
+              <a:spcBef>
+                <a:spcPts val="0"/>
+              </a:spcBef>
+              <a:spcAft>
+                <a:spcPts val="0"/>
+              </a:spcAft>
+              <a:buFont typeface="Wingdings 3" panose="05040102010807070707" pitchFamily="18" charset="2"/>
+              <a:buAutoNum type="arabicPeriod"/>
+            </a:pPr>
+            <a:r>
+              <a:rPr lang="ru-RU" i="0" u="none" strike="noStrike" dirty="0">
+                <a:solidFill>
+                  <a:srgbClr val="FFFFFF"/>
+                </a:solidFill>
+                <a:latin typeface="Arial" panose="020B0604020202020204" pitchFamily="34" charset="0"/>
+              </a:rPr>
+              <a:t>Дубликаты также отсутствуют</a:t>
+            </a:r>
+          </a:p>
+          <a:p>
+            <a:pPr marL="342900" indent="-342900">
+              <a:spcBef>
+                <a:spcPts val="0"/>
+              </a:spcBef>
+              <a:spcAft>
+                <a:spcPts val="0"/>
+              </a:spcAft>
+              <a:buFont typeface="Wingdings 3" panose="05040102010807070707" pitchFamily="18" charset="2"/>
+              <a:buAutoNum type="arabicPeriod"/>
+            </a:pPr>
+            <a:r>
+              <a:rPr lang="ru-RU" i="0" u="none" strike="noStrike" dirty="0">
+                <a:solidFill>
+                  <a:srgbClr val="FFFFFF"/>
+                </a:solidFill>
+                <a:latin typeface="Arial" panose="020B0604020202020204" pitchFamily="34" charset="0"/>
+              </a:rPr>
+              <a:t>Выявлены бинарные признаки: </a:t>
+            </a:r>
+            <a:r>
+              <a:rPr lang="ru-RU" i="0" u="none" strike="noStrike" dirty="0" err="1">
+                <a:solidFill>
+                  <a:srgbClr val="FFFFFF"/>
+                </a:solidFill>
+                <a:latin typeface="Arial" panose="020B0604020202020204" pitchFamily="34" charset="0"/>
+              </a:rPr>
+              <a:t>Gender</a:t>
+            </a:r>
+            <a:r>
+              <a:rPr lang="ru-RU" i="0" u="none" strike="noStrike" dirty="0">
+                <a:solidFill>
+                  <a:srgbClr val="FFFFFF"/>
+                </a:solidFill>
+                <a:latin typeface="Arial" panose="020B0604020202020204" pitchFamily="34" charset="0"/>
+              </a:rPr>
+              <a:t>, </a:t>
+            </a:r>
+            <a:r>
+              <a:rPr lang="ru-RU" i="0" u="none" strike="noStrike" dirty="0" err="1">
+                <a:solidFill>
+                  <a:srgbClr val="FFFFFF"/>
+                </a:solidFill>
+                <a:latin typeface="Arial" panose="020B0604020202020204" pitchFamily="34" charset="0"/>
+              </a:rPr>
+              <a:t>Driving_License</a:t>
+            </a:r>
+            <a:r>
+              <a:rPr lang="ru-RU" i="0" u="none" strike="noStrike" dirty="0">
+                <a:solidFill>
+                  <a:srgbClr val="FFFFFF"/>
+                </a:solidFill>
+                <a:latin typeface="Arial" panose="020B0604020202020204" pitchFamily="34" charset="0"/>
+              </a:rPr>
+              <a:t>, </a:t>
+            </a:r>
+            <a:r>
+              <a:rPr lang="ru-RU" i="0" u="none" strike="noStrike" dirty="0" err="1">
+                <a:solidFill>
+                  <a:srgbClr val="FFFFFF"/>
+                </a:solidFill>
+                <a:latin typeface="Arial" panose="020B0604020202020204" pitchFamily="34" charset="0"/>
+              </a:rPr>
+              <a:t>Previously_Insured</a:t>
+            </a:r>
+            <a:r>
+              <a:rPr lang="ru-RU" i="0" u="none" strike="noStrike" dirty="0">
+                <a:solidFill>
+                  <a:srgbClr val="FFFFFF"/>
+                </a:solidFill>
+                <a:latin typeface="Arial" panose="020B0604020202020204" pitchFamily="34" charset="0"/>
+              </a:rPr>
+              <a:t>, </a:t>
+            </a:r>
+            <a:r>
+              <a:rPr lang="ru-RU" i="0" u="none" strike="noStrike" dirty="0" err="1">
+                <a:solidFill>
+                  <a:srgbClr val="FFFFFF"/>
+                </a:solidFill>
+                <a:latin typeface="Arial" panose="020B0604020202020204" pitchFamily="34" charset="0"/>
+              </a:rPr>
+              <a:t>Vehicle_Damage</a:t>
+            </a:r>
+            <a:r>
+              <a:rPr lang="ru-RU" i="0" u="none" strike="noStrike" dirty="0">
+                <a:solidFill>
+                  <a:srgbClr val="FFFFFF"/>
+                </a:solidFill>
+                <a:latin typeface="Arial" panose="020B0604020202020204" pitchFamily="34" charset="0"/>
+              </a:rPr>
+              <a:t>. Для них применим </a:t>
+            </a:r>
+            <a:r>
+              <a:rPr lang="ru-RU" i="0" u="none" strike="noStrike" dirty="0" err="1">
+                <a:solidFill>
+                  <a:srgbClr val="FFFFFF"/>
+                </a:solidFill>
+                <a:latin typeface="Arial" panose="020B0604020202020204" pitchFamily="34" charset="0"/>
+              </a:rPr>
+              <a:t>One-Hot</a:t>
+            </a:r>
+            <a:r>
+              <a:rPr lang="ru-RU" i="0" u="none" strike="noStrike" dirty="0">
+                <a:solidFill>
+                  <a:srgbClr val="FFFFFF"/>
+                </a:solidFill>
+                <a:latin typeface="Arial" panose="020B0604020202020204" pitchFamily="34" charset="0"/>
+              </a:rPr>
+              <a:t> </a:t>
+            </a:r>
+            <a:r>
+              <a:rPr lang="ru-RU" i="0" u="none" strike="noStrike" dirty="0" err="1">
+                <a:solidFill>
+                  <a:srgbClr val="FFFFFF"/>
+                </a:solidFill>
+                <a:latin typeface="Arial" panose="020B0604020202020204" pitchFamily="34" charset="0"/>
+              </a:rPr>
+              <a:t>Encoding</a:t>
+            </a:r>
+            <a:r>
+              <a:rPr lang="ru-RU" i="0" u="none" strike="noStrike" dirty="0">
+                <a:solidFill>
+                  <a:srgbClr val="FFFFFF"/>
+                </a:solidFill>
+                <a:latin typeface="Arial" panose="020B0604020202020204" pitchFamily="34" charset="0"/>
+              </a:rPr>
+              <a:t> с </a:t>
+            </a:r>
+            <a:r>
+              <a:rPr lang="ru-RU" i="0" u="none" strike="noStrike" dirty="0" err="1">
+                <a:solidFill>
+                  <a:srgbClr val="FFFFFF"/>
+                </a:solidFill>
+                <a:latin typeface="Arial" panose="020B0604020202020204" pitchFamily="34" charset="0"/>
+              </a:rPr>
+              <a:t>drop</a:t>
+            </a:r>
+            <a:r>
+              <a:rPr lang="ru-RU" i="0" u="none" strike="noStrike" dirty="0">
+                <a:solidFill>
+                  <a:srgbClr val="FFFFFF"/>
+                </a:solidFill>
+                <a:latin typeface="Arial" panose="020B0604020202020204" pitchFamily="34" charset="0"/>
+              </a:rPr>
+              <a:t>='</a:t>
+            </a:r>
+            <a:r>
+              <a:rPr lang="ru-RU" i="0" u="none" strike="noStrike" dirty="0" err="1">
+                <a:solidFill>
+                  <a:srgbClr val="FFFFFF"/>
+                </a:solidFill>
+                <a:latin typeface="Arial" panose="020B0604020202020204" pitchFamily="34" charset="0"/>
+              </a:rPr>
+              <a:t>first</a:t>
+            </a:r>
+            <a:r>
+              <a:rPr lang="ru-RU" i="0" u="none" strike="noStrike" dirty="0">
+                <a:solidFill>
+                  <a:srgbClr val="FFFFFF"/>
+                </a:solidFill>
+                <a:latin typeface="Arial" panose="020B0604020202020204" pitchFamily="34" charset="0"/>
+              </a:rPr>
+              <a:t>’</a:t>
+            </a:r>
+          </a:p>
+          <a:p>
+            <a:pPr marL="342900" indent="-342900">
+              <a:spcBef>
+                <a:spcPts val="0"/>
+              </a:spcBef>
+              <a:spcAft>
+                <a:spcPts val="0"/>
+              </a:spcAft>
+              <a:buFont typeface="Wingdings 3" panose="05040102010807070707" pitchFamily="18" charset="2"/>
+              <a:buAutoNum type="arabicPeriod"/>
+            </a:pPr>
+            <a:r>
+              <a:rPr lang="ru-RU" i="0" u="none" strike="noStrike" dirty="0">
+                <a:solidFill>
+                  <a:srgbClr val="FFFFFF"/>
+                </a:solidFill>
+                <a:latin typeface="Arial" panose="020B0604020202020204" pitchFamily="34" charset="0"/>
+              </a:rPr>
+              <a:t>Так как в </a:t>
+            </a:r>
+            <a:r>
+              <a:rPr lang="ru-RU" i="0" u="none" strike="noStrike" dirty="0" err="1">
+                <a:solidFill>
+                  <a:srgbClr val="FFFFFF"/>
+                </a:solidFill>
+                <a:latin typeface="Arial" panose="020B0604020202020204" pitchFamily="34" charset="0"/>
+              </a:rPr>
+              <a:t>Annual_Premium</a:t>
+            </a:r>
+            <a:r>
+              <a:rPr lang="ru-RU" i="0" u="none" strike="noStrike" dirty="0">
+                <a:solidFill>
+                  <a:srgbClr val="FFFFFF"/>
+                </a:solidFill>
+                <a:latin typeface="Arial" panose="020B0604020202020204" pitchFamily="34" charset="0"/>
+              </a:rPr>
+              <a:t> сильные выбросы, то для данного признака будем применять </a:t>
+            </a:r>
+            <a:r>
+              <a:rPr lang="ru-RU" i="0" u="none" strike="noStrike" dirty="0" err="1">
+                <a:solidFill>
+                  <a:srgbClr val="FFFFFF"/>
+                </a:solidFill>
+                <a:latin typeface="Arial" panose="020B0604020202020204" pitchFamily="34" charset="0"/>
+              </a:rPr>
+              <a:t>RobustScaler</a:t>
+            </a:r>
+            <a:r>
+              <a:rPr lang="ru-RU" i="0" u="none" strike="noStrike" dirty="0">
+                <a:solidFill>
+                  <a:srgbClr val="FFFFFF"/>
+                </a:solidFill>
+                <a:latin typeface="Arial" panose="020B0604020202020204" pitchFamily="34" charset="0"/>
+              </a:rPr>
+              <a:t> вместо </a:t>
+            </a:r>
+            <a:r>
+              <a:rPr lang="ru-RU" i="0" u="none" strike="noStrike" dirty="0" err="1">
+                <a:solidFill>
+                  <a:srgbClr val="FFFFFF"/>
+                </a:solidFill>
+                <a:latin typeface="Arial" panose="020B0604020202020204" pitchFamily="34" charset="0"/>
+              </a:rPr>
+              <a:t>StandardScaler</a:t>
+            </a:r>
+            <a:endParaRPr lang="ru-RU" i="0" u="none" strike="noStrike" dirty="0">
+              <a:solidFill>
+                <a:srgbClr val="FFFFFF"/>
+              </a:solidFill>
+              <a:latin typeface="Arial" panose="020B0604020202020204" pitchFamily="34" charset="0"/>
+            </a:endParaRPr>
+          </a:p>
+          <a:p>
+            <a:pPr marL="342900" indent="-342900">
+              <a:spcBef>
+                <a:spcPts val="0"/>
+              </a:spcBef>
+              <a:spcAft>
+                <a:spcPts val="0"/>
+              </a:spcAft>
+              <a:buFont typeface="Wingdings 3" panose="05040102010807070707" pitchFamily="18" charset="2"/>
+              <a:buAutoNum type="arabicPeriod"/>
+            </a:pPr>
+            <a:r>
+              <a:rPr lang="ru-RU" i="0" u="none" strike="noStrike" dirty="0">
+                <a:solidFill>
+                  <a:srgbClr val="FFFFFF"/>
+                </a:solidFill>
+                <a:latin typeface="Arial" panose="020B0604020202020204" pitchFamily="34" charset="0"/>
+              </a:rPr>
+              <a:t>Для </a:t>
+            </a:r>
+            <a:r>
+              <a:rPr lang="ru-RU" i="0" u="none" strike="noStrike" dirty="0" err="1">
+                <a:solidFill>
+                  <a:srgbClr val="FFFFFF"/>
+                </a:solidFill>
+                <a:latin typeface="Arial" panose="020B0604020202020204" pitchFamily="34" charset="0"/>
+              </a:rPr>
+              <a:t>высококардинальных</a:t>
+            </a:r>
+            <a:r>
+              <a:rPr lang="ru-RU" i="0" u="none" strike="noStrike" dirty="0">
+                <a:solidFill>
+                  <a:srgbClr val="FFFFFF"/>
+                </a:solidFill>
+                <a:latin typeface="Arial" panose="020B0604020202020204" pitchFamily="34" charset="0"/>
+              </a:rPr>
+              <a:t> признаков </a:t>
+            </a:r>
+            <a:r>
+              <a:rPr lang="ru-RU" i="0" u="none" strike="noStrike" dirty="0" err="1">
+                <a:solidFill>
+                  <a:srgbClr val="FFFFFF"/>
+                </a:solidFill>
+                <a:latin typeface="Arial" panose="020B0604020202020204" pitchFamily="34" charset="0"/>
+              </a:rPr>
+              <a:t>Region_Code</a:t>
+            </a:r>
+            <a:r>
+              <a:rPr lang="ru-RU" i="0" u="none" strike="noStrike" dirty="0">
+                <a:solidFill>
+                  <a:srgbClr val="FFFFFF"/>
+                </a:solidFill>
+                <a:latin typeface="Arial" panose="020B0604020202020204" pitchFamily="34" charset="0"/>
+              </a:rPr>
+              <a:t>, </a:t>
+            </a:r>
+            <a:r>
+              <a:rPr lang="ru-RU" i="0" u="none" strike="noStrike" dirty="0" err="1">
+                <a:solidFill>
+                  <a:srgbClr val="FFFFFF"/>
+                </a:solidFill>
+                <a:latin typeface="Arial" panose="020B0604020202020204" pitchFamily="34" charset="0"/>
+              </a:rPr>
+              <a:t>Policy_Sales_Channel</a:t>
+            </a:r>
+            <a:r>
+              <a:rPr lang="ru-RU" i="0" u="none" strike="noStrike" dirty="0">
+                <a:solidFill>
+                  <a:srgbClr val="FFFFFF"/>
+                </a:solidFill>
+                <a:latin typeface="Arial" panose="020B0604020202020204" pitchFamily="34" charset="0"/>
+              </a:rPr>
+              <a:t> будет использован </a:t>
+            </a:r>
+            <a:r>
+              <a:rPr lang="ru-RU" i="0" u="none" strike="noStrike" dirty="0" err="1">
+                <a:solidFill>
+                  <a:srgbClr val="FFFFFF"/>
+                </a:solidFill>
+                <a:latin typeface="Arial" panose="020B0604020202020204" pitchFamily="34" charset="0"/>
+              </a:rPr>
+              <a:t>кастомный</a:t>
+            </a:r>
+            <a:r>
+              <a:rPr lang="ru-RU" i="0" u="none" strike="noStrike" dirty="0">
+                <a:solidFill>
+                  <a:srgbClr val="FFFFFF"/>
+                </a:solidFill>
+                <a:latin typeface="Arial" panose="020B0604020202020204" pitchFamily="34" charset="0"/>
+              </a:rPr>
+              <a:t> трансформер для частотного кодирования</a:t>
+            </a:r>
+          </a:p>
+          <a:p>
+            <a:pPr marL="342900" indent="-342900">
+              <a:spcBef>
+                <a:spcPts val="0"/>
+              </a:spcBef>
+              <a:spcAft>
+                <a:spcPts val="0"/>
+              </a:spcAft>
+              <a:buFont typeface="Wingdings 3" panose="05040102010807070707" pitchFamily="18" charset="2"/>
+              <a:buAutoNum type="arabicPeriod"/>
+            </a:pPr>
+            <a:r>
+              <a:rPr lang="ru-RU" i="0" u="none" strike="noStrike" dirty="0">
+                <a:solidFill>
+                  <a:srgbClr val="FFFFFF"/>
+                </a:solidFill>
+                <a:latin typeface="Arial" panose="020B0604020202020204" pitchFamily="34" charset="0"/>
+              </a:rPr>
+              <a:t>Для моделей со встроенной предобработкой категориальных признаков переведем категориальные сразу в тип </a:t>
+            </a:r>
+            <a:r>
+              <a:rPr lang="ru-RU" i="0" u="none" strike="noStrike" dirty="0" err="1">
+                <a:solidFill>
+                  <a:srgbClr val="FFFFFF"/>
+                </a:solidFill>
+                <a:latin typeface="Arial" panose="020B0604020202020204" pitchFamily="34" charset="0"/>
+              </a:rPr>
+              <a:t>category</a:t>
+            </a:r>
+            <a:endParaRPr lang="ru-RU" i="0" u="none" strike="noStrike" dirty="0">
+              <a:solidFill>
+                <a:srgbClr val="FFFFFF"/>
+              </a:solidFill>
+              <a:latin typeface="Arial" panose="020B0604020202020204" pitchFamily="34" charset="0"/>
+            </a:endParaRPr>
+          </a:p>
+          <a:p>
+            <a:pPr marL="342900" indent="-342900">
+              <a:spcBef>
+                <a:spcPts val="0"/>
+              </a:spcBef>
+              <a:spcAft>
+                <a:spcPts val="0"/>
+              </a:spcAft>
+              <a:buFont typeface="Wingdings 3" panose="05040102010807070707" pitchFamily="18" charset="2"/>
+              <a:buAutoNum type="arabicPeriod"/>
+            </a:pPr>
+            <a:r>
+              <a:rPr lang="ru-RU" i="0" u="none" strike="noStrike" dirty="0" err="1">
+                <a:solidFill>
+                  <a:srgbClr val="FFFFFF"/>
+                </a:solidFill>
+                <a:latin typeface="Arial" panose="020B0604020202020204" pitchFamily="34" charset="0"/>
+              </a:rPr>
+              <a:t>Кастомные</a:t>
+            </a:r>
+            <a:r>
+              <a:rPr lang="ru-RU" i="0" u="none" strike="noStrike" dirty="0">
+                <a:solidFill>
+                  <a:srgbClr val="FFFFFF"/>
+                </a:solidFill>
+                <a:latin typeface="Arial" panose="020B0604020202020204" pitchFamily="34" charset="0"/>
+              </a:rPr>
+              <a:t> фичи не улучшают модель</a:t>
+            </a:r>
+          </a:p>
+          <a:p>
+            <a:pPr marL="342900" indent="-342900">
+              <a:spcBef>
+                <a:spcPts val="0"/>
+              </a:spcBef>
+              <a:spcAft>
+                <a:spcPts val="0"/>
+              </a:spcAft>
+              <a:buFont typeface="Wingdings 3" panose="05040102010807070707" pitchFamily="18" charset="2"/>
+              <a:buAutoNum type="arabicPeriod"/>
+            </a:pPr>
+            <a:endParaRPr lang="ru-RU" i="0" u="none" strike="noStrike" dirty="0">
+              <a:solidFill>
+                <a:srgbClr val="FFFFFF"/>
+              </a:solidFill>
+              <a:latin typeface="Arial" panose="020B0604020202020204" pitchFamily="34" charset="0"/>
+            </a:endParaRPr>
+          </a:p>
+          <a:p>
+            <a:pPr rtl="0">
+              <a:spcBef>
+                <a:spcPts val="0"/>
+              </a:spcBef>
+              <a:spcAft>
+                <a:spcPts val="0"/>
+              </a:spcAft>
+            </a:pPr>
+            <a:endParaRPr lang="ru-RU" dirty="0">
+              <a:solidFill>
+                <a:srgbClr val="FFFFFF"/>
+              </a:solidFill>
+              <a:latin typeface="Arial" panose="020B0604020202020204" pitchFamily="34" charset="0"/>
             </a:endParaRPr>
           </a:p>
         </p:txBody>
@@ -10856,7 +11945,7 @@
     </p:spTree>
     <p:extLst>
       <p:ext uri="{BB962C8B-B14F-4D97-AF65-F5344CB8AC3E}">
-        <p14:creationId xmlns:p14="http://schemas.microsoft.com/office/powerpoint/2010/main" val="3989388252"/>
+        <p14:creationId xmlns:p14="http://schemas.microsoft.com/office/powerpoint/2010/main" val="3696340996"/>
       </p:ext>
     </p:extLst>
   </p:cSld>
